--- a/formato sustentacion (1).pptx
+++ b/formato sustentacion (1).pptx
@@ -5,7 +5,7 @@
     <p:sldMasterId id="2147483661" r:id="rId1"/>
   </p:sldMasterIdLst>
   <p:notesMasterIdLst>
-    <p:notesMasterId r:id="rId16"/>
+    <p:notesMasterId r:id="rId14"/>
   </p:notesMasterIdLst>
   <p:sldIdLst>
     <p:sldId id="256" r:id="rId2"/>
@@ -14,14 +14,12 @@
     <p:sldId id="262" r:id="rId5"/>
     <p:sldId id="263" r:id="rId6"/>
     <p:sldId id="257" r:id="rId7"/>
-    <p:sldId id="258" r:id="rId8"/>
-    <p:sldId id="259" r:id="rId9"/>
-    <p:sldId id="260" r:id="rId10"/>
-    <p:sldId id="261" r:id="rId11"/>
-    <p:sldId id="269" r:id="rId12"/>
-    <p:sldId id="264" r:id="rId13"/>
-    <p:sldId id="265" r:id="rId14"/>
-    <p:sldId id="267" r:id="rId15"/>
+    <p:sldId id="260" r:id="rId8"/>
+    <p:sldId id="261" r:id="rId9"/>
+    <p:sldId id="269" r:id="rId10"/>
+    <p:sldId id="264" r:id="rId11"/>
+    <p:sldId id="265" r:id="rId12"/>
+    <p:sldId id="267" r:id="rId13"/>
   </p:sldIdLst>
   <p:sldSz cx="9144000" cy="5143500" type="screen16x9"/>
   <p:notesSz cx="6858000" cy="9144000"/>
@@ -1591,270 +1589,6 @@
   <p:cSld>
     <p:spTree>
       <p:nvGrpSpPr>
-        <p:cNvPr id="1" name="Shape 127"/>
-        <p:cNvGrpSpPr/>
-        <p:nvPr/>
-      </p:nvGrpSpPr>
-      <p:grpSpPr>
-        <a:xfrm>
-          <a:off x="0" y="0"/>
-          <a:ext cx="0" cy="0"/>
-          <a:chOff x="0" y="0"/>
-          <a:chExt cx="0" cy="0"/>
-        </a:xfrm>
-      </p:grpSpPr>
-      <p:sp>
-        <p:nvSpPr>
-          <p:cNvPr id="128" name="Google Shape;128;g52782f7a57_0_36:notes"/>
-          <p:cNvSpPr>
-            <a:spLocks noGrp="1" noRot="1" noChangeAspect="1"/>
-          </p:cNvSpPr>
-          <p:nvPr>
-            <p:ph type="sldImg" idx="2"/>
-          </p:nvPr>
-        </p:nvSpPr>
-        <p:spPr>
-          <a:xfrm>
-            <a:off x="381000" y="685800"/>
-            <a:ext cx="6096000" cy="3429000"/>
-          </a:xfrm>
-          <a:custGeom>
-            <a:avLst/>
-            <a:gdLst/>
-            <a:ahLst/>
-            <a:cxnLst/>
-            <a:rect l="l" t="t" r="r" b="b"/>
-            <a:pathLst>
-              <a:path w="120000" h="120000" extrusionOk="0">
-                <a:moveTo>
-                  <a:pt x="0" y="0"/>
-                </a:moveTo>
-                <a:lnTo>
-                  <a:pt x="120000" y="0"/>
-                </a:lnTo>
-                <a:lnTo>
-                  <a:pt x="120000" y="120000"/>
-                </a:lnTo>
-                <a:lnTo>
-                  <a:pt x="0" y="120000"/>
-                </a:lnTo>
-                <a:close/>
-              </a:path>
-            </a:pathLst>
-          </a:custGeom>
-        </p:spPr>
-      </p:sp>
-      <p:sp>
-        <p:nvSpPr>
-          <p:cNvPr id="129" name="Google Shape;129;g52782f7a57_0_36:notes"/>
-          <p:cNvSpPr txBox="1">
-            <a:spLocks noGrp="1"/>
-          </p:cNvSpPr>
-          <p:nvPr>
-            <p:ph type="body" idx="1"/>
-          </p:nvPr>
-        </p:nvSpPr>
-        <p:spPr>
-          <a:xfrm>
-            <a:off x="685800" y="4343400"/>
-            <a:ext cx="5486400" cy="4114800"/>
-          </a:xfrm>
-          <a:prstGeom prst="rect">
-            <a:avLst/>
-          </a:prstGeom>
-        </p:spPr>
-        <p:txBody>
-          <a:bodyPr spcFirstLastPara="1" wrap="square" lIns="91425" tIns="45700" rIns="91425" bIns="45700" anchor="t" anchorCtr="0">
-            <a:noAutofit/>
-          </a:bodyPr>
-          <a:lstStyle/>
-          <a:p>
-            <a:pPr marL="0" lvl="0" indent="0" algn="l" rtl="0">
-              <a:spcBef>
-                <a:spcPts val="0"/>
-              </a:spcBef>
-              <a:spcAft>
-                <a:spcPts val="0"/>
-              </a:spcAft>
-              <a:buNone/>
-            </a:pPr>
-            <a:endParaRPr/>
-          </a:p>
-        </p:txBody>
-      </p:sp>
-      <p:sp>
-        <p:nvSpPr>
-          <p:cNvPr id="130" name="Google Shape;130;g52782f7a57_0_36:notes"/>
-          <p:cNvSpPr txBox="1">
-            <a:spLocks noGrp="1"/>
-          </p:cNvSpPr>
-          <p:nvPr>
-            <p:ph type="sldNum" idx="12"/>
-          </p:nvPr>
-        </p:nvSpPr>
-        <p:spPr>
-          <a:xfrm>
-            <a:off x="3884613" y="8685213"/>
-            <a:ext cx="2971800" cy="457200"/>
-          </a:xfrm>
-          <a:prstGeom prst="rect">
-            <a:avLst/>
-          </a:prstGeom>
-        </p:spPr>
-        <p:txBody>
-          <a:bodyPr spcFirstLastPara="1" wrap="square" lIns="91425" tIns="45700" rIns="91425" bIns="45700" anchor="b" anchorCtr="0">
-            <a:noAutofit/>
-          </a:bodyPr>
-          <a:lstStyle/>
-          <a:p>
-            <a:pPr marL="0" lvl="0" indent="0" algn="r" rtl="0">
-              <a:spcBef>
-                <a:spcPts val="0"/>
-              </a:spcBef>
-              <a:spcAft>
-                <a:spcPts val="0"/>
-              </a:spcAft>
-              <a:buClr>
-                <a:srgbClr val="000000"/>
-              </a:buClr>
-              <a:buFont typeface="Arial"/>
-              <a:buNone/>
-            </a:pPr>
-            <a:fld id="{00000000-1234-1234-1234-123412341234}" type="slidenum">
-              <a:rPr lang="es-ES"/>
-              <a:t>12</a:t>
-            </a:fld>
-            <a:endParaRPr/>
-          </a:p>
-        </p:txBody>
-      </p:sp>
-    </p:spTree>
-    <p:extLst>
-      <p:ext uri="{BB962C8B-B14F-4D97-AF65-F5344CB8AC3E}">
-        <p14:creationId xmlns:p14="http://schemas.microsoft.com/office/powerpoint/2010/main" val="3128029500"/>
-      </p:ext>
-    </p:extLst>
-  </p:cSld>
-  <p:clrMapOvr>
-    <a:masterClrMapping/>
-  </p:clrMapOvr>
-</p:notes>
-</file>
-
-<file path=ppt/notesSlides/notesSlide11.xml><?xml version="1.0" encoding="utf-8"?>
-<p:notes xmlns:a="http://schemas.openxmlformats.org/drawingml/2006/main" xmlns:r="http://schemas.openxmlformats.org/officeDocument/2006/relationships" xmlns:p="http://schemas.openxmlformats.org/presentationml/2006/main" showMasterSp="0" showMasterPhAnim="0">
-  <p:cSld>
-    <p:spTree>
-      <p:nvGrpSpPr>
-        <p:cNvPr id="1" name="Shape 134"/>
-        <p:cNvGrpSpPr/>
-        <p:nvPr/>
-      </p:nvGrpSpPr>
-      <p:grpSpPr>
-        <a:xfrm>
-          <a:off x="0" y="0"/>
-          <a:ext cx="0" cy="0"/>
-          <a:chOff x="0" y="0"/>
-          <a:chExt cx="0" cy="0"/>
-        </a:xfrm>
-      </p:grpSpPr>
-      <p:sp>
-        <p:nvSpPr>
-          <p:cNvPr id="135" name="Google Shape;135;p5:notes"/>
-          <p:cNvSpPr txBox="1">
-            <a:spLocks noGrp="1"/>
-          </p:cNvSpPr>
-          <p:nvPr>
-            <p:ph type="body" idx="1"/>
-          </p:nvPr>
-        </p:nvSpPr>
-        <p:spPr>
-          <a:xfrm>
-            <a:off x="685800" y="4343400"/>
-            <a:ext cx="5486400" cy="4114800"/>
-          </a:xfrm>
-          <a:prstGeom prst="rect">
-            <a:avLst/>
-          </a:prstGeom>
-        </p:spPr>
-        <p:txBody>
-          <a:bodyPr spcFirstLastPara="1" wrap="square" lIns="91425" tIns="45700" rIns="91425" bIns="45700" anchor="t" anchorCtr="0">
-            <a:noAutofit/>
-          </a:bodyPr>
-          <a:lstStyle/>
-          <a:p>
-            <a:pPr marL="0" lvl="0" indent="0" algn="l" rtl="0">
-              <a:spcBef>
-                <a:spcPts val="0"/>
-              </a:spcBef>
-              <a:spcAft>
-                <a:spcPts val="0"/>
-              </a:spcAft>
-              <a:buNone/>
-            </a:pPr>
-            <a:endParaRPr/>
-          </a:p>
-        </p:txBody>
-      </p:sp>
-      <p:sp>
-        <p:nvSpPr>
-          <p:cNvPr id="136" name="Google Shape;136;p5:notes"/>
-          <p:cNvSpPr>
-            <a:spLocks noGrp="1" noRot="1" noChangeAspect="1"/>
-          </p:cNvSpPr>
-          <p:nvPr>
-            <p:ph type="sldImg" idx="2"/>
-          </p:nvPr>
-        </p:nvSpPr>
-        <p:spPr>
-          <a:xfrm>
-            <a:off x="381000" y="685800"/>
-            <a:ext cx="6096000" cy="3429000"/>
-          </a:xfrm>
-          <a:custGeom>
-            <a:avLst/>
-            <a:gdLst/>
-            <a:ahLst/>
-            <a:cxnLst/>
-            <a:rect l="l" t="t" r="r" b="b"/>
-            <a:pathLst>
-              <a:path w="120000" h="120000" extrusionOk="0">
-                <a:moveTo>
-                  <a:pt x="0" y="0"/>
-                </a:moveTo>
-                <a:lnTo>
-                  <a:pt x="120000" y="0"/>
-                </a:lnTo>
-                <a:lnTo>
-                  <a:pt x="120000" y="120000"/>
-                </a:lnTo>
-                <a:lnTo>
-                  <a:pt x="0" y="120000"/>
-                </a:lnTo>
-                <a:close/>
-              </a:path>
-            </a:pathLst>
-          </a:custGeom>
-        </p:spPr>
-      </p:sp>
-    </p:spTree>
-    <p:extLst>
-      <p:ext uri="{BB962C8B-B14F-4D97-AF65-F5344CB8AC3E}">
-        <p14:creationId xmlns:p14="http://schemas.microsoft.com/office/powerpoint/2010/main" val="1140180699"/>
-      </p:ext>
-    </p:extLst>
-  </p:cSld>
-  <p:clrMapOvr>
-    <a:masterClrMapping/>
-  </p:clrMapOvr>
-</p:notes>
-</file>
-
-<file path=ppt/notesSlides/notesSlide12.xml><?xml version="1.0" encoding="utf-8"?>
-<p:notes xmlns:a="http://schemas.openxmlformats.org/drawingml/2006/main" xmlns:r="http://schemas.openxmlformats.org/officeDocument/2006/relationships" xmlns:p="http://schemas.openxmlformats.org/presentationml/2006/main" showMasterSp="0" showMasterPhAnim="0">
-  <p:cSld>
-    <p:spTree>
-      <p:nvGrpSpPr>
         <p:cNvPr id="1" name="Shape 150"/>
         <p:cNvGrpSpPr/>
         <p:nvPr/>
@@ -2492,224 +2226,6 @@
   <p:cSld>
     <p:spTree>
       <p:nvGrpSpPr>
-        <p:cNvPr id="1" name="Shape 54"/>
-        <p:cNvGrpSpPr/>
-        <p:nvPr/>
-      </p:nvGrpSpPr>
-      <p:grpSpPr>
-        <a:xfrm>
-          <a:off x="0" y="0"/>
-          <a:ext cx="0" cy="0"/>
-          <a:chOff x="0" y="0"/>
-          <a:chExt cx="0" cy="0"/>
-        </a:xfrm>
-      </p:grpSpPr>
-      <p:sp>
-        <p:nvSpPr>
-          <p:cNvPr id="55" name="Google Shape;55;p3:notes"/>
-          <p:cNvSpPr txBox="1">
-            <a:spLocks noGrp="1"/>
-          </p:cNvSpPr>
-          <p:nvPr>
-            <p:ph type="body" idx="1"/>
-          </p:nvPr>
-        </p:nvSpPr>
-        <p:spPr>
-          <a:xfrm>
-            <a:off x="685800" y="4343400"/>
-            <a:ext cx="5486400" cy="4114800"/>
-          </a:xfrm>
-          <a:prstGeom prst="rect">
-            <a:avLst/>
-          </a:prstGeom>
-        </p:spPr>
-        <p:txBody>
-          <a:bodyPr spcFirstLastPara="1" wrap="square" lIns="91425" tIns="45700" rIns="91425" bIns="45700" anchor="t" anchorCtr="0">
-            <a:noAutofit/>
-          </a:bodyPr>
-          <a:lstStyle/>
-          <a:p>
-            <a:pPr marL="0" lvl="0" indent="0" algn="l" rtl="0">
-              <a:spcBef>
-                <a:spcPts val="0"/>
-              </a:spcBef>
-              <a:spcAft>
-                <a:spcPts val="0"/>
-              </a:spcAft>
-              <a:buNone/>
-            </a:pPr>
-            <a:endParaRPr/>
-          </a:p>
-        </p:txBody>
-      </p:sp>
-      <p:sp>
-        <p:nvSpPr>
-          <p:cNvPr id="56" name="Google Shape;56;p3:notes"/>
-          <p:cNvSpPr>
-            <a:spLocks noGrp="1" noRot="1" noChangeAspect="1"/>
-          </p:cNvSpPr>
-          <p:nvPr>
-            <p:ph type="sldImg" idx="2"/>
-          </p:nvPr>
-        </p:nvSpPr>
-        <p:spPr>
-          <a:xfrm>
-            <a:off x="381000" y="685800"/>
-            <a:ext cx="6096000" cy="3429000"/>
-          </a:xfrm>
-          <a:custGeom>
-            <a:avLst/>
-            <a:gdLst/>
-            <a:ahLst/>
-            <a:cxnLst/>
-            <a:rect l="l" t="t" r="r" b="b"/>
-            <a:pathLst>
-              <a:path w="120000" h="120000" extrusionOk="0">
-                <a:moveTo>
-                  <a:pt x="0" y="0"/>
-                </a:moveTo>
-                <a:lnTo>
-                  <a:pt x="120000" y="0"/>
-                </a:lnTo>
-                <a:lnTo>
-                  <a:pt x="120000" y="120000"/>
-                </a:lnTo>
-                <a:lnTo>
-                  <a:pt x="0" y="120000"/>
-                </a:lnTo>
-                <a:close/>
-              </a:path>
-            </a:pathLst>
-          </a:custGeom>
-        </p:spPr>
-      </p:sp>
-    </p:spTree>
-    <p:extLst>
-      <p:ext uri="{BB962C8B-B14F-4D97-AF65-F5344CB8AC3E}">
-        <p14:creationId xmlns:p14="http://schemas.microsoft.com/office/powerpoint/2010/main" val="851353705"/>
-      </p:ext>
-    </p:extLst>
-  </p:cSld>
-  <p:clrMapOvr>
-    <a:masterClrMapping/>
-  </p:clrMapOvr>
-</p:notes>
-</file>
-
-<file path=ppt/notesSlides/notesSlide7.xml><?xml version="1.0" encoding="utf-8"?>
-<p:notes xmlns:a="http://schemas.openxmlformats.org/drawingml/2006/main" xmlns:r="http://schemas.openxmlformats.org/officeDocument/2006/relationships" xmlns:p="http://schemas.openxmlformats.org/presentationml/2006/main" showMasterSp="0" showMasterPhAnim="0">
-  <p:cSld>
-    <p:spTree>
-      <p:nvGrpSpPr>
-        <p:cNvPr id="1" name="Shape 92"/>
-        <p:cNvGrpSpPr/>
-        <p:nvPr/>
-      </p:nvGrpSpPr>
-      <p:grpSpPr>
-        <a:xfrm>
-          <a:off x="0" y="0"/>
-          <a:ext cx="0" cy="0"/>
-          <a:chOff x="0" y="0"/>
-          <a:chExt cx="0" cy="0"/>
-        </a:xfrm>
-      </p:grpSpPr>
-      <p:sp>
-        <p:nvSpPr>
-          <p:cNvPr id="93" name="Google Shape;93;p4:notes"/>
-          <p:cNvSpPr txBox="1">
-            <a:spLocks noGrp="1"/>
-          </p:cNvSpPr>
-          <p:nvPr>
-            <p:ph type="body" idx="1"/>
-          </p:nvPr>
-        </p:nvSpPr>
-        <p:spPr>
-          <a:xfrm>
-            <a:off x="685800" y="4343400"/>
-            <a:ext cx="5486400" cy="4114800"/>
-          </a:xfrm>
-          <a:prstGeom prst="rect">
-            <a:avLst/>
-          </a:prstGeom>
-        </p:spPr>
-        <p:txBody>
-          <a:bodyPr spcFirstLastPara="1" wrap="square" lIns="91425" tIns="45700" rIns="91425" bIns="45700" anchor="t" anchorCtr="0">
-            <a:noAutofit/>
-          </a:bodyPr>
-          <a:lstStyle/>
-          <a:p>
-            <a:pPr marL="0" lvl="0" indent="0" algn="l" rtl="0">
-              <a:spcBef>
-                <a:spcPts val="0"/>
-              </a:spcBef>
-              <a:spcAft>
-                <a:spcPts val="0"/>
-              </a:spcAft>
-              <a:buNone/>
-            </a:pPr>
-            <a:endParaRPr/>
-          </a:p>
-        </p:txBody>
-      </p:sp>
-      <p:sp>
-        <p:nvSpPr>
-          <p:cNvPr id="94" name="Google Shape;94;p4:notes"/>
-          <p:cNvSpPr>
-            <a:spLocks noGrp="1" noRot="1" noChangeAspect="1"/>
-          </p:cNvSpPr>
-          <p:nvPr>
-            <p:ph type="sldImg" idx="2"/>
-          </p:nvPr>
-        </p:nvSpPr>
-        <p:spPr>
-          <a:xfrm>
-            <a:off x="381000" y="685800"/>
-            <a:ext cx="6096000" cy="3429000"/>
-          </a:xfrm>
-          <a:custGeom>
-            <a:avLst/>
-            <a:gdLst/>
-            <a:ahLst/>
-            <a:cxnLst/>
-            <a:rect l="l" t="t" r="r" b="b"/>
-            <a:pathLst>
-              <a:path w="120000" h="120000" extrusionOk="0">
-                <a:moveTo>
-                  <a:pt x="0" y="0"/>
-                </a:moveTo>
-                <a:lnTo>
-                  <a:pt x="120000" y="0"/>
-                </a:lnTo>
-                <a:lnTo>
-                  <a:pt x="120000" y="120000"/>
-                </a:lnTo>
-                <a:lnTo>
-                  <a:pt x="0" y="120000"/>
-                </a:lnTo>
-                <a:close/>
-              </a:path>
-            </a:pathLst>
-          </a:custGeom>
-        </p:spPr>
-      </p:sp>
-    </p:spTree>
-    <p:extLst>
-      <p:ext uri="{BB962C8B-B14F-4D97-AF65-F5344CB8AC3E}">
-        <p14:creationId xmlns:p14="http://schemas.microsoft.com/office/powerpoint/2010/main" val="53215037"/>
-      </p:ext>
-    </p:extLst>
-  </p:cSld>
-  <p:clrMapOvr>
-    <a:masterClrMapping/>
-  </p:clrMapOvr>
-</p:notes>
-</file>
-
-<file path=ppt/notesSlides/notesSlide8.xml><?xml version="1.0" encoding="utf-8"?>
-<p:notes xmlns:a="http://schemas.openxmlformats.org/drawingml/2006/main" xmlns:r="http://schemas.openxmlformats.org/officeDocument/2006/relationships" xmlns:p="http://schemas.openxmlformats.org/presentationml/2006/main" showMasterSp="0" showMasterPhAnim="0">
-  <p:cSld>
-    <p:spTree>
-      <p:nvGrpSpPr>
         <p:cNvPr id="1" name="Shape 99"/>
         <p:cNvGrpSpPr/>
         <p:nvPr/>
@@ -2841,7 +2357,7 @@
             </a:pPr>
             <a:fld id="{00000000-1234-1234-1234-123412341234}" type="slidenum">
               <a:rPr lang="es-ES"/>
-              <a:t>9</a:t>
+              <a:t>7</a:t>
             </a:fld>
             <a:endParaRPr/>
           </a:p>
@@ -2860,7 +2376,7 @@
 </p:notes>
 </file>
 
-<file path=ppt/notesSlides/notesSlide9.xml><?xml version="1.0" encoding="utf-8"?>
+<file path=ppt/notesSlides/notesSlide7.xml><?xml version="1.0" encoding="utf-8"?>
 <p:notes xmlns:a="http://schemas.openxmlformats.org/drawingml/2006/main" xmlns:r="http://schemas.openxmlformats.org/officeDocument/2006/relationships" xmlns:p="http://schemas.openxmlformats.org/presentationml/2006/main" showMasterSp="0" showMasterPhAnim="0">
   <p:cSld>
     <p:spTree>
@@ -2996,7 +2512,7 @@
             </a:pPr>
             <a:fld id="{00000000-1234-1234-1234-123412341234}" type="slidenum">
               <a:rPr lang="es-ES"/>
-              <a:t>10</a:t>
+              <a:t>8</a:t>
             </a:fld>
             <a:endParaRPr/>
           </a:p>
@@ -3006,6 +2522,270 @@
     <p:extLst>
       <p:ext uri="{BB962C8B-B14F-4D97-AF65-F5344CB8AC3E}">
         <p14:creationId xmlns:p14="http://schemas.microsoft.com/office/powerpoint/2010/main" val="3408438805"/>
+      </p:ext>
+    </p:extLst>
+  </p:cSld>
+  <p:clrMapOvr>
+    <a:masterClrMapping/>
+  </p:clrMapOvr>
+</p:notes>
+</file>
+
+<file path=ppt/notesSlides/notesSlide8.xml><?xml version="1.0" encoding="utf-8"?>
+<p:notes xmlns:a="http://schemas.openxmlformats.org/drawingml/2006/main" xmlns:r="http://schemas.openxmlformats.org/officeDocument/2006/relationships" xmlns:p="http://schemas.openxmlformats.org/presentationml/2006/main" showMasterSp="0" showMasterPhAnim="0">
+  <p:cSld>
+    <p:spTree>
+      <p:nvGrpSpPr>
+        <p:cNvPr id="1" name="Shape 127"/>
+        <p:cNvGrpSpPr/>
+        <p:nvPr/>
+      </p:nvGrpSpPr>
+      <p:grpSpPr>
+        <a:xfrm>
+          <a:off x="0" y="0"/>
+          <a:ext cx="0" cy="0"/>
+          <a:chOff x="0" y="0"/>
+          <a:chExt cx="0" cy="0"/>
+        </a:xfrm>
+      </p:grpSpPr>
+      <p:sp>
+        <p:nvSpPr>
+          <p:cNvPr id="128" name="Google Shape;128;g52782f7a57_0_36:notes"/>
+          <p:cNvSpPr>
+            <a:spLocks noGrp="1" noRot="1" noChangeAspect="1"/>
+          </p:cNvSpPr>
+          <p:nvPr>
+            <p:ph type="sldImg" idx="2"/>
+          </p:nvPr>
+        </p:nvSpPr>
+        <p:spPr>
+          <a:xfrm>
+            <a:off x="381000" y="685800"/>
+            <a:ext cx="6096000" cy="3429000"/>
+          </a:xfrm>
+          <a:custGeom>
+            <a:avLst/>
+            <a:gdLst/>
+            <a:ahLst/>
+            <a:cxnLst/>
+            <a:rect l="l" t="t" r="r" b="b"/>
+            <a:pathLst>
+              <a:path w="120000" h="120000" extrusionOk="0">
+                <a:moveTo>
+                  <a:pt x="0" y="0"/>
+                </a:moveTo>
+                <a:lnTo>
+                  <a:pt x="120000" y="0"/>
+                </a:lnTo>
+                <a:lnTo>
+                  <a:pt x="120000" y="120000"/>
+                </a:lnTo>
+                <a:lnTo>
+                  <a:pt x="0" y="120000"/>
+                </a:lnTo>
+                <a:close/>
+              </a:path>
+            </a:pathLst>
+          </a:custGeom>
+        </p:spPr>
+      </p:sp>
+      <p:sp>
+        <p:nvSpPr>
+          <p:cNvPr id="129" name="Google Shape;129;g52782f7a57_0_36:notes"/>
+          <p:cNvSpPr txBox="1">
+            <a:spLocks noGrp="1"/>
+          </p:cNvSpPr>
+          <p:nvPr>
+            <p:ph type="body" idx="1"/>
+          </p:nvPr>
+        </p:nvSpPr>
+        <p:spPr>
+          <a:xfrm>
+            <a:off x="685800" y="4343400"/>
+            <a:ext cx="5486400" cy="4114800"/>
+          </a:xfrm>
+          <a:prstGeom prst="rect">
+            <a:avLst/>
+          </a:prstGeom>
+        </p:spPr>
+        <p:txBody>
+          <a:bodyPr spcFirstLastPara="1" wrap="square" lIns="91425" tIns="45700" rIns="91425" bIns="45700" anchor="t" anchorCtr="0">
+            <a:noAutofit/>
+          </a:bodyPr>
+          <a:lstStyle/>
+          <a:p>
+            <a:pPr marL="0" lvl="0" indent="0" algn="l" rtl="0">
+              <a:spcBef>
+                <a:spcPts val="0"/>
+              </a:spcBef>
+              <a:spcAft>
+                <a:spcPts val="0"/>
+              </a:spcAft>
+              <a:buNone/>
+            </a:pPr>
+            <a:endParaRPr/>
+          </a:p>
+        </p:txBody>
+      </p:sp>
+      <p:sp>
+        <p:nvSpPr>
+          <p:cNvPr id="130" name="Google Shape;130;g52782f7a57_0_36:notes"/>
+          <p:cNvSpPr txBox="1">
+            <a:spLocks noGrp="1"/>
+          </p:cNvSpPr>
+          <p:nvPr>
+            <p:ph type="sldNum" idx="12"/>
+          </p:nvPr>
+        </p:nvSpPr>
+        <p:spPr>
+          <a:xfrm>
+            <a:off x="3884613" y="8685213"/>
+            <a:ext cx="2971800" cy="457200"/>
+          </a:xfrm>
+          <a:prstGeom prst="rect">
+            <a:avLst/>
+          </a:prstGeom>
+        </p:spPr>
+        <p:txBody>
+          <a:bodyPr spcFirstLastPara="1" wrap="square" lIns="91425" tIns="45700" rIns="91425" bIns="45700" anchor="b" anchorCtr="0">
+            <a:noAutofit/>
+          </a:bodyPr>
+          <a:lstStyle/>
+          <a:p>
+            <a:pPr marL="0" lvl="0" indent="0" algn="r" rtl="0">
+              <a:spcBef>
+                <a:spcPts val="0"/>
+              </a:spcBef>
+              <a:spcAft>
+                <a:spcPts val="0"/>
+              </a:spcAft>
+              <a:buClr>
+                <a:srgbClr val="000000"/>
+              </a:buClr>
+              <a:buFont typeface="Arial"/>
+              <a:buNone/>
+            </a:pPr>
+            <a:fld id="{00000000-1234-1234-1234-123412341234}" type="slidenum">
+              <a:rPr lang="es-ES"/>
+              <a:t>10</a:t>
+            </a:fld>
+            <a:endParaRPr/>
+          </a:p>
+        </p:txBody>
+      </p:sp>
+    </p:spTree>
+    <p:extLst>
+      <p:ext uri="{BB962C8B-B14F-4D97-AF65-F5344CB8AC3E}">
+        <p14:creationId xmlns:p14="http://schemas.microsoft.com/office/powerpoint/2010/main" val="3128029500"/>
+      </p:ext>
+    </p:extLst>
+  </p:cSld>
+  <p:clrMapOvr>
+    <a:masterClrMapping/>
+  </p:clrMapOvr>
+</p:notes>
+</file>
+
+<file path=ppt/notesSlides/notesSlide9.xml><?xml version="1.0" encoding="utf-8"?>
+<p:notes xmlns:a="http://schemas.openxmlformats.org/drawingml/2006/main" xmlns:r="http://schemas.openxmlformats.org/officeDocument/2006/relationships" xmlns:p="http://schemas.openxmlformats.org/presentationml/2006/main" showMasterSp="0" showMasterPhAnim="0">
+  <p:cSld>
+    <p:spTree>
+      <p:nvGrpSpPr>
+        <p:cNvPr id="1" name="Shape 134"/>
+        <p:cNvGrpSpPr/>
+        <p:nvPr/>
+      </p:nvGrpSpPr>
+      <p:grpSpPr>
+        <a:xfrm>
+          <a:off x="0" y="0"/>
+          <a:ext cx="0" cy="0"/>
+          <a:chOff x="0" y="0"/>
+          <a:chExt cx="0" cy="0"/>
+        </a:xfrm>
+      </p:grpSpPr>
+      <p:sp>
+        <p:nvSpPr>
+          <p:cNvPr id="135" name="Google Shape;135;p5:notes"/>
+          <p:cNvSpPr txBox="1">
+            <a:spLocks noGrp="1"/>
+          </p:cNvSpPr>
+          <p:nvPr>
+            <p:ph type="body" idx="1"/>
+          </p:nvPr>
+        </p:nvSpPr>
+        <p:spPr>
+          <a:xfrm>
+            <a:off x="685800" y="4343400"/>
+            <a:ext cx="5486400" cy="4114800"/>
+          </a:xfrm>
+          <a:prstGeom prst="rect">
+            <a:avLst/>
+          </a:prstGeom>
+        </p:spPr>
+        <p:txBody>
+          <a:bodyPr spcFirstLastPara="1" wrap="square" lIns="91425" tIns="45700" rIns="91425" bIns="45700" anchor="t" anchorCtr="0">
+            <a:noAutofit/>
+          </a:bodyPr>
+          <a:lstStyle/>
+          <a:p>
+            <a:pPr marL="0" lvl="0" indent="0" algn="l" rtl="0">
+              <a:spcBef>
+                <a:spcPts val="0"/>
+              </a:spcBef>
+              <a:spcAft>
+                <a:spcPts val="0"/>
+              </a:spcAft>
+              <a:buNone/>
+            </a:pPr>
+            <a:endParaRPr/>
+          </a:p>
+        </p:txBody>
+      </p:sp>
+      <p:sp>
+        <p:nvSpPr>
+          <p:cNvPr id="136" name="Google Shape;136;p5:notes"/>
+          <p:cNvSpPr>
+            <a:spLocks noGrp="1" noRot="1" noChangeAspect="1"/>
+          </p:cNvSpPr>
+          <p:nvPr>
+            <p:ph type="sldImg" idx="2"/>
+          </p:nvPr>
+        </p:nvSpPr>
+        <p:spPr>
+          <a:xfrm>
+            <a:off x="381000" y="685800"/>
+            <a:ext cx="6096000" cy="3429000"/>
+          </a:xfrm>
+          <a:custGeom>
+            <a:avLst/>
+            <a:gdLst/>
+            <a:ahLst/>
+            <a:cxnLst/>
+            <a:rect l="l" t="t" r="r" b="b"/>
+            <a:pathLst>
+              <a:path w="120000" h="120000" extrusionOk="0">
+                <a:moveTo>
+                  <a:pt x="0" y="0"/>
+                </a:moveTo>
+                <a:lnTo>
+                  <a:pt x="120000" y="0"/>
+                </a:lnTo>
+                <a:lnTo>
+                  <a:pt x="120000" y="120000"/>
+                </a:lnTo>
+                <a:lnTo>
+                  <a:pt x="0" y="120000"/>
+                </a:lnTo>
+                <a:close/>
+              </a:path>
+            </a:pathLst>
+          </a:custGeom>
+        </p:spPr>
+      </p:sp>
+    </p:spTree>
+    <p:extLst>
+      <p:ext uri="{BB962C8B-B14F-4D97-AF65-F5344CB8AC3E}">
+        <p14:creationId xmlns:p14="http://schemas.microsoft.com/office/powerpoint/2010/main" val="1140180699"/>
       </p:ext>
     </p:extLst>
   </p:cSld>
@@ -5093,6 +4873,1914 @@
   <p:cSld>
     <p:spTree>
       <p:nvGrpSpPr>
+        <p:cNvPr id="1" name="Shape 131"/>
+        <p:cNvGrpSpPr/>
+        <p:nvPr/>
+      </p:nvGrpSpPr>
+      <p:grpSpPr>
+        <a:xfrm>
+          <a:off x="0" y="0"/>
+          <a:ext cx="0" cy="0"/>
+          <a:chOff x="0" y="0"/>
+          <a:chExt cx="0" cy="0"/>
+        </a:xfrm>
+      </p:grpSpPr>
+      <p:sp>
+        <p:nvSpPr>
+          <p:cNvPr id="132" name="Google Shape;132;p23"/>
+          <p:cNvSpPr txBox="1"/>
+          <p:nvPr/>
+        </p:nvSpPr>
+        <p:spPr>
+          <a:xfrm>
+            <a:off x="291829" y="1521815"/>
+            <a:ext cx="2937753" cy="3213000"/>
+          </a:xfrm>
+          <a:prstGeom prst="rect">
+            <a:avLst/>
+          </a:prstGeom>
+          <a:noFill/>
+          <a:ln>
+            <a:noFill/>
+          </a:ln>
+        </p:spPr>
+        <p:txBody>
+          <a:bodyPr spcFirstLastPara="1" wrap="square" lIns="91425" tIns="91425" rIns="91425" bIns="91425" anchor="t" anchorCtr="0">
+            <a:noAutofit/>
+          </a:bodyPr>
+          <a:lstStyle/>
+          <a:p>
+            <a:pPr marL="457200" lvl="0" indent="0" algn="ctr" rtl="0">
+              <a:spcBef>
+                <a:spcPts val="0"/>
+              </a:spcBef>
+              <a:spcAft>
+                <a:spcPts val="0"/>
+              </a:spcAft>
+              <a:buNone/>
+            </a:pPr>
+            <a:r>
+              <a:rPr lang="es-ES" sz="2800" b="1" dirty="0">
+                <a:solidFill>
+                  <a:schemeClr val="lt1"/>
+                </a:solidFill>
+                <a:latin typeface="Calibri"/>
+                <a:ea typeface="Calibri"/>
+                <a:cs typeface="Calibri"/>
+                <a:sym typeface="Calibri"/>
+              </a:rPr>
+              <a:t>TRABAJO FUTURO</a:t>
+            </a:r>
+            <a:endParaRPr dirty="0"/>
+          </a:p>
+        </p:txBody>
+      </p:sp>
+      <p:sp>
+        <p:nvSpPr>
+          <p:cNvPr id="133" name="Google Shape;133;p23"/>
+          <p:cNvSpPr txBox="1"/>
+          <p:nvPr/>
+        </p:nvSpPr>
+        <p:spPr>
+          <a:xfrm>
+            <a:off x="3820228" y="256170"/>
+            <a:ext cx="4674010" cy="4627115"/>
+          </a:xfrm>
+          <a:prstGeom prst="rect">
+            <a:avLst/>
+          </a:prstGeom>
+          <a:noFill/>
+          <a:ln>
+            <a:noFill/>
+          </a:ln>
+        </p:spPr>
+        <p:txBody>
+          <a:bodyPr spcFirstLastPara="1" wrap="square" lIns="91425" tIns="91425" rIns="91425" bIns="91425" anchor="t" anchorCtr="0">
+            <a:noAutofit/>
+          </a:bodyPr>
+          <a:lstStyle/>
+          <a:p>
+            <a:pPr marL="457200" lvl="0" indent="-431800" algn="just" rtl="0">
+              <a:spcBef>
+                <a:spcPts val="0"/>
+              </a:spcBef>
+              <a:spcAft>
+                <a:spcPts val="0"/>
+              </a:spcAft>
+              <a:buClr>
+                <a:schemeClr val="dk1"/>
+              </a:buClr>
+              <a:buSzPts val="2000"/>
+              <a:buFont typeface="Calibri"/>
+              <a:buAutoNum type="arabicPeriod"/>
+            </a:pPr>
+            <a:r>
+              <a:rPr lang="es-ES" sz="2400" dirty="0">
+                <a:solidFill>
+                  <a:schemeClr val="tx1"/>
+                </a:solidFill>
+                <a:latin typeface="+mn-lt"/>
+                <a:ea typeface="Calibri"/>
+                <a:cs typeface="Calibri"/>
+                <a:sym typeface="Calibri"/>
+              </a:rPr>
+              <a:t>Crear un modulo de mantenimiento Correctivo. </a:t>
+            </a:r>
+            <a:endParaRPr sz="2400" dirty="0">
+              <a:solidFill>
+                <a:schemeClr val="tx1"/>
+              </a:solidFill>
+              <a:latin typeface="+mn-lt"/>
+              <a:ea typeface="Calibri"/>
+              <a:cs typeface="Calibri"/>
+              <a:sym typeface="Calibri"/>
+            </a:endParaRPr>
+          </a:p>
+          <a:p>
+            <a:pPr marL="457200" lvl="0" indent="-431800" algn="just" rtl="0">
+              <a:spcBef>
+                <a:spcPts val="0"/>
+              </a:spcBef>
+              <a:spcAft>
+                <a:spcPts val="0"/>
+              </a:spcAft>
+              <a:buClr>
+                <a:schemeClr val="dk1"/>
+              </a:buClr>
+              <a:buSzPts val="2000"/>
+              <a:buFont typeface="Calibri"/>
+              <a:buAutoNum type="arabicPeriod"/>
+            </a:pPr>
+            <a:r>
+              <a:rPr lang="es-ES" sz="2400" dirty="0">
+                <a:solidFill>
+                  <a:schemeClr val="tx1"/>
+                </a:solidFill>
+                <a:latin typeface="+mn-lt"/>
+                <a:ea typeface="Calibri"/>
+                <a:cs typeface="Calibri"/>
+                <a:sym typeface="Calibri"/>
+              </a:rPr>
+              <a:t>Crear módulo que automatice la programación de OS.</a:t>
+            </a:r>
+          </a:p>
+          <a:p>
+            <a:pPr marL="457200" lvl="0" indent="-431800" algn="just" rtl="0">
+              <a:spcBef>
+                <a:spcPts val="0"/>
+              </a:spcBef>
+              <a:spcAft>
+                <a:spcPts val="0"/>
+              </a:spcAft>
+              <a:buClr>
+                <a:schemeClr val="dk1"/>
+              </a:buClr>
+              <a:buSzPts val="2000"/>
+              <a:buFont typeface="Calibri"/>
+              <a:buAutoNum type="arabicPeriod"/>
+            </a:pPr>
+            <a:r>
+              <a:rPr lang="es-MX" sz="2400" dirty="0">
+                <a:solidFill>
+                  <a:schemeClr val="tx1"/>
+                </a:solidFill>
+                <a:latin typeface="+mn-lt"/>
+                <a:ea typeface="Calibri"/>
+                <a:cs typeface="Calibri"/>
+                <a:sym typeface="Calibri"/>
+              </a:rPr>
+              <a:t>Crear reportes de historial de los mantenimiento realizado a los equipos de los clientes.</a:t>
+            </a:r>
+            <a:endParaRPr sz="2400" dirty="0">
+              <a:solidFill>
+                <a:schemeClr val="tx1"/>
+              </a:solidFill>
+              <a:latin typeface="+mn-lt"/>
+              <a:ea typeface="Calibri"/>
+              <a:cs typeface="Calibri"/>
+              <a:sym typeface="Calibri"/>
+            </a:endParaRPr>
+          </a:p>
+          <a:p>
+            <a:pPr marL="457200" lvl="0" indent="-431800" algn="just" rtl="0">
+              <a:spcBef>
+                <a:spcPts val="0"/>
+              </a:spcBef>
+              <a:spcAft>
+                <a:spcPts val="0"/>
+              </a:spcAft>
+              <a:buClr>
+                <a:schemeClr val="dk1"/>
+              </a:buClr>
+              <a:buSzPts val="2000"/>
+              <a:buFont typeface="Calibri"/>
+              <a:buAutoNum type="arabicPeriod"/>
+            </a:pPr>
+            <a:r>
+              <a:rPr lang="es-ES" sz="2400" dirty="0">
+                <a:solidFill>
+                  <a:schemeClr val="tx1"/>
+                </a:solidFill>
+                <a:latin typeface="+mn-lt"/>
+                <a:ea typeface="Calibri"/>
+                <a:cs typeface="Calibri"/>
+                <a:sym typeface="Calibri"/>
+              </a:rPr>
+              <a:t>Implementar modulo de facturación.</a:t>
+            </a:r>
+            <a:endParaRPr sz="2400" dirty="0">
+              <a:solidFill>
+                <a:schemeClr val="tx1"/>
+              </a:solidFill>
+              <a:latin typeface="+mn-lt"/>
+              <a:ea typeface="Calibri"/>
+              <a:cs typeface="Calibri"/>
+              <a:sym typeface="Calibri"/>
+            </a:endParaRPr>
+          </a:p>
+          <a:p>
+            <a:pPr marL="457200" lvl="0" indent="0" algn="just" rtl="0">
+              <a:spcBef>
+                <a:spcPts val="0"/>
+              </a:spcBef>
+              <a:spcAft>
+                <a:spcPts val="0"/>
+              </a:spcAft>
+              <a:buNone/>
+            </a:pPr>
+            <a:endParaRPr sz="2000" dirty="0">
+              <a:solidFill>
+                <a:schemeClr val="tx1"/>
+              </a:solidFill>
+              <a:latin typeface="+mn-lt"/>
+              <a:ea typeface="Calibri"/>
+              <a:cs typeface="Calibri"/>
+              <a:sym typeface="Calibri"/>
+            </a:endParaRPr>
+          </a:p>
+        </p:txBody>
+      </p:sp>
+    </p:spTree>
+  </p:cSld>
+  <p:clrMapOvr>
+    <a:masterClrMapping/>
+  </p:clrMapOvr>
+  <mc:AlternateContent xmlns:mc="http://schemas.openxmlformats.org/markup-compatibility/2006" xmlns:p14="http://schemas.microsoft.com/office/powerpoint/2010/main">
+    <mc:Choice Requires="p14">
+      <p:transition spd="slow" p14:dur="1200">
+        <p14:prism/>
+      </p:transition>
+    </mc:Choice>
+    <mc:Fallback xmlns="">
+      <p:transition spd="slow">
+        <p:fade/>
+      </p:transition>
+    </mc:Fallback>
+  </mc:AlternateContent>
+</p:sld>
+</file>
+
+<file path=ppt/slides/slide11.xml><?xml version="1.0" encoding="utf-8"?>
+<p:sld xmlns:a="http://schemas.openxmlformats.org/drawingml/2006/main" xmlns:r="http://schemas.openxmlformats.org/officeDocument/2006/relationships" xmlns:p="http://schemas.openxmlformats.org/presentationml/2006/main">
+  <p:cSld>
+    <p:spTree>
+      <p:nvGrpSpPr>
+        <p:cNvPr id="1" name="Shape 137"/>
+        <p:cNvGrpSpPr/>
+        <p:nvPr/>
+      </p:nvGrpSpPr>
+      <p:grpSpPr>
+        <a:xfrm>
+          <a:off x="0" y="0"/>
+          <a:ext cx="0" cy="0"/>
+          <a:chOff x="0" y="0"/>
+          <a:chExt cx="0" cy="0"/>
+        </a:xfrm>
+      </p:grpSpPr>
+      <p:pic>
+        <p:nvPicPr>
+          <p:cNvPr id="139" name="Google Shape;139;p24"/>
+          <p:cNvPicPr preferRelativeResize="0"/>
+          <p:nvPr/>
+        </p:nvPicPr>
+        <p:blipFill rotWithShape="1">
+          <a:blip r:embed="rId3">
+            <a:alphaModFix/>
+          </a:blip>
+          <a:srcRect/>
+          <a:stretch/>
+        </p:blipFill>
+        <p:spPr>
+          <a:xfrm>
+            <a:off x="1101721" y="1958193"/>
+            <a:ext cx="241300" cy="38100"/>
+          </a:xfrm>
+          <a:prstGeom prst="rect">
+            <a:avLst/>
+          </a:prstGeom>
+          <a:noFill/>
+          <a:ln>
+            <a:noFill/>
+          </a:ln>
+        </p:spPr>
+      </p:pic>
+      <p:sp>
+        <p:nvSpPr>
+          <p:cNvPr id="140" name="Google Shape;140;p24"/>
+          <p:cNvSpPr txBox="1"/>
+          <p:nvPr/>
+        </p:nvSpPr>
+        <p:spPr>
+          <a:xfrm>
+            <a:off x="954675" y="144875"/>
+            <a:ext cx="6728700" cy="708000"/>
+          </a:xfrm>
+          <a:prstGeom prst="rect">
+            <a:avLst/>
+          </a:prstGeom>
+          <a:noFill/>
+          <a:ln>
+            <a:noFill/>
+          </a:ln>
+        </p:spPr>
+        <p:txBody>
+          <a:bodyPr spcFirstLastPara="1" wrap="square" lIns="91425" tIns="45700" rIns="91425" bIns="45700" anchor="t" anchorCtr="0">
+            <a:noAutofit/>
+          </a:bodyPr>
+          <a:lstStyle/>
+          <a:p>
+            <a:pPr marL="457200" lvl="0" indent="0" algn="ctr" rtl="0">
+              <a:spcBef>
+                <a:spcPts val="0"/>
+              </a:spcBef>
+              <a:spcAft>
+                <a:spcPts val="0"/>
+              </a:spcAft>
+              <a:buNone/>
+            </a:pPr>
+            <a:r>
+              <a:rPr lang="es-ES" sz="2800" b="1" dirty="0">
+                <a:solidFill>
+                  <a:schemeClr val="lt1"/>
+                </a:solidFill>
+                <a:latin typeface="Calibri"/>
+                <a:ea typeface="Calibri"/>
+                <a:cs typeface="Calibri"/>
+                <a:sym typeface="Calibri"/>
+              </a:rPr>
+              <a:t>AVANCES DEL PROYECTO</a:t>
+            </a:r>
+            <a:endParaRPr sz="2800" b="1" dirty="0">
+              <a:solidFill>
+                <a:schemeClr val="lt1"/>
+              </a:solidFill>
+              <a:latin typeface="Calibri"/>
+              <a:ea typeface="Calibri"/>
+              <a:cs typeface="Calibri"/>
+              <a:sym typeface="Calibri"/>
+            </a:endParaRPr>
+          </a:p>
+        </p:txBody>
+      </p:sp>
+      <p:sp>
+        <p:nvSpPr>
+          <p:cNvPr id="141" name="Google Shape;141;p24"/>
+          <p:cNvSpPr txBox="1"/>
+          <p:nvPr/>
+        </p:nvSpPr>
+        <p:spPr>
+          <a:xfrm>
+            <a:off x="954675" y="1279497"/>
+            <a:ext cx="2591400" cy="400200"/>
+          </a:xfrm>
+          <a:prstGeom prst="rect">
+            <a:avLst/>
+          </a:prstGeom>
+          <a:noFill/>
+          <a:ln>
+            <a:noFill/>
+          </a:ln>
+        </p:spPr>
+        <p:txBody>
+          <a:bodyPr spcFirstLastPara="1" wrap="square" lIns="91425" tIns="45700" rIns="91425" bIns="45700" anchor="t" anchorCtr="0">
+            <a:noAutofit/>
+          </a:bodyPr>
+          <a:lstStyle/>
+          <a:p>
+            <a:pPr marL="0" marR="0" lvl="0" indent="0" algn="l" rtl="0">
+              <a:spcBef>
+                <a:spcPts val="0"/>
+              </a:spcBef>
+              <a:spcAft>
+                <a:spcPts val="0"/>
+              </a:spcAft>
+              <a:buNone/>
+            </a:pPr>
+            <a:endParaRPr sz="2000" b="1">
+              <a:solidFill>
+                <a:srgbClr val="5E5C5D"/>
+              </a:solidFill>
+              <a:latin typeface="Calibri"/>
+              <a:ea typeface="Calibri"/>
+              <a:cs typeface="Calibri"/>
+              <a:sym typeface="Calibri"/>
+            </a:endParaRPr>
+          </a:p>
+        </p:txBody>
+      </p:sp>
+      <p:sp>
+        <p:nvSpPr>
+          <p:cNvPr id="142" name="Google Shape;142;p24"/>
+          <p:cNvSpPr txBox="1"/>
+          <p:nvPr/>
+        </p:nvSpPr>
+        <p:spPr>
+          <a:xfrm>
+            <a:off x="990200" y="1279500"/>
+            <a:ext cx="7747500" cy="3711300"/>
+          </a:xfrm>
+          <a:prstGeom prst="rect">
+            <a:avLst/>
+          </a:prstGeom>
+          <a:noFill/>
+          <a:ln>
+            <a:noFill/>
+          </a:ln>
+        </p:spPr>
+        <p:txBody>
+          <a:bodyPr spcFirstLastPara="1" wrap="square" lIns="91425" tIns="45700" rIns="91425" bIns="45700" anchor="t" anchorCtr="0">
+            <a:noAutofit/>
+          </a:bodyPr>
+          <a:lstStyle/>
+          <a:p>
+            <a:pPr marL="342900" indent="-342900">
+              <a:buFont typeface="+mj-lt"/>
+              <a:buAutoNum type="arabicPeriod"/>
+            </a:pPr>
+            <a:r>
+              <a:rPr lang="es-MX" sz="1600" dirty="0">
+                <a:solidFill>
+                  <a:schemeClr val="bg2"/>
+                </a:solidFill>
+              </a:rPr>
+              <a:t>Modelo relacional de base de datos </a:t>
+            </a:r>
+          </a:p>
+          <a:p>
+            <a:pPr marL="342900" indent="-342900">
+              <a:buFont typeface="+mj-lt"/>
+              <a:buAutoNum type="arabicPeriod"/>
+            </a:pPr>
+            <a:r>
+              <a:rPr lang="es-MX" sz="1600" dirty="0">
+                <a:solidFill>
+                  <a:schemeClr val="bg2"/>
+                </a:solidFill>
+              </a:rPr>
+              <a:t>Aplicación WEB</a:t>
+            </a:r>
+          </a:p>
+        </p:txBody>
+      </p:sp>
+    </p:spTree>
+  </p:cSld>
+  <p:clrMapOvr>
+    <a:masterClrMapping/>
+  </p:clrMapOvr>
+  <mc:AlternateContent xmlns:mc="http://schemas.openxmlformats.org/markup-compatibility/2006" xmlns:p14="http://schemas.microsoft.com/office/powerpoint/2010/main">
+    <mc:Choice Requires="p14">
+      <p:transition spd="slow" p14:dur="1200">
+        <p14:prism/>
+      </p:transition>
+    </mc:Choice>
+    <mc:Fallback xmlns="">
+      <p:transition spd="slow">
+        <p:fade/>
+      </p:transition>
+    </mc:Fallback>
+  </mc:AlternateContent>
+</p:sld>
+</file>
+
+<file path=ppt/slides/slide12.xml><?xml version="1.0" encoding="utf-8"?>
+<p:sld xmlns:a="http://schemas.openxmlformats.org/drawingml/2006/main" xmlns:r="http://schemas.openxmlformats.org/officeDocument/2006/relationships" xmlns:p="http://schemas.openxmlformats.org/presentationml/2006/main">
+  <p:cSld>
+    <p:spTree>
+      <p:nvGrpSpPr>
+        <p:cNvPr id="1" name="Shape 153"/>
+        <p:cNvGrpSpPr/>
+        <p:nvPr/>
+      </p:nvGrpSpPr>
+      <p:grpSpPr>
+        <a:xfrm>
+          <a:off x="0" y="0"/>
+          <a:ext cx="0" cy="0"/>
+          <a:chOff x="0" y="0"/>
+          <a:chExt cx="0" cy="0"/>
+        </a:xfrm>
+      </p:grpSpPr>
+    </p:spTree>
+  </p:cSld>
+  <p:clrMapOvr>
+    <a:masterClrMapping/>
+  </p:clrMapOvr>
+  <mc:AlternateContent xmlns:mc="http://schemas.openxmlformats.org/markup-compatibility/2006" xmlns:p14="http://schemas.microsoft.com/office/powerpoint/2010/main">
+    <mc:Choice Requires="p14">
+      <p:transition spd="slow" p14:dur="1200">
+        <p14:prism/>
+      </p:transition>
+    </mc:Choice>
+    <mc:Fallback xmlns="">
+      <p:transition spd="slow">
+        <p:fade/>
+      </p:transition>
+    </mc:Fallback>
+  </mc:AlternateContent>
+</p:sld>
+</file>
+
+<file path=ppt/slides/slide2.xml><?xml version="1.0" encoding="utf-8"?>
+<p:sld xmlns:a="http://schemas.openxmlformats.org/drawingml/2006/main" xmlns:r="http://schemas.openxmlformats.org/officeDocument/2006/relationships" xmlns:p="http://schemas.openxmlformats.org/presentationml/2006/main">
+  <p:cSld>
+    <p:spTree>
+      <p:nvGrpSpPr>
+        <p:cNvPr id="1" name=""/>
+        <p:cNvGrpSpPr/>
+        <p:nvPr/>
+      </p:nvGrpSpPr>
+      <p:grpSpPr>
+        <a:xfrm>
+          <a:off x="0" y="0"/>
+          <a:ext cx="0" cy="0"/>
+          <a:chOff x="0" y="0"/>
+          <a:chExt cx="0" cy="0"/>
+        </a:xfrm>
+      </p:grpSpPr>
+      <p:sp>
+        <p:nvSpPr>
+          <p:cNvPr id="3" name="Rectángulo 2"/>
+          <p:cNvSpPr/>
+          <p:nvPr/>
+        </p:nvSpPr>
+        <p:spPr>
+          <a:xfrm>
+            <a:off x="107997" y="2299875"/>
+            <a:ext cx="3512501" cy="523220"/>
+          </a:xfrm>
+          <a:prstGeom prst="rect">
+            <a:avLst/>
+          </a:prstGeom>
+        </p:spPr>
+        <p:txBody>
+          <a:bodyPr wrap="none">
+            <a:spAutoFit/>
+          </a:bodyPr>
+          <a:lstStyle/>
+          <a:p>
+            <a:pPr lvl="0" algn="ctr"/>
+            <a:r>
+              <a:rPr lang="es-ES" sz="2800" b="1" dirty="0">
+                <a:solidFill>
+                  <a:schemeClr val="lt1"/>
+                </a:solidFill>
+                <a:latin typeface="Calibri"/>
+                <a:ea typeface="Calibri"/>
+                <a:cs typeface="Calibri"/>
+                <a:sym typeface="Calibri"/>
+              </a:rPr>
+              <a:t>AGENDA DE TRABAJO </a:t>
+            </a:r>
+          </a:p>
+        </p:txBody>
+      </p:sp>
+      <p:sp>
+        <p:nvSpPr>
+          <p:cNvPr id="5" name="CuadroTexto 4"/>
+          <p:cNvSpPr txBox="1"/>
+          <p:nvPr/>
+        </p:nvSpPr>
+        <p:spPr>
+          <a:xfrm>
+            <a:off x="4051309" y="1029062"/>
+            <a:ext cx="4857135" cy="3785652"/>
+          </a:xfrm>
+          <a:prstGeom prst="rect">
+            <a:avLst/>
+          </a:prstGeom>
+          <a:noFill/>
+        </p:spPr>
+        <p:txBody>
+          <a:bodyPr wrap="square" rtlCol="0">
+            <a:spAutoFit/>
+          </a:bodyPr>
+          <a:lstStyle/>
+          <a:p>
+            <a:pPr marL="285750" lvl="0" indent="-285750">
+              <a:buFont typeface="Arial" panose="020B0604020202020204" pitchFamily="34" charset="0"/>
+              <a:buChar char="•"/>
+            </a:pPr>
+            <a:endParaRPr lang="es-ES" sz="2000" b="1" dirty="0">
+              <a:solidFill>
+                <a:schemeClr val="tx1"/>
+              </a:solidFill>
+              <a:latin typeface="+mn-lt"/>
+              <a:ea typeface="Calibri"/>
+              <a:cs typeface="Calibri"/>
+              <a:sym typeface="Calibri"/>
+            </a:endParaRPr>
+          </a:p>
+          <a:p>
+            <a:pPr marL="285750" lvl="0" indent="-285750">
+              <a:buFont typeface="Arial" panose="020B0604020202020204" pitchFamily="34" charset="0"/>
+              <a:buChar char="•"/>
+            </a:pPr>
+            <a:r>
+              <a:rPr lang="es-ES" sz="2000" b="1" dirty="0">
+                <a:solidFill>
+                  <a:schemeClr val="tx1"/>
+                </a:solidFill>
+                <a:latin typeface="+mn-lt"/>
+                <a:ea typeface="Calibri"/>
+                <a:cs typeface="Calibri"/>
+                <a:sym typeface="Calibri"/>
+              </a:rPr>
+              <a:t>TÍTULO DEL PROYECTO</a:t>
+            </a:r>
+          </a:p>
+          <a:p>
+            <a:pPr marL="285750" indent="-285750">
+              <a:buFont typeface="Arial" panose="020B0604020202020204" pitchFamily="34" charset="0"/>
+              <a:buChar char="•"/>
+            </a:pPr>
+            <a:r>
+              <a:rPr lang="es-ES" sz="2000" b="1" dirty="0">
+                <a:solidFill>
+                  <a:schemeClr val="tx1"/>
+                </a:solidFill>
+                <a:ea typeface="Calibri"/>
+                <a:cs typeface="Calibri"/>
+                <a:sym typeface="Calibri"/>
+              </a:rPr>
+              <a:t>OBJETIVO GENERAL</a:t>
+            </a:r>
+          </a:p>
+          <a:p>
+            <a:pPr marL="285750" lvl="0" indent="-285750">
+              <a:buFont typeface="Arial" panose="020B0604020202020204" pitchFamily="34" charset="0"/>
+              <a:buChar char="•"/>
+            </a:pPr>
+            <a:r>
+              <a:rPr lang="es-ES" sz="2000" b="1" dirty="0">
+                <a:solidFill>
+                  <a:schemeClr val="tx1"/>
+                </a:solidFill>
+                <a:ea typeface="Calibri"/>
+                <a:cs typeface="Calibri"/>
+                <a:sym typeface="Calibri"/>
+              </a:rPr>
+              <a:t>OBJETIVOS ESPECIFICOS</a:t>
+            </a:r>
+            <a:endParaRPr lang="es-ES" sz="2000" b="1" dirty="0">
+              <a:solidFill>
+                <a:schemeClr val="tx1"/>
+              </a:solidFill>
+              <a:latin typeface="+mn-lt"/>
+              <a:ea typeface="Calibri"/>
+              <a:cs typeface="Calibri"/>
+              <a:sym typeface="Calibri"/>
+            </a:endParaRPr>
+          </a:p>
+          <a:p>
+            <a:pPr marL="285750" lvl="0" indent="-285750">
+              <a:buFont typeface="Arial" panose="020B0604020202020204" pitchFamily="34" charset="0"/>
+              <a:buChar char="•"/>
+            </a:pPr>
+            <a:r>
+              <a:rPr lang="es-ES" sz="2000" b="1" dirty="0">
+                <a:solidFill>
+                  <a:schemeClr val="tx1"/>
+                </a:solidFill>
+                <a:latin typeface="+mn-lt"/>
+                <a:ea typeface="Calibri"/>
+                <a:cs typeface="Calibri"/>
+                <a:sym typeface="Calibri"/>
+              </a:rPr>
+              <a:t>PLANTEAMIENTO DEL PROBLEMA</a:t>
+            </a:r>
+          </a:p>
+          <a:p>
+            <a:pPr marL="285750" indent="-285750">
+              <a:buFont typeface="Arial" panose="020B0604020202020204" pitchFamily="34" charset="0"/>
+              <a:buChar char="•"/>
+            </a:pPr>
+            <a:r>
+              <a:rPr lang="es-ES" sz="2000" b="1" dirty="0">
+                <a:solidFill>
+                  <a:schemeClr val="tx1"/>
+                </a:solidFill>
+                <a:latin typeface="+mn-lt"/>
+                <a:ea typeface="Calibri"/>
+                <a:cs typeface="Calibri"/>
+                <a:sym typeface="Calibri"/>
+              </a:rPr>
+              <a:t>JUSTIFICACIÓN</a:t>
+            </a:r>
+          </a:p>
+          <a:p>
+            <a:pPr marL="285750" lvl="0" indent="-285750">
+              <a:buFont typeface="Arial" panose="020B0604020202020204" pitchFamily="34" charset="0"/>
+              <a:buChar char="•"/>
+            </a:pPr>
+            <a:r>
+              <a:rPr lang="es-ES" sz="2000" b="1" dirty="0">
+                <a:solidFill>
+                  <a:schemeClr val="tx1"/>
+                </a:solidFill>
+                <a:latin typeface="+mn-lt"/>
+                <a:ea typeface="Calibri"/>
+                <a:cs typeface="Calibri"/>
+                <a:sym typeface="Calibri"/>
+              </a:rPr>
+              <a:t>ALCANCES</a:t>
+            </a:r>
+          </a:p>
+          <a:p>
+            <a:pPr marL="285750" lvl="0" indent="-285750">
+              <a:buFont typeface="Arial" panose="020B0604020202020204" pitchFamily="34" charset="0"/>
+              <a:buChar char="•"/>
+            </a:pPr>
+            <a:r>
+              <a:rPr lang="es-ES" sz="2000" b="1" dirty="0">
+                <a:solidFill>
+                  <a:schemeClr val="tx1"/>
+                </a:solidFill>
+                <a:latin typeface="+mn-lt"/>
+              </a:rPr>
+              <a:t>IMPACTO</a:t>
+            </a:r>
+            <a:endParaRPr lang="es-ES" sz="2000" b="1" dirty="0">
+              <a:solidFill>
+                <a:schemeClr val="tx1"/>
+              </a:solidFill>
+              <a:latin typeface="+mn-lt"/>
+              <a:ea typeface="Calibri"/>
+              <a:cs typeface="Calibri"/>
+              <a:sym typeface="Calibri"/>
+            </a:endParaRPr>
+          </a:p>
+          <a:p>
+            <a:pPr marL="285750" indent="-285750">
+              <a:buFont typeface="Arial" panose="020B0604020202020204" pitchFamily="34" charset="0"/>
+              <a:buChar char="•"/>
+            </a:pPr>
+            <a:r>
+              <a:rPr lang="es-ES" sz="2000" b="1" dirty="0">
+                <a:solidFill>
+                  <a:schemeClr val="tx1"/>
+                </a:solidFill>
+                <a:latin typeface="+mn-lt"/>
+                <a:ea typeface="Calibri"/>
+                <a:cs typeface="Calibri"/>
+                <a:sym typeface="Calibri"/>
+              </a:rPr>
+              <a:t>TRABAJO FUTURO</a:t>
+            </a:r>
+            <a:endParaRPr lang="es-ES" sz="2000" b="1" dirty="0">
+              <a:solidFill>
+                <a:schemeClr val="tx1"/>
+              </a:solidFill>
+              <a:latin typeface="+mn-lt"/>
+            </a:endParaRPr>
+          </a:p>
+          <a:p>
+            <a:pPr marL="285750" lvl="0" indent="-285750">
+              <a:buFont typeface="Arial" panose="020B0604020202020204" pitchFamily="34" charset="0"/>
+              <a:buChar char="•"/>
+            </a:pPr>
+            <a:r>
+              <a:rPr lang="es-ES" sz="2000" b="1" dirty="0">
+                <a:solidFill>
+                  <a:schemeClr val="tx1"/>
+                </a:solidFill>
+                <a:latin typeface="+mn-lt"/>
+              </a:rPr>
+              <a:t>AVANCES DEL PROYECTO </a:t>
+            </a:r>
+          </a:p>
+          <a:p>
+            <a:pPr marL="285750" lvl="0" indent="-285750">
+              <a:buFont typeface="Arial" panose="020B0604020202020204" pitchFamily="34" charset="0"/>
+              <a:buChar char="•"/>
+            </a:pPr>
+            <a:endParaRPr lang="es-ES" sz="2000" dirty="0">
+              <a:latin typeface="+mn-lt"/>
+            </a:endParaRPr>
+          </a:p>
+          <a:p>
+            <a:endParaRPr lang="en-US" sz="2000" dirty="0">
+              <a:latin typeface="+mn-lt"/>
+            </a:endParaRPr>
+          </a:p>
+        </p:txBody>
+      </p:sp>
+    </p:spTree>
+    <p:extLst>
+      <p:ext uri="{BB962C8B-B14F-4D97-AF65-F5344CB8AC3E}">
+        <p14:creationId xmlns:p14="http://schemas.microsoft.com/office/powerpoint/2010/main" val="3755736399"/>
+      </p:ext>
+    </p:extLst>
+  </p:cSld>
+  <p:clrMapOvr>
+    <a:masterClrMapping/>
+  </p:clrMapOvr>
+</p:sld>
+</file>
+
+<file path=ppt/slides/slide3.xml><?xml version="1.0" encoding="utf-8"?>
+<p:sld xmlns:a="http://schemas.openxmlformats.org/drawingml/2006/main" xmlns:r="http://schemas.openxmlformats.org/officeDocument/2006/relationships" xmlns:p="http://schemas.openxmlformats.org/presentationml/2006/main">
+  <p:cSld>
+    <p:spTree>
+      <p:nvGrpSpPr>
+        <p:cNvPr id="1" name="Shape 48"/>
+        <p:cNvGrpSpPr/>
+        <p:nvPr/>
+      </p:nvGrpSpPr>
+      <p:grpSpPr>
+        <a:xfrm>
+          <a:off x="0" y="0"/>
+          <a:ext cx="0" cy="0"/>
+          <a:chOff x="0" y="0"/>
+          <a:chExt cx="0" cy="0"/>
+        </a:xfrm>
+      </p:grpSpPr>
+      <p:sp>
+        <p:nvSpPr>
+          <p:cNvPr id="49" name="Google Shape;49;p16"/>
+          <p:cNvSpPr txBox="1"/>
+          <p:nvPr/>
+        </p:nvSpPr>
+        <p:spPr>
+          <a:xfrm>
+            <a:off x="233464" y="2258621"/>
+            <a:ext cx="3157388" cy="830997"/>
+          </a:xfrm>
+          <a:prstGeom prst="rect">
+            <a:avLst/>
+          </a:prstGeom>
+          <a:noFill/>
+          <a:ln>
+            <a:noFill/>
+          </a:ln>
+        </p:spPr>
+        <p:txBody>
+          <a:bodyPr spcFirstLastPara="1" wrap="square" lIns="91425" tIns="45700" rIns="91425" bIns="45700" anchor="t" anchorCtr="0">
+            <a:noAutofit/>
+          </a:bodyPr>
+          <a:lstStyle/>
+          <a:p>
+            <a:pPr marL="0" marR="0" lvl="0" indent="0" algn="ctr" rtl="0">
+              <a:spcBef>
+                <a:spcPts val="0"/>
+              </a:spcBef>
+              <a:spcAft>
+                <a:spcPts val="0"/>
+              </a:spcAft>
+              <a:buNone/>
+            </a:pPr>
+            <a:r>
+              <a:rPr lang="es-ES" sz="2400" b="1" i="0" u="none" strike="noStrike" cap="none" dirty="0">
+                <a:solidFill>
+                  <a:schemeClr val="lt1"/>
+                </a:solidFill>
+                <a:latin typeface="Calibri"/>
+                <a:ea typeface="Calibri"/>
+                <a:cs typeface="Calibri"/>
+                <a:sym typeface="Calibri"/>
+              </a:rPr>
+              <a:t>TITULO DEL PROYECTO</a:t>
+            </a:r>
+            <a:endParaRPr sz="2400" b="1" i="0" u="none" strike="noStrike" cap="none" dirty="0">
+              <a:solidFill>
+                <a:schemeClr val="lt1"/>
+              </a:solidFill>
+              <a:latin typeface="Calibri"/>
+              <a:ea typeface="Calibri"/>
+              <a:cs typeface="Calibri"/>
+              <a:sym typeface="Calibri"/>
+            </a:endParaRPr>
+          </a:p>
+        </p:txBody>
+      </p:sp>
+      <p:sp>
+        <p:nvSpPr>
+          <p:cNvPr id="7" name="CuadroTexto 6"/>
+          <p:cNvSpPr txBox="1"/>
+          <p:nvPr/>
+        </p:nvSpPr>
+        <p:spPr>
+          <a:xfrm>
+            <a:off x="3929975" y="2012401"/>
+            <a:ext cx="4978470" cy="1323439"/>
+          </a:xfrm>
+          <a:prstGeom prst="rect">
+            <a:avLst/>
+          </a:prstGeom>
+          <a:noFill/>
+        </p:spPr>
+        <p:txBody>
+          <a:bodyPr wrap="square" rtlCol="0">
+            <a:spAutoFit/>
+          </a:bodyPr>
+          <a:lstStyle/>
+          <a:p>
+            <a:pPr marL="285750" lvl="0" indent="-285750">
+              <a:buFont typeface="Arial" panose="020B0604020202020204" pitchFamily="34" charset="0"/>
+              <a:buChar char="•"/>
+            </a:pPr>
+            <a:endParaRPr lang="es-ES" sz="2000" b="1" dirty="0">
+              <a:solidFill>
+                <a:schemeClr val="tx1"/>
+              </a:solidFill>
+              <a:latin typeface="+mn-lt"/>
+              <a:ea typeface="Calibri"/>
+              <a:cs typeface="Calibri"/>
+              <a:sym typeface="Calibri"/>
+            </a:endParaRPr>
+          </a:p>
+          <a:p>
+            <a:pPr marL="285750" lvl="0" indent="-285750">
+              <a:buFont typeface="Arial" panose="020B0604020202020204" pitchFamily="34" charset="0"/>
+              <a:buChar char="•"/>
+            </a:pPr>
+            <a:r>
+              <a:rPr lang="es-ES" sz="2000" b="1" dirty="0">
+                <a:solidFill>
+                  <a:schemeClr val="tx1"/>
+                </a:solidFill>
+                <a:latin typeface="+mn-lt"/>
+                <a:ea typeface="Calibri"/>
+                <a:cs typeface="Calibri"/>
+                <a:sym typeface="Calibri"/>
+              </a:rPr>
+              <a:t>SERVI OS (ORDENES DE SERVICIO)</a:t>
+            </a:r>
+            <a:endParaRPr lang="es-ES" sz="2000" b="1" dirty="0">
+              <a:solidFill>
+                <a:schemeClr val="tx1"/>
+              </a:solidFill>
+              <a:latin typeface="+mn-lt"/>
+            </a:endParaRPr>
+          </a:p>
+          <a:p>
+            <a:pPr marL="285750" lvl="0" indent="-285750">
+              <a:buFont typeface="Arial" panose="020B0604020202020204" pitchFamily="34" charset="0"/>
+              <a:buChar char="•"/>
+            </a:pPr>
+            <a:endParaRPr lang="es-ES" sz="2000" dirty="0">
+              <a:latin typeface="+mn-lt"/>
+            </a:endParaRPr>
+          </a:p>
+          <a:p>
+            <a:endParaRPr lang="en-US" sz="2000" dirty="0">
+              <a:latin typeface="+mn-lt"/>
+            </a:endParaRPr>
+          </a:p>
+        </p:txBody>
+      </p:sp>
+    </p:spTree>
+    <p:extLst>
+      <p:ext uri="{BB962C8B-B14F-4D97-AF65-F5344CB8AC3E}">
+        <p14:creationId xmlns:p14="http://schemas.microsoft.com/office/powerpoint/2010/main" val="4085481961"/>
+      </p:ext>
+    </p:extLst>
+  </p:cSld>
+  <p:clrMapOvr>
+    <a:masterClrMapping/>
+  </p:clrMapOvr>
+  <mc:AlternateContent xmlns:mc="http://schemas.openxmlformats.org/markup-compatibility/2006" xmlns:p14="http://schemas.microsoft.com/office/powerpoint/2010/main">
+    <mc:Choice Requires="p14">
+      <p:transition spd="slow" p14:dur="1250">
+        <p14:flip dir="r"/>
+      </p:transition>
+    </mc:Choice>
+    <mc:Fallback xmlns="">
+      <p:transition spd="slow">
+        <p:fade/>
+      </p:transition>
+    </mc:Fallback>
+  </mc:AlternateContent>
+</p:sld>
+</file>
+
+<file path=ppt/slides/slide4.xml><?xml version="1.0" encoding="utf-8"?>
+<p:sld xmlns:a="http://schemas.openxmlformats.org/drawingml/2006/main" xmlns:r="http://schemas.openxmlformats.org/officeDocument/2006/relationships" xmlns:p="http://schemas.openxmlformats.org/presentationml/2006/main">
+  <p:cSld>
+    <p:spTree>
+      <p:nvGrpSpPr>
+        <p:cNvPr id="1" name="Shape 117"/>
+        <p:cNvGrpSpPr/>
+        <p:nvPr/>
+      </p:nvGrpSpPr>
+      <p:grpSpPr>
+        <a:xfrm>
+          <a:off x="0" y="0"/>
+          <a:ext cx="0" cy="0"/>
+          <a:chOff x="0" y="0"/>
+          <a:chExt cx="0" cy="0"/>
+        </a:xfrm>
+      </p:grpSpPr>
+      <p:sp>
+        <p:nvSpPr>
+          <p:cNvPr id="118" name="Google Shape;118;p21"/>
+          <p:cNvSpPr txBox="1"/>
+          <p:nvPr/>
+        </p:nvSpPr>
+        <p:spPr>
+          <a:xfrm>
+            <a:off x="228600" y="1993900"/>
+            <a:ext cx="3000000" cy="3000000"/>
+          </a:xfrm>
+          <a:prstGeom prst="rect">
+            <a:avLst/>
+          </a:prstGeom>
+          <a:noFill/>
+          <a:ln>
+            <a:noFill/>
+          </a:ln>
+        </p:spPr>
+        <p:txBody>
+          <a:bodyPr spcFirstLastPara="1" wrap="square" lIns="91425" tIns="91425" rIns="91425" bIns="91425" anchor="t" anchorCtr="0">
+            <a:noAutofit/>
+          </a:bodyPr>
+          <a:lstStyle/>
+          <a:p>
+            <a:pPr marL="457200" lvl="0" indent="0" algn="ctr" rtl="0">
+              <a:spcBef>
+                <a:spcPts val="0"/>
+              </a:spcBef>
+              <a:spcAft>
+                <a:spcPts val="0"/>
+              </a:spcAft>
+              <a:buNone/>
+            </a:pPr>
+            <a:r>
+              <a:rPr lang="es-ES" sz="2800" b="1" dirty="0">
+                <a:solidFill>
+                  <a:schemeClr val="lt1"/>
+                </a:solidFill>
+                <a:latin typeface="Calibri"/>
+                <a:ea typeface="Calibri"/>
+                <a:cs typeface="Calibri"/>
+                <a:sym typeface="Calibri"/>
+              </a:rPr>
+              <a:t>OBJETIVO GENERAL</a:t>
+            </a:r>
+            <a:endParaRPr dirty="0"/>
+          </a:p>
+        </p:txBody>
+      </p:sp>
+      <p:sp>
+        <p:nvSpPr>
+          <p:cNvPr id="119" name="Google Shape;119;p21"/>
+          <p:cNvSpPr txBox="1"/>
+          <p:nvPr/>
+        </p:nvSpPr>
+        <p:spPr>
+          <a:xfrm>
+            <a:off x="4127500" y="1130699"/>
+            <a:ext cx="4610100" cy="3117619"/>
+          </a:xfrm>
+          <a:prstGeom prst="rect">
+            <a:avLst/>
+          </a:prstGeom>
+          <a:noFill/>
+          <a:ln>
+            <a:noFill/>
+          </a:ln>
+        </p:spPr>
+        <p:txBody>
+          <a:bodyPr spcFirstLastPara="1" wrap="square" lIns="91425" tIns="91425" rIns="91425" bIns="91425" anchor="t" anchorCtr="0">
+            <a:noAutofit/>
+          </a:bodyPr>
+          <a:lstStyle/>
+          <a:p>
+            <a:pPr marL="0" lvl="0" indent="0" algn="just" rtl="0">
+              <a:spcBef>
+                <a:spcPts val="0"/>
+              </a:spcBef>
+              <a:spcAft>
+                <a:spcPts val="0"/>
+              </a:spcAft>
+              <a:buNone/>
+            </a:pPr>
+            <a:r>
+              <a:rPr lang="es-ES" sz="2800" dirty="0">
+                <a:solidFill>
+                  <a:schemeClr val="tx1"/>
+                </a:solidFill>
+                <a:latin typeface="+mn-lt"/>
+                <a:ea typeface="Calibri"/>
+                <a:cs typeface="Calibri"/>
+                <a:sym typeface="Calibri"/>
+              </a:rPr>
+              <a:t>Desarrollar un sistema que permita administrar los Clientes, Técnicos, Equipos de aires acondicionado y las ordenes de servicio del mantenimiento preventivo.</a:t>
+            </a:r>
+            <a:endParaRPr dirty="0">
+              <a:solidFill>
+                <a:schemeClr val="tx1"/>
+              </a:solidFill>
+              <a:latin typeface="+mn-lt"/>
+            </a:endParaRPr>
+          </a:p>
+        </p:txBody>
+      </p:sp>
+    </p:spTree>
+  </p:cSld>
+  <p:clrMapOvr>
+    <a:masterClrMapping/>
+  </p:clrMapOvr>
+  <mc:AlternateContent xmlns:mc="http://schemas.openxmlformats.org/markup-compatibility/2006" xmlns:p14="http://schemas.microsoft.com/office/powerpoint/2010/main">
+    <mc:Choice Requires="p14">
+      <p:transition spd="slow" p14:dur="1200">
+        <p14:prism/>
+      </p:transition>
+    </mc:Choice>
+    <mc:Fallback xmlns="">
+      <p:transition spd="slow">
+        <p:fade/>
+      </p:transition>
+    </mc:Fallback>
+  </mc:AlternateContent>
+</p:sld>
+</file>
+
+<file path=ppt/slides/slide5.xml><?xml version="1.0" encoding="utf-8"?>
+<p:sld xmlns:a="http://schemas.openxmlformats.org/drawingml/2006/main" xmlns:r="http://schemas.openxmlformats.org/officeDocument/2006/relationships" xmlns:p="http://schemas.openxmlformats.org/presentationml/2006/main">
+  <p:cSld>
+    <p:spTree>
+      <p:nvGrpSpPr>
+        <p:cNvPr id="1" name="Shape 124"/>
+        <p:cNvGrpSpPr/>
+        <p:nvPr/>
+      </p:nvGrpSpPr>
+      <p:grpSpPr>
+        <a:xfrm>
+          <a:off x="0" y="0"/>
+          <a:ext cx="0" cy="0"/>
+          <a:chOff x="0" y="0"/>
+          <a:chExt cx="0" cy="0"/>
+        </a:xfrm>
+      </p:grpSpPr>
+      <p:sp>
+        <p:nvSpPr>
+          <p:cNvPr id="125" name="Google Shape;125;p22"/>
+          <p:cNvSpPr txBox="1"/>
+          <p:nvPr/>
+        </p:nvSpPr>
+        <p:spPr>
+          <a:xfrm>
+            <a:off x="228600" y="2082800"/>
+            <a:ext cx="3000000" cy="1336200"/>
+          </a:xfrm>
+          <a:prstGeom prst="rect">
+            <a:avLst/>
+          </a:prstGeom>
+          <a:noFill/>
+          <a:ln>
+            <a:noFill/>
+          </a:ln>
+        </p:spPr>
+        <p:txBody>
+          <a:bodyPr spcFirstLastPara="1" wrap="square" lIns="91425" tIns="91425" rIns="91425" bIns="91425" anchor="t" anchorCtr="0">
+            <a:noAutofit/>
+          </a:bodyPr>
+          <a:lstStyle/>
+          <a:p>
+            <a:pPr marL="457200" lvl="0" indent="0" algn="ctr" rtl="0">
+              <a:spcBef>
+                <a:spcPts val="0"/>
+              </a:spcBef>
+              <a:spcAft>
+                <a:spcPts val="0"/>
+              </a:spcAft>
+              <a:buNone/>
+            </a:pPr>
+            <a:r>
+              <a:rPr lang="es-ES" sz="2800" b="1" dirty="0">
+                <a:solidFill>
+                  <a:schemeClr val="lt1"/>
+                </a:solidFill>
+                <a:latin typeface="Calibri"/>
+                <a:ea typeface="Calibri"/>
+                <a:cs typeface="Calibri"/>
+                <a:sym typeface="Calibri"/>
+              </a:rPr>
+              <a:t>OBJETIVOS ESPECIFICOS</a:t>
+            </a:r>
+            <a:endParaRPr dirty="0"/>
+          </a:p>
+        </p:txBody>
+      </p:sp>
+      <p:sp>
+        <p:nvSpPr>
+          <p:cNvPr id="126" name="Google Shape;126;p22"/>
+          <p:cNvSpPr txBox="1"/>
+          <p:nvPr/>
+        </p:nvSpPr>
+        <p:spPr>
+          <a:xfrm>
+            <a:off x="3877870" y="410713"/>
+            <a:ext cx="4714568" cy="4346112"/>
+          </a:xfrm>
+          <a:prstGeom prst="rect">
+            <a:avLst/>
+          </a:prstGeom>
+          <a:noFill/>
+          <a:ln>
+            <a:noFill/>
+          </a:ln>
+        </p:spPr>
+        <p:txBody>
+          <a:bodyPr spcFirstLastPara="1" wrap="square" lIns="91425" tIns="91425" rIns="91425" bIns="91425" anchor="t" anchorCtr="0">
+            <a:noAutofit/>
+          </a:bodyPr>
+          <a:lstStyle/>
+          <a:p>
+            <a:pPr marL="514350" lvl="0" indent="-488950" algn="just" rtl="0">
+              <a:spcBef>
+                <a:spcPts val="0"/>
+              </a:spcBef>
+              <a:spcAft>
+                <a:spcPts val="0"/>
+              </a:spcAft>
+              <a:buClr>
+                <a:schemeClr val="dk1"/>
+              </a:buClr>
+              <a:buSzPts val="2400"/>
+              <a:buFont typeface="Calibri"/>
+              <a:buAutoNum type="arabicPeriod"/>
+            </a:pPr>
+            <a:r>
+              <a:rPr lang="es-ES" sz="2400" dirty="0">
+                <a:solidFill>
+                  <a:schemeClr val="tx1"/>
+                </a:solidFill>
+                <a:latin typeface="+mn-lt"/>
+                <a:ea typeface="Calibri"/>
+                <a:cs typeface="Calibri"/>
+                <a:sym typeface="Calibri"/>
+              </a:rPr>
+              <a:t>Adoptar una metodología de desarrollo de software híbrida enfocada en </a:t>
+            </a:r>
+            <a:r>
+              <a:rPr lang="es-ES" sz="2400" dirty="0" err="1">
+                <a:solidFill>
+                  <a:schemeClr val="tx1"/>
+                </a:solidFill>
+                <a:latin typeface="+mn-lt"/>
+                <a:ea typeface="Calibri"/>
+                <a:cs typeface="Calibri"/>
+                <a:sym typeface="Calibri"/>
+              </a:rPr>
+              <a:t>Scrum</a:t>
+            </a:r>
+            <a:r>
+              <a:rPr lang="es-ES" sz="2400" dirty="0">
+                <a:solidFill>
+                  <a:schemeClr val="tx1"/>
+                </a:solidFill>
+                <a:latin typeface="+mn-lt"/>
+                <a:ea typeface="Calibri"/>
+                <a:cs typeface="Calibri"/>
+                <a:sym typeface="Calibri"/>
+              </a:rPr>
+              <a:t> y </a:t>
+            </a:r>
+            <a:r>
+              <a:rPr lang="es-ES" sz="2400" dirty="0" err="1">
+                <a:solidFill>
+                  <a:schemeClr val="tx1"/>
+                </a:solidFill>
+                <a:latin typeface="+mn-lt"/>
+                <a:ea typeface="Calibri"/>
+                <a:cs typeface="Calibri"/>
+                <a:sym typeface="Calibri"/>
+              </a:rPr>
+              <a:t>xp</a:t>
+            </a:r>
+            <a:r>
+              <a:rPr lang="es-ES" sz="2400" dirty="0">
+                <a:solidFill>
+                  <a:schemeClr val="tx1"/>
+                </a:solidFill>
+                <a:latin typeface="+mn-lt"/>
+                <a:ea typeface="Calibri"/>
+                <a:cs typeface="Calibri"/>
+                <a:sym typeface="Calibri"/>
+              </a:rPr>
+              <a:t>.</a:t>
+            </a:r>
+            <a:endParaRPr sz="2400" dirty="0">
+              <a:solidFill>
+                <a:schemeClr val="tx1"/>
+              </a:solidFill>
+              <a:latin typeface="+mn-lt"/>
+            </a:endParaRPr>
+          </a:p>
+          <a:p>
+            <a:pPr marL="514350" lvl="0" indent="-488950" algn="just" rtl="0">
+              <a:spcBef>
+                <a:spcPts val="0"/>
+              </a:spcBef>
+              <a:spcAft>
+                <a:spcPts val="0"/>
+              </a:spcAft>
+              <a:buClr>
+                <a:schemeClr val="dk1"/>
+              </a:buClr>
+              <a:buSzPts val="2400"/>
+              <a:buFont typeface="Calibri"/>
+              <a:buAutoNum type="arabicPeriod"/>
+            </a:pPr>
+            <a:r>
+              <a:rPr lang="es-ES" sz="2400" dirty="0">
+                <a:solidFill>
+                  <a:schemeClr val="tx1"/>
+                </a:solidFill>
+                <a:latin typeface="+mn-lt"/>
+                <a:ea typeface="Calibri"/>
+                <a:cs typeface="Calibri"/>
+                <a:sym typeface="Calibri"/>
+              </a:rPr>
+              <a:t>Desarrollar el CRUD de Clientes, Técnicos, Equipos, Marcas, Refrigerantes. </a:t>
+            </a:r>
+            <a:endParaRPr sz="2400" dirty="0">
+              <a:solidFill>
+                <a:schemeClr val="tx1"/>
+              </a:solidFill>
+              <a:latin typeface="+mn-lt"/>
+            </a:endParaRPr>
+          </a:p>
+          <a:p>
+            <a:pPr marL="514350" lvl="0" indent="-488950" algn="just" rtl="0">
+              <a:spcBef>
+                <a:spcPts val="0"/>
+              </a:spcBef>
+              <a:spcAft>
+                <a:spcPts val="0"/>
+              </a:spcAft>
+              <a:buClr>
+                <a:schemeClr val="dk1"/>
+              </a:buClr>
+              <a:buSzPts val="2400"/>
+              <a:buFont typeface="Calibri"/>
+              <a:buAutoNum type="arabicPeriod"/>
+            </a:pPr>
+            <a:r>
+              <a:rPr lang="es-ES" sz="2400" dirty="0">
+                <a:solidFill>
+                  <a:schemeClr val="tx1"/>
+                </a:solidFill>
+                <a:latin typeface="+mn-lt"/>
+                <a:ea typeface="Calibri"/>
+                <a:cs typeface="Calibri"/>
+                <a:sym typeface="Calibri"/>
+              </a:rPr>
+              <a:t>Crear y consultar Ordenes de Servicio.</a:t>
+            </a:r>
+            <a:endParaRPr sz="2400" dirty="0">
+              <a:solidFill>
+                <a:schemeClr val="tx1"/>
+              </a:solidFill>
+              <a:latin typeface="+mn-lt"/>
+              <a:ea typeface="Calibri"/>
+              <a:cs typeface="Calibri"/>
+              <a:sym typeface="Calibri"/>
+            </a:endParaRPr>
+          </a:p>
+        </p:txBody>
+      </p:sp>
+    </p:spTree>
+  </p:cSld>
+  <p:clrMapOvr>
+    <a:masterClrMapping/>
+  </p:clrMapOvr>
+  <mc:AlternateContent xmlns:mc="http://schemas.openxmlformats.org/markup-compatibility/2006" xmlns:p14="http://schemas.microsoft.com/office/powerpoint/2010/main">
+    <mc:Choice Requires="p14">
+      <p:transition spd="slow" p14:dur="1200">
+        <p14:prism/>
+      </p:transition>
+    </mc:Choice>
+    <mc:Fallback xmlns="">
+      <p:transition spd="slow">
+        <p:fade/>
+      </p:transition>
+    </mc:Fallback>
+  </mc:AlternateContent>
+</p:sld>
+</file>
+
+<file path=ppt/slides/slide6.xml><?xml version="1.0" encoding="utf-8"?>
+<p:sld xmlns:a="http://schemas.openxmlformats.org/drawingml/2006/main" xmlns:r="http://schemas.openxmlformats.org/officeDocument/2006/relationships" xmlns:p="http://schemas.openxmlformats.org/presentationml/2006/main">
+  <p:cSld>
+    <p:spTree>
+      <p:nvGrpSpPr>
+        <p:cNvPr id="1" name="Shape 48"/>
+        <p:cNvGrpSpPr/>
+        <p:nvPr/>
+      </p:nvGrpSpPr>
+      <p:grpSpPr>
+        <a:xfrm>
+          <a:off x="0" y="0"/>
+          <a:ext cx="0" cy="0"/>
+          <a:chOff x="0" y="0"/>
+          <a:chExt cx="0" cy="0"/>
+        </a:xfrm>
+      </p:grpSpPr>
+      <p:sp>
+        <p:nvSpPr>
+          <p:cNvPr id="49" name="Google Shape;49;p16"/>
+          <p:cNvSpPr txBox="1"/>
+          <p:nvPr/>
+        </p:nvSpPr>
+        <p:spPr>
+          <a:xfrm>
+            <a:off x="533478" y="2012401"/>
+            <a:ext cx="2789280" cy="830997"/>
+          </a:xfrm>
+          <a:prstGeom prst="rect">
+            <a:avLst/>
+          </a:prstGeom>
+          <a:noFill/>
+          <a:ln>
+            <a:noFill/>
+          </a:ln>
+        </p:spPr>
+        <p:txBody>
+          <a:bodyPr spcFirstLastPara="1" wrap="square" lIns="91425" tIns="45700" rIns="91425" bIns="45700" anchor="t" anchorCtr="0">
+            <a:noAutofit/>
+          </a:bodyPr>
+          <a:lstStyle/>
+          <a:p>
+            <a:pPr marL="0" marR="0" lvl="0" indent="0" algn="ctr" rtl="0">
+              <a:spcBef>
+                <a:spcPts val="0"/>
+              </a:spcBef>
+              <a:spcAft>
+                <a:spcPts val="0"/>
+              </a:spcAft>
+              <a:buNone/>
+            </a:pPr>
+            <a:r>
+              <a:rPr lang="es-ES" sz="2400" b="1" i="0" u="none" strike="noStrike" cap="none" dirty="0">
+                <a:solidFill>
+                  <a:schemeClr val="lt1"/>
+                </a:solidFill>
+                <a:latin typeface="Calibri"/>
+                <a:ea typeface="Calibri"/>
+                <a:cs typeface="Calibri"/>
+                <a:sym typeface="Calibri"/>
+              </a:rPr>
+              <a:t>PLANTEAMIENTO DEL PROBLEMA</a:t>
+            </a:r>
+            <a:endParaRPr sz="2400" b="1" i="0" u="none" strike="noStrike" cap="none" dirty="0">
+              <a:solidFill>
+                <a:schemeClr val="lt1"/>
+              </a:solidFill>
+              <a:latin typeface="Calibri"/>
+              <a:ea typeface="Calibri"/>
+              <a:cs typeface="Calibri"/>
+              <a:sym typeface="Calibri"/>
+            </a:endParaRPr>
+          </a:p>
+        </p:txBody>
+      </p:sp>
+      <p:sp>
+        <p:nvSpPr>
+          <p:cNvPr id="2" name="Google Shape;119;p21">
+            <a:extLst>
+              <a:ext uri="{FF2B5EF4-FFF2-40B4-BE49-F238E27FC236}">
+                <a16:creationId xmlns:a16="http://schemas.microsoft.com/office/drawing/2014/main" id="{88E889D1-577E-F552-4D5C-B28A00B331FE}"/>
+              </a:ext>
+            </a:extLst>
+          </p:cNvPr>
+          <p:cNvSpPr txBox="1"/>
+          <p:nvPr/>
+        </p:nvSpPr>
+        <p:spPr>
+          <a:xfrm>
+            <a:off x="4127500" y="453591"/>
+            <a:ext cx="4610100" cy="3117619"/>
+          </a:xfrm>
+          <a:prstGeom prst="rect">
+            <a:avLst/>
+          </a:prstGeom>
+          <a:noFill/>
+          <a:ln>
+            <a:noFill/>
+          </a:ln>
+        </p:spPr>
+        <p:txBody>
+          <a:bodyPr spcFirstLastPara="1" wrap="square" lIns="91425" tIns="91425" rIns="91425" bIns="91425" anchor="t" anchorCtr="0">
+            <a:noAutofit/>
+          </a:bodyPr>
+          <a:lstStyle/>
+          <a:p>
+            <a:pPr marL="0" lvl="0" indent="0" algn="just" rtl="0">
+              <a:spcBef>
+                <a:spcPts val="0"/>
+              </a:spcBef>
+              <a:spcAft>
+                <a:spcPts val="0"/>
+              </a:spcAft>
+              <a:buNone/>
+            </a:pPr>
+            <a:r>
+              <a:rPr lang="es-419" dirty="0">
+                <a:solidFill>
+                  <a:schemeClr val="tx1"/>
+                </a:solidFill>
+                <a:latin typeface="+mn-lt"/>
+              </a:rPr>
+              <a:t>el formato de ordenes de servicio, es un formato impreso, donde se escribe manualmente las actividades realizadas.</a:t>
+            </a:r>
+          </a:p>
+          <a:p>
+            <a:pPr marL="0" lvl="0" indent="0" algn="just" rtl="0">
+              <a:spcBef>
+                <a:spcPts val="0"/>
+              </a:spcBef>
+              <a:spcAft>
+                <a:spcPts val="0"/>
+              </a:spcAft>
+              <a:buNone/>
+            </a:pPr>
+            <a:endParaRPr lang="es-419" dirty="0">
+              <a:solidFill>
+                <a:schemeClr val="tx1"/>
+              </a:solidFill>
+              <a:latin typeface="+mn-lt"/>
+            </a:endParaRPr>
+          </a:p>
+          <a:p>
+            <a:pPr marL="0" lvl="0" indent="0" algn="just" rtl="0">
+              <a:spcBef>
+                <a:spcPts val="0"/>
+              </a:spcBef>
+              <a:spcAft>
+                <a:spcPts val="0"/>
+              </a:spcAft>
+              <a:buNone/>
+            </a:pPr>
+            <a:r>
+              <a:rPr lang="es-419" dirty="0">
+                <a:solidFill>
+                  <a:schemeClr val="tx1"/>
+                </a:solidFill>
+                <a:latin typeface="+mn-lt"/>
+              </a:rPr>
+              <a:t>Lo que implica que sea una manera anticuada de hacer las cosas y que trae numerosos problemas como:</a:t>
+            </a:r>
+          </a:p>
+          <a:p>
+            <a:pPr marL="285750" lvl="0" indent="-285750" algn="just" rtl="0">
+              <a:spcBef>
+                <a:spcPts val="0"/>
+              </a:spcBef>
+              <a:spcAft>
+                <a:spcPts val="0"/>
+              </a:spcAft>
+              <a:buFont typeface="Arial" panose="020B0604020202020204" pitchFamily="34" charset="0"/>
+              <a:buChar char="•"/>
+            </a:pPr>
+            <a:r>
+              <a:rPr lang="es-419" dirty="0">
+                <a:solidFill>
+                  <a:schemeClr val="tx1"/>
+                </a:solidFill>
+                <a:latin typeface="+mn-lt"/>
+              </a:rPr>
+              <a:t>En ocasiones no es legible lo que escribió  el técnico.</a:t>
+            </a:r>
+          </a:p>
+          <a:p>
+            <a:pPr marL="285750" lvl="0" indent="-285750" algn="just" rtl="0">
+              <a:spcBef>
+                <a:spcPts val="0"/>
+              </a:spcBef>
+              <a:spcAft>
+                <a:spcPts val="0"/>
+              </a:spcAft>
+              <a:buFont typeface="Arial" panose="020B0604020202020204" pitchFamily="34" charset="0"/>
+              <a:buChar char="•"/>
+            </a:pPr>
+            <a:r>
+              <a:rPr lang="es-419" dirty="0">
+                <a:solidFill>
+                  <a:schemeClr val="tx1"/>
+                </a:solidFill>
+                <a:latin typeface="+mn-lt"/>
+              </a:rPr>
+              <a:t>El proceso es demorado.</a:t>
+            </a:r>
+          </a:p>
+          <a:p>
+            <a:pPr marL="285750" lvl="0" indent="-285750" algn="just" rtl="0">
+              <a:spcBef>
+                <a:spcPts val="0"/>
+              </a:spcBef>
+              <a:spcAft>
+                <a:spcPts val="0"/>
+              </a:spcAft>
+              <a:buFont typeface="Arial" panose="020B0604020202020204" pitchFamily="34" charset="0"/>
+              <a:buChar char="•"/>
+            </a:pPr>
+            <a:r>
+              <a:rPr lang="es-419" dirty="0">
+                <a:solidFill>
+                  <a:schemeClr val="tx1"/>
+                </a:solidFill>
+                <a:latin typeface="+mn-lt"/>
+              </a:rPr>
+              <a:t>Existe  un alto margen de error.</a:t>
+            </a:r>
+          </a:p>
+          <a:p>
+            <a:pPr marL="285750" lvl="0" indent="-285750" algn="just" rtl="0">
+              <a:spcBef>
+                <a:spcPts val="0"/>
+              </a:spcBef>
+              <a:spcAft>
+                <a:spcPts val="0"/>
+              </a:spcAft>
+              <a:buFont typeface="Arial" panose="020B0604020202020204" pitchFamily="34" charset="0"/>
+              <a:buChar char="•"/>
+            </a:pPr>
+            <a:r>
+              <a:rPr lang="es-419" dirty="0">
+                <a:solidFill>
+                  <a:schemeClr val="tx1"/>
+                </a:solidFill>
+                <a:latin typeface="+mn-lt"/>
+              </a:rPr>
+              <a:t>No es fácil hacerle seguimiento a las labores realizadas. </a:t>
+            </a:r>
+            <a:endParaRPr dirty="0">
+              <a:solidFill>
+                <a:schemeClr val="tx1"/>
+              </a:solidFill>
+              <a:latin typeface="+mn-lt"/>
+            </a:endParaRPr>
+          </a:p>
+        </p:txBody>
+      </p:sp>
+    </p:spTree>
+  </p:cSld>
+  <p:clrMapOvr>
+    <a:masterClrMapping/>
+  </p:clrMapOvr>
+  <mc:AlternateContent xmlns:mc="http://schemas.openxmlformats.org/markup-compatibility/2006" xmlns:p14="http://schemas.microsoft.com/office/powerpoint/2010/main">
+    <mc:Choice Requires="p14">
+      <p:transition spd="slow" p14:dur="1250">
+        <p14:flip dir="r"/>
+      </p:transition>
+    </mc:Choice>
+    <mc:Fallback xmlns="">
+      <p:transition spd="slow">
+        <p:fade/>
+      </p:transition>
+    </mc:Fallback>
+  </mc:AlternateContent>
+</p:sld>
+</file>
+
+<file path=ppt/slides/slide7.xml><?xml version="1.0" encoding="utf-8"?>
+<p:sld xmlns:a="http://schemas.openxmlformats.org/drawingml/2006/main" xmlns:r="http://schemas.openxmlformats.org/officeDocument/2006/relationships" xmlns:p="http://schemas.openxmlformats.org/presentationml/2006/main">
+  <p:cSld>
+    <p:spTree>
+      <p:nvGrpSpPr>
+        <p:cNvPr id="1" name="Shape 103"/>
+        <p:cNvGrpSpPr/>
+        <p:nvPr/>
+      </p:nvGrpSpPr>
+      <p:grpSpPr>
+        <a:xfrm>
+          <a:off x="0" y="0"/>
+          <a:ext cx="0" cy="0"/>
+          <a:chOff x="0" y="0"/>
+          <a:chExt cx="0" cy="0"/>
+        </a:xfrm>
+      </p:grpSpPr>
+      <p:sp>
+        <p:nvSpPr>
+          <p:cNvPr id="104" name="Google Shape;104;p19"/>
+          <p:cNvSpPr txBox="1"/>
+          <p:nvPr/>
+        </p:nvSpPr>
+        <p:spPr>
+          <a:xfrm>
+            <a:off x="228599" y="2209800"/>
+            <a:ext cx="3231573" cy="678873"/>
+          </a:xfrm>
+          <a:prstGeom prst="rect">
+            <a:avLst/>
+          </a:prstGeom>
+          <a:noFill/>
+          <a:ln>
+            <a:noFill/>
+          </a:ln>
+        </p:spPr>
+        <p:txBody>
+          <a:bodyPr spcFirstLastPara="1" wrap="square" lIns="91425" tIns="91425" rIns="91425" bIns="91425" anchor="t" anchorCtr="0">
+            <a:noAutofit/>
+          </a:bodyPr>
+          <a:lstStyle/>
+          <a:p>
+            <a:pPr marL="457200" lvl="0" indent="0" algn="l" rtl="0">
+              <a:spcBef>
+                <a:spcPts val="0"/>
+              </a:spcBef>
+              <a:spcAft>
+                <a:spcPts val="0"/>
+              </a:spcAft>
+              <a:buNone/>
+            </a:pPr>
+            <a:r>
+              <a:rPr lang="es-ES" sz="3000" b="1" dirty="0">
+                <a:solidFill>
+                  <a:schemeClr val="lt2"/>
+                </a:solidFill>
+                <a:latin typeface="Calibri"/>
+                <a:ea typeface="Calibri"/>
+                <a:cs typeface="Calibri"/>
+                <a:sym typeface="Calibri"/>
+              </a:rPr>
+              <a:t>JUSTIFICACIÓN</a:t>
+            </a:r>
+            <a:endParaRPr sz="3000" b="1" dirty="0">
+              <a:solidFill>
+                <a:schemeClr val="lt2"/>
+              </a:solidFill>
+            </a:endParaRPr>
+          </a:p>
+        </p:txBody>
+      </p:sp>
+      <p:pic>
+        <p:nvPicPr>
+          <p:cNvPr id="105" name="Google Shape;105;p19"/>
+          <p:cNvPicPr preferRelativeResize="0"/>
+          <p:nvPr/>
+        </p:nvPicPr>
+        <p:blipFill rotWithShape="1">
+          <a:blip r:embed="rId3">
+            <a:alphaModFix/>
+          </a:blip>
+          <a:srcRect b="13186"/>
+          <a:stretch/>
+        </p:blipFill>
+        <p:spPr>
+          <a:xfrm>
+            <a:off x="4247826" y="220226"/>
+            <a:ext cx="3205688" cy="1401106"/>
+          </a:xfrm>
+          <a:prstGeom prst="rect">
+            <a:avLst/>
+          </a:prstGeom>
+          <a:noFill/>
+          <a:ln>
+            <a:noFill/>
+          </a:ln>
+        </p:spPr>
+      </p:pic>
+      <p:sp>
+        <p:nvSpPr>
+          <p:cNvPr id="2" name="Google Shape;119;p21">
+            <a:extLst>
+              <a:ext uri="{FF2B5EF4-FFF2-40B4-BE49-F238E27FC236}">
+                <a16:creationId xmlns:a16="http://schemas.microsoft.com/office/drawing/2014/main" id="{67D27C22-DB02-58D0-D272-2ED1C455D6F3}"/>
+              </a:ext>
+            </a:extLst>
+          </p:cNvPr>
+          <p:cNvSpPr txBox="1"/>
+          <p:nvPr/>
+        </p:nvSpPr>
+        <p:spPr>
+          <a:xfrm>
+            <a:off x="4119816" y="1699317"/>
+            <a:ext cx="4610100" cy="2150383"/>
+          </a:xfrm>
+          <a:prstGeom prst="rect">
+            <a:avLst/>
+          </a:prstGeom>
+          <a:noFill/>
+          <a:ln>
+            <a:noFill/>
+          </a:ln>
+        </p:spPr>
+        <p:txBody>
+          <a:bodyPr spcFirstLastPara="1" wrap="square" lIns="91425" tIns="91425" rIns="91425" bIns="91425" anchor="t" anchorCtr="0">
+            <a:noAutofit/>
+          </a:bodyPr>
+          <a:lstStyle/>
+          <a:p>
+            <a:pPr marL="0" lvl="0" indent="0" algn="just" rtl="0">
+              <a:spcBef>
+                <a:spcPts val="0"/>
+              </a:spcBef>
+              <a:spcAft>
+                <a:spcPts val="0"/>
+              </a:spcAft>
+              <a:buNone/>
+            </a:pPr>
+            <a:r>
+              <a:rPr lang="es-419" dirty="0">
+                <a:solidFill>
+                  <a:schemeClr val="tx1"/>
+                </a:solidFill>
+                <a:latin typeface="+mn-lt"/>
+              </a:rPr>
+              <a:t>Si atomizamos el proceso de Ordenes de servicio de mantenimiento de aires acondicionado, podríamos mejorar la atención de nuestros clientes, evitar errores en la asignación de técnicos, y seria mas fácil hacerle seguimiento a los equipos y servicios prestado.</a:t>
+            </a:r>
+          </a:p>
+          <a:p>
+            <a:pPr marL="0" lvl="0" indent="0" algn="just" rtl="0">
+              <a:spcBef>
+                <a:spcPts val="0"/>
+              </a:spcBef>
+              <a:spcAft>
+                <a:spcPts val="0"/>
+              </a:spcAft>
+              <a:buNone/>
+            </a:pPr>
+            <a:endParaRPr lang="es-419" dirty="0">
+              <a:solidFill>
+                <a:schemeClr val="tx1"/>
+              </a:solidFill>
+              <a:latin typeface="+mn-lt"/>
+            </a:endParaRPr>
+          </a:p>
+          <a:p>
+            <a:pPr marL="0" lvl="0" indent="0" algn="just" rtl="0">
+              <a:spcBef>
+                <a:spcPts val="0"/>
+              </a:spcBef>
+              <a:spcAft>
+                <a:spcPts val="0"/>
+              </a:spcAft>
+              <a:buNone/>
+            </a:pPr>
+            <a:r>
+              <a:rPr lang="es-419" dirty="0" err="1">
+                <a:solidFill>
+                  <a:schemeClr val="tx1"/>
+                </a:solidFill>
+                <a:latin typeface="+mn-lt"/>
+              </a:rPr>
+              <a:t>Evitariamos</a:t>
+            </a:r>
+            <a:r>
+              <a:rPr lang="es-419" dirty="0">
+                <a:solidFill>
+                  <a:schemeClr val="tx1"/>
+                </a:solidFill>
+                <a:latin typeface="+mn-lt"/>
+              </a:rPr>
+              <a:t> el consumo del papel, no solo disminuyendo los costos sino contribuyendo con el medio ambiente. </a:t>
+            </a:r>
+            <a:endParaRPr dirty="0">
+              <a:solidFill>
+                <a:schemeClr val="tx1"/>
+              </a:solidFill>
+              <a:latin typeface="+mn-lt"/>
+            </a:endParaRPr>
+          </a:p>
+        </p:txBody>
+      </p:sp>
+    </p:spTree>
+  </p:cSld>
+  <p:clrMapOvr>
+    <a:masterClrMapping/>
+  </p:clrMapOvr>
+  <mc:AlternateContent xmlns:mc="http://schemas.openxmlformats.org/markup-compatibility/2006" xmlns:p14="http://schemas.microsoft.com/office/powerpoint/2010/main">
+    <mc:Choice Requires="p14">
+      <p:transition spd="slow" p14:dur="1200">
+        <p14:prism/>
+      </p:transition>
+    </mc:Choice>
+    <mc:Fallback xmlns="">
+      <p:transition spd="slow">
+        <p:fade/>
+      </p:transition>
+    </mc:Fallback>
+  </mc:AlternateContent>
+</p:sld>
+</file>
+
+<file path=ppt/slides/slide8.xml><?xml version="1.0" encoding="utf-8"?>
+<p:sld xmlns:a="http://schemas.openxmlformats.org/drawingml/2006/main" xmlns:r="http://schemas.openxmlformats.org/officeDocument/2006/relationships" xmlns:p="http://schemas.openxmlformats.org/presentationml/2006/main">
+  <p:cSld>
+    <p:spTree>
+      <p:nvGrpSpPr>
         <p:cNvPr id="1" name="Shape 111"/>
         <p:cNvGrpSpPr/>
         <p:nvPr/>
@@ -5348,7 +7036,7 @@
 </p:sld>
 </file>
 
-<file path=ppt/slides/slide11.xml><?xml version="1.0" encoding="utf-8"?>
+<file path=ppt/slides/slide9.xml><?xml version="1.0" encoding="utf-8"?>
 <p:sld xmlns:a="http://schemas.openxmlformats.org/drawingml/2006/main" xmlns:r="http://schemas.openxmlformats.org/officeDocument/2006/relationships" xmlns:p="http://schemas.openxmlformats.org/presentationml/2006/main">
   <p:cSld>
     <p:spTree>
@@ -5700,3931 +7388,6 @@
         <p14:creationId xmlns:p14="http://schemas.microsoft.com/office/powerpoint/2010/main" val="4181203125"/>
       </p:ext>
     </p:extLst>
-  </p:cSld>
-  <p:clrMapOvr>
-    <a:masterClrMapping/>
-  </p:clrMapOvr>
-  <mc:AlternateContent xmlns:mc="http://schemas.openxmlformats.org/markup-compatibility/2006" xmlns:p14="http://schemas.microsoft.com/office/powerpoint/2010/main">
-    <mc:Choice Requires="p14">
-      <p:transition spd="slow" p14:dur="1200">
-        <p14:prism/>
-      </p:transition>
-    </mc:Choice>
-    <mc:Fallback xmlns="">
-      <p:transition spd="slow">
-        <p:fade/>
-      </p:transition>
-    </mc:Fallback>
-  </mc:AlternateContent>
-</p:sld>
-</file>
-
-<file path=ppt/slides/slide12.xml><?xml version="1.0" encoding="utf-8"?>
-<p:sld xmlns:a="http://schemas.openxmlformats.org/drawingml/2006/main" xmlns:r="http://schemas.openxmlformats.org/officeDocument/2006/relationships" xmlns:p="http://schemas.openxmlformats.org/presentationml/2006/main">
-  <p:cSld>
-    <p:spTree>
-      <p:nvGrpSpPr>
-        <p:cNvPr id="1" name="Shape 131"/>
-        <p:cNvGrpSpPr/>
-        <p:nvPr/>
-      </p:nvGrpSpPr>
-      <p:grpSpPr>
-        <a:xfrm>
-          <a:off x="0" y="0"/>
-          <a:ext cx="0" cy="0"/>
-          <a:chOff x="0" y="0"/>
-          <a:chExt cx="0" cy="0"/>
-        </a:xfrm>
-      </p:grpSpPr>
-      <p:sp>
-        <p:nvSpPr>
-          <p:cNvPr id="132" name="Google Shape;132;p23"/>
-          <p:cNvSpPr txBox="1"/>
-          <p:nvPr/>
-        </p:nvSpPr>
-        <p:spPr>
-          <a:xfrm>
-            <a:off x="291829" y="1521815"/>
-            <a:ext cx="2937753" cy="3213000"/>
-          </a:xfrm>
-          <a:prstGeom prst="rect">
-            <a:avLst/>
-          </a:prstGeom>
-          <a:noFill/>
-          <a:ln>
-            <a:noFill/>
-          </a:ln>
-        </p:spPr>
-        <p:txBody>
-          <a:bodyPr spcFirstLastPara="1" wrap="square" lIns="91425" tIns="91425" rIns="91425" bIns="91425" anchor="t" anchorCtr="0">
-            <a:noAutofit/>
-          </a:bodyPr>
-          <a:lstStyle/>
-          <a:p>
-            <a:pPr marL="457200" lvl="0" indent="0" algn="ctr" rtl="0">
-              <a:spcBef>
-                <a:spcPts val="0"/>
-              </a:spcBef>
-              <a:spcAft>
-                <a:spcPts val="0"/>
-              </a:spcAft>
-              <a:buNone/>
-            </a:pPr>
-            <a:r>
-              <a:rPr lang="es-ES" sz="2800" b="1" dirty="0">
-                <a:solidFill>
-                  <a:schemeClr val="lt1"/>
-                </a:solidFill>
-                <a:latin typeface="Calibri"/>
-                <a:ea typeface="Calibri"/>
-                <a:cs typeface="Calibri"/>
-                <a:sym typeface="Calibri"/>
-              </a:rPr>
-              <a:t>TRABAJO FUTURO</a:t>
-            </a:r>
-            <a:endParaRPr dirty="0"/>
-          </a:p>
-        </p:txBody>
-      </p:sp>
-      <p:sp>
-        <p:nvSpPr>
-          <p:cNvPr id="133" name="Google Shape;133;p23"/>
-          <p:cNvSpPr txBox="1"/>
-          <p:nvPr/>
-        </p:nvSpPr>
-        <p:spPr>
-          <a:xfrm>
-            <a:off x="3820228" y="256170"/>
-            <a:ext cx="4674010" cy="4627115"/>
-          </a:xfrm>
-          <a:prstGeom prst="rect">
-            <a:avLst/>
-          </a:prstGeom>
-          <a:noFill/>
-          <a:ln>
-            <a:noFill/>
-          </a:ln>
-        </p:spPr>
-        <p:txBody>
-          <a:bodyPr spcFirstLastPara="1" wrap="square" lIns="91425" tIns="91425" rIns="91425" bIns="91425" anchor="t" anchorCtr="0">
-            <a:noAutofit/>
-          </a:bodyPr>
-          <a:lstStyle/>
-          <a:p>
-            <a:pPr marL="457200" lvl="0" indent="-431800" algn="just" rtl="0">
-              <a:spcBef>
-                <a:spcPts val="0"/>
-              </a:spcBef>
-              <a:spcAft>
-                <a:spcPts val="0"/>
-              </a:spcAft>
-              <a:buClr>
-                <a:schemeClr val="dk1"/>
-              </a:buClr>
-              <a:buSzPts val="2000"/>
-              <a:buFont typeface="Calibri"/>
-              <a:buAutoNum type="arabicPeriod"/>
-            </a:pPr>
-            <a:r>
-              <a:rPr lang="es-ES" sz="2400" dirty="0">
-                <a:solidFill>
-                  <a:schemeClr val="tx1"/>
-                </a:solidFill>
-                <a:latin typeface="+mn-lt"/>
-                <a:ea typeface="Calibri"/>
-                <a:cs typeface="Calibri"/>
-                <a:sym typeface="Calibri"/>
-              </a:rPr>
-              <a:t>Crear un modulo de mantenimiento Correctivo. </a:t>
-            </a:r>
-            <a:endParaRPr sz="2400" dirty="0">
-              <a:solidFill>
-                <a:schemeClr val="tx1"/>
-              </a:solidFill>
-              <a:latin typeface="+mn-lt"/>
-              <a:ea typeface="Calibri"/>
-              <a:cs typeface="Calibri"/>
-              <a:sym typeface="Calibri"/>
-            </a:endParaRPr>
-          </a:p>
-          <a:p>
-            <a:pPr marL="457200" lvl="0" indent="-431800" algn="just" rtl="0">
-              <a:spcBef>
-                <a:spcPts val="0"/>
-              </a:spcBef>
-              <a:spcAft>
-                <a:spcPts val="0"/>
-              </a:spcAft>
-              <a:buClr>
-                <a:schemeClr val="dk1"/>
-              </a:buClr>
-              <a:buSzPts val="2000"/>
-              <a:buFont typeface="Calibri"/>
-              <a:buAutoNum type="arabicPeriod"/>
-            </a:pPr>
-            <a:r>
-              <a:rPr lang="es-ES" sz="2400" dirty="0">
-                <a:solidFill>
-                  <a:schemeClr val="tx1"/>
-                </a:solidFill>
-                <a:latin typeface="+mn-lt"/>
-                <a:ea typeface="Calibri"/>
-                <a:cs typeface="Calibri"/>
-                <a:sym typeface="Calibri"/>
-              </a:rPr>
-              <a:t>Crear módulo que automatice la programación de OS.</a:t>
-            </a:r>
-          </a:p>
-          <a:p>
-            <a:pPr marL="457200" lvl="0" indent="-431800" algn="just" rtl="0">
-              <a:spcBef>
-                <a:spcPts val="0"/>
-              </a:spcBef>
-              <a:spcAft>
-                <a:spcPts val="0"/>
-              </a:spcAft>
-              <a:buClr>
-                <a:schemeClr val="dk1"/>
-              </a:buClr>
-              <a:buSzPts val="2000"/>
-              <a:buFont typeface="Calibri"/>
-              <a:buAutoNum type="arabicPeriod"/>
-            </a:pPr>
-            <a:r>
-              <a:rPr lang="es-MX" sz="2400" dirty="0">
-                <a:solidFill>
-                  <a:schemeClr val="tx1"/>
-                </a:solidFill>
-                <a:latin typeface="+mn-lt"/>
-                <a:ea typeface="Calibri"/>
-                <a:cs typeface="Calibri"/>
-                <a:sym typeface="Calibri"/>
-              </a:rPr>
-              <a:t>Crear reportes de historial de los mantenimiento realizado a los equipos de los clientes.</a:t>
-            </a:r>
-            <a:endParaRPr sz="2400" dirty="0">
-              <a:solidFill>
-                <a:schemeClr val="tx1"/>
-              </a:solidFill>
-              <a:latin typeface="+mn-lt"/>
-              <a:ea typeface="Calibri"/>
-              <a:cs typeface="Calibri"/>
-              <a:sym typeface="Calibri"/>
-            </a:endParaRPr>
-          </a:p>
-          <a:p>
-            <a:pPr marL="457200" lvl="0" indent="-431800" algn="just" rtl="0">
-              <a:spcBef>
-                <a:spcPts val="0"/>
-              </a:spcBef>
-              <a:spcAft>
-                <a:spcPts val="0"/>
-              </a:spcAft>
-              <a:buClr>
-                <a:schemeClr val="dk1"/>
-              </a:buClr>
-              <a:buSzPts val="2000"/>
-              <a:buFont typeface="Calibri"/>
-              <a:buAutoNum type="arabicPeriod"/>
-            </a:pPr>
-            <a:r>
-              <a:rPr lang="es-ES" sz="2400" dirty="0">
-                <a:solidFill>
-                  <a:schemeClr val="tx1"/>
-                </a:solidFill>
-                <a:latin typeface="+mn-lt"/>
-                <a:ea typeface="Calibri"/>
-                <a:cs typeface="Calibri"/>
-                <a:sym typeface="Calibri"/>
-              </a:rPr>
-              <a:t>Implementar modulo de facturación.</a:t>
-            </a:r>
-            <a:endParaRPr sz="2400" dirty="0">
-              <a:solidFill>
-                <a:schemeClr val="tx1"/>
-              </a:solidFill>
-              <a:latin typeface="+mn-lt"/>
-              <a:ea typeface="Calibri"/>
-              <a:cs typeface="Calibri"/>
-              <a:sym typeface="Calibri"/>
-            </a:endParaRPr>
-          </a:p>
-          <a:p>
-            <a:pPr marL="457200" lvl="0" indent="0" algn="just" rtl="0">
-              <a:spcBef>
-                <a:spcPts val="0"/>
-              </a:spcBef>
-              <a:spcAft>
-                <a:spcPts val="0"/>
-              </a:spcAft>
-              <a:buNone/>
-            </a:pPr>
-            <a:endParaRPr sz="2000" dirty="0">
-              <a:solidFill>
-                <a:schemeClr val="tx1"/>
-              </a:solidFill>
-              <a:latin typeface="+mn-lt"/>
-              <a:ea typeface="Calibri"/>
-              <a:cs typeface="Calibri"/>
-              <a:sym typeface="Calibri"/>
-            </a:endParaRPr>
-          </a:p>
-        </p:txBody>
-      </p:sp>
-    </p:spTree>
-  </p:cSld>
-  <p:clrMapOvr>
-    <a:masterClrMapping/>
-  </p:clrMapOvr>
-  <mc:AlternateContent xmlns:mc="http://schemas.openxmlformats.org/markup-compatibility/2006" xmlns:p14="http://schemas.microsoft.com/office/powerpoint/2010/main">
-    <mc:Choice Requires="p14">
-      <p:transition spd="slow" p14:dur="1200">
-        <p14:prism/>
-      </p:transition>
-    </mc:Choice>
-    <mc:Fallback xmlns="">
-      <p:transition spd="slow">
-        <p:fade/>
-      </p:transition>
-    </mc:Fallback>
-  </mc:AlternateContent>
-</p:sld>
-</file>
-
-<file path=ppt/slides/slide13.xml><?xml version="1.0" encoding="utf-8"?>
-<p:sld xmlns:a="http://schemas.openxmlformats.org/drawingml/2006/main" xmlns:r="http://schemas.openxmlformats.org/officeDocument/2006/relationships" xmlns:p="http://schemas.openxmlformats.org/presentationml/2006/main">
-  <p:cSld>
-    <p:spTree>
-      <p:nvGrpSpPr>
-        <p:cNvPr id="1" name="Shape 137"/>
-        <p:cNvGrpSpPr/>
-        <p:nvPr/>
-      </p:nvGrpSpPr>
-      <p:grpSpPr>
-        <a:xfrm>
-          <a:off x="0" y="0"/>
-          <a:ext cx="0" cy="0"/>
-          <a:chOff x="0" y="0"/>
-          <a:chExt cx="0" cy="0"/>
-        </a:xfrm>
-      </p:grpSpPr>
-      <p:pic>
-        <p:nvPicPr>
-          <p:cNvPr id="139" name="Google Shape;139;p24"/>
-          <p:cNvPicPr preferRelativeResize="0"/>
-          <p:nvPr/>
-        </p:nvPicPr>
-        <p:blipFill rotWithShape="1">
-          <a:blip r:embed="rId3">
-            <a:alphaModFix/>
-          </a:blip>
-          <a:srcRect/>
-          <a:stretch/>
-        </p:blipFill>
-        <p:spPr>
-          <a:xfrm>
-            <a:off x="1101721" y="1958193"/>
-            <a:ext cx="241300" cy="38100"/>
-          </a:xfrm>
-          <a:prstGeom prst="rect">
-            <a:avLst/>
-          </a:prstGeom>
-          <a:noFill/>
-          <a:ln>
-            <a:noFill/>
-          </a:ln>
-        </p:spPr>
-      </p:pic>
-      <p:sp>
-        <p:nvSpPr>
-          <p:cNvPr id="140" name="Google Shape;140;p24"/>
-          <p:cNvSpPr txBox="1"/>
-          <p:nvPr/>
-        </p:nvSpPr>
-        <p:spPr>
-          <a:xfrm>
-            <a:off x="954675" y="144875"/>
-            <a:ext cx="6728700" cy="708000"/>
-          </a:xfrm>
-          <a:prstGeom prst="rect">
-            <a:avLst/>
-          </a:prstGeom>
-          <a:noFill/>
-          <a:ln>
-            <a:noFill/>
-          </a:ln>
-        </p:spPr>
-        <p:txBody>
-          <a:bodyPr spcFirstLastPara="1" wrap="square" lIns="91425" tIns="45700" rIns="91425" bIns="45700" anchor="t" anchorCtr="0">
-            <a:noAutofit/>
-          </a:bodyPr>
-          <a:lstStyle/>
-          <a:p>
-            <a:pPr marL="457200" lvl="0" indent="0" algn="ctr" rtl="0">
-              <a:spcBef>
-                <a:spcPts val="0"/>
-              </a:spcBef>
-              <a:spcAft>
-                <a:spcPts val="0"/>
-              </a:spcAft>
-              <a:buNone/>
-            </a:pPr>
-            <a:r>
-              <a:rPr lang="es-ES" sz="2800" b="1" dirty="0">
-                <a:solidFill>
-                  <a:schemeClr val="lt1"/>
-                </a:solidFill>
-                <a:latin typeface="Calibri"/>
-                <a:ea typeface="Calibri"/>
-                <a:cs typeface="Calibri"/>
-                <a:sym typeface="Calibri"/>
-              </a:rPr>
-              <a:t>AVANCES DEL PROYECTO</a:t>
-            </a:r>
-            <a:endParaRPr sz="2800" b="1" dirty="0">
-              <a:solidFill>
-                <a:schemeClr val="lt1"/>
-              </a:solidFill>
-              <a:latin typeface="Calibri"/>
-              <a:ea typeface="Calibri"/>
-              <a:cs typeface="Calibri"/>
-              <a:sym typeface="Calibri"/>
-            </a:endParaRPr>
-          </a:p>
-        </p:txBody>
-      </p:sp>
-      <p:sp>
-        <p:nvSpPr>
-          <p:cNvPr id="141" name="Google Shape;141;p24"/>
-          <p:cNvSpPr txBox="1"/>
-          <p:nvPr/>
-        </p:nvSpPr>
-        <p:spPr>
-          <a:xfrm>
-            <a:off x="954675" y="1279497"/>
-            <a:ext cx="2591400" cy="400200"/>
-          </a:xfrm>
-          <a:prstGeom prst="rect">
-            <a:avLst/>
-          </a:prstGeom>
-          <a:noFill/>
-          <a:ln>
-            <a:noFill/>
-          </a:ln>
-        </p:spPr>
-        <p:txBody>
-          <a:bodyPr spcFirstLastPara="1" wrap="square" lIns="91425" tIns="45700" rIns="91425" bIns="45700" anchor="t" anchorCtr="0">
-            <a:noAutofit/>
-          </a:bodyPr>
-          <a:lstStyle/>
-          <a:p>
-            <a:pPr marL="0" marR="0" lvl="0" indent="0" algn="l" rtl="0">
-              <a:spcBef>
-                <a:spcPts val="0"/>
-              </a:spcBef>
-              <a:spcAft>
-                <a:spcPts val="0"/>
-              </a:spcAft>
-              <a:buNone/>
-            </a:pPr>
-            <a:endParaRPr sz="2000" b="1">
-              <a:solidFill>
-                <a:srgbClr val="5E5C5D"/>
-              </a:solidFill>
-              <a:latin typeface="Calibri"/>
-              <a:ea typeface="Calibri"/>
-              <a:cs typeface="Calibri"/>
-              <a:sym typeface="Calibri"/>
-            </a:endParaRPr>
-          </a:p>
-        </p:txBody>
-      </p:sp>
-      <p:sp>
-        <p:nvSpPr>
-          <p:cNvPr id="142" name="Google Shape;142;p24"/>
-          <p:cNvSpPr txBox="1"/>
-          <p:nvPr/>
-        </p:nvSpPr>
-        <p:spPr>
-          <a:xfrm>
-            <a:off x="990200" y="1279500"/>
-            <a:ext cx="7747500" cy="3711300"/>
-          </a:xfrm>
-          <a:prstGeom prst="rect">
-            <a:avLst/>
-          </a:prstGeom>
-          <a:noFill/>
-          <a:ln>
-            <a:noFill/>
-          </a:ln>
-        </p:spPr>
-        <p:txBody>
-          <a:bodyPr spcFirstLastPara="1" wrap="square" lIns="91425" tIns="45700" rIns="91425" bIns="45700" anchor="t" anchorCtr="0">
-            <a:noAutofit/>
-          </a:bodyPr>
-          <a:lstStyle/>
-          <a:p>
-            <a:pPr marL="342900" indent="-342900">
-              <a:buFont typeface="+mj-lt"/>
-              <a:buAutoNum type="arabicPeriod"/>
-            </a:pPr>
-            <a:r>
-              <a:rPr lang="es-MX" sz="1600" dirty="0">
-                <a:solidFill>
-                  <a:schemeClr val="bg2"/>
-                </a:solidFill>
-              </a:rPr>
-              <a:t>Modelo relacional de base de datos </a:t>
-            </a:r>
-          </a:p>
-          <a:p>
-            <a:pPr marL="342900" indent="-342900">
-              <a:buFont typeface="+mj-lt"/>
-              <a:buAutoNum type="arabicPeriod"/>
-            </a:pPr>
-            <a:r>
-              <a:rPr lang="es-MX" sz="1600" dirty="0">
-                <a:solidFill>
-                  <a:schemeClr val="bg2"/>
-                </a:solidFill>
-              </a:rPr>
-              <a:t>Aplicación WEB</a:t>
-            </a:r>
-          </a:p>
-        </p:txBody>
-      </p:sp>
-    </p:spTree>
-  </p:cSld>
-  <p:clrMapOvr>
-    <a:masterClrMapping/>
-  </p:clrMapOvr>
-  <mc:AlternateContent xmlns:mc="http://schemas.openxmlformats.org/markup-compatibility/2006" xmlns:p14="http://schemas.microsoft.com/office/powerpoint/2010/main">
-    <mc:Choice Requires="p14">
-      <p:transition spd="slow" p14:dur="1200">
-        <p14:prism/>
-      </p:transition>
-    </mc:Choice>
-    <mc:Fallback xmlns="">
-      <p:transition spd="slow">
-        <p:fade/>
-      </p:transition>
-    </mc:Fallback>
-  </mc:AlternateContent>
-</p:sld>
-</file>
-
-<file path=ppt/slides/slide14.xml><?xml version="1.0" encoding="utf-8"?>
-<p:sld xmlns:a="http://schemas.openxmlformats.org/drawingml/2006/main" xmlns:r="http://schemas.openxmlformats.org/officeDocument/2006/relationships" xmlns:p="http://schemas.openxmlformats.org/presentationml/2006/main">
-  <p:cSld>
-    <p:spTree>
-      <p:nvGrpSpPr>
-        <p:cNvPr id="1" name="Shape 153"/>
-        <p:cNvGrpSpPr/>
-        <p:nvPr/>
-      </p:nvGrpSpPr>
-      <p:grpSpPr>
-        <a:xfrm>
-          <a:off x="0" y="0"/>
-          <a:ext cx="0" cy="0"/>
-          <a:chOff x="0" y="0"/>
-          <a:chExt cx="0" cy="0"/>
-        </a:xfrm>
-      </p:grpSpPr>
-    </p:spTree>
-  </p:cSld>
-  <p:clrMapOvr>
-    <a:masterClrMapping/>
-  </p:clrMapOvr>
-  <mc:AlternateContent xmlns:mc="http://schemas.openxmlformats.org/markup-compatibility/2006" xmlns:p14="http://schemas.microsoft.com/office/powerpoint/2010/main">
-    <mc:Choice Requires="p14">
-      <p:transition spd="slow" p14:dur="1200">
-        <p14:prism/>
-      </p:transition>
-    </mc:Choice>
-    <mc:Fallback xmlns="">
-      <p:transition spd="slow">
-        <p:fade/>
-      </p:transition>
-    </mc:Fallback>
-  </mc:AlternateContent>
-</p:sld>
-</file>
-
-<file path=ppt/slides/slide2.xml><?xml version="1.0" encoding="utf-8"?>
-<p:sld xmlns:a="http://schemas.openxmlformats.org/drawingml/2006/main" xmlns:r="http://schemas.openxmlformats.org/officeDocument/2006/relationships" xmlns:p="http://schemas.openxmlformats.org/presentationml/2006/main">
-  <p:cSld>
-    <p:spTree>
-      <p:nvGrpSpPr>
-        <p:cNvPr id="1" name=""/>
-        <p:cNvGrpSpPr/>
-        <p:nvPr/>
-      </p:nvGrpSpPr>
-      <p:grpSpPr>
-        <a:xfrm>
-          <a:off x="0" y="0"/>
-          <a:ext cx="0" cy="0"/>
-          <a:chOff x="0" y="0"/>
-          <a:chExt cx="0" cy="0"/>
-        </a:xfrm>
-      </p:grpSpPr>
-      <p:sp>
-        <p:nvSpPr>
-          <p:cNvPr id="3" name="Rectángulo 2"/>
-          <p:cNvSpPr/>
-          <p:nvPr/>
-        </p:nvSpPr>
-        <p:spPr>
-          <a:xfrm>
-            <a:off x="107997" y="2299875"/>
-            <a:ext cx="3512501" cy="523220"/>
-          </a:xfrm>
-          <a:prstGeom prst="rect">
-            <a:avLst/>
-          </a:prstGeom>
-        </p:spPr>
-        <p:txBody>
-          <a:bodyPr wrap="none">
-            <a:spAutoFit/>
-          </a:bodyPr>
-          <a:lstStyle/>
-          <a:p>
-            <a:pPr lvl="0" algn="ctr"/>
-            <a:r>
-              <a:rPr lang="es-ES" sz="2800" b="1" dirty="0">
-                <a:solidFill>
-                  <a:schemeClr val="lt1"/>
-                </a:solidFill>
-                <a:latin typeface="Calibri"/>
-                <a:ea typeface="Calibri"/>
-                <a:cs typeface="Calibri"/>
-                <a:sym typeface="Calibri"/>
-              </a:rPr>
-              <a:t>AGENDA DE TRABAJO </a:t>
-            </a:r>
-          </a:p>
-        </p:txBody>
-      </p:sp>
-      <p:sp>
-        <p:nvSpPr>
-          <p:cNvPr id="5" name="CuadroTexto 4"/>
-          <p:cNvSpPr txBox="1"/>
-          <p:nvPr/>
-        </p:nvSpPr>
-        <p:spPr>
-          <a:xfrm>
-            <a:off x="4051309" y="1029062"/>
-            <a:ext cx="4857135" cy="3785652"/>
-          </a:xfrm>
-          <a:prstGeom prst="rect">
-            <a:avLst/>
-          </a:prstGeom>
-          <a:noFill/>
-        </p:spPr>
-        <p:txBody>
-          <a:bodyPr wrap="square" rtlCol="0">
-            <a:spAutoFit/>
-          </a:bodyPr>
-          <a:lstStyle/>
-          <a:p>
-            <a:pPr marL="285750" lvl="0" indent="-285750">
-              <a:buFont typeface="Arial" panose="020B0604020202020204" pitchFamily="34" charset="0"/>
-              <a:buChar char="•"/>
-            </a:pPr>
-            <a:endParaRPr lang="es-ES" sz="2000" b="1" dirty="0">
-              <a:solidFill>
-                <a:schemeClr val="tx1"/>
-              </a:solidFill>
-              <a:latin typeface="+mn-lt"/>
-              <a:ea typeface="Calibri"/>
-              <a:cs typeface="Calibri"/>
-              <a:sym typeface="Calibri"/>
-            </a:endParaRPr>
-          </a:p>
-          <a:p>
-            <a:pPr marL="285750" lvl="0" indent="-285750">
-              <a:buFont typeface="Arial" panose="020B0604020202020204" pitchFamily="34" charset="0"/>
-              <a:buChar char="•"/>
-            </a:pPr>
-            <a:r>
-              <a:rPr lang="es-ES" sz="2000" b="1" dirty="0">
-                <a:solidFill>
-                  <a:schemeClr val="tx1"/>
-                </a:solidFill>
-                <a:latin typeface="+mn-lt"/>
-                <a:ea typeface="Calibri"/>
-                <a:cs typeface="Calibri"/>
-                <a:sym typeface="Calibri"/>
-              </a:rPr>
-              <a:t>TÍTULO DEL PROYECTO</a:t>
-            </a:r>
-          </a:p>
-          <a:p>
-            <a:pPr marL="285750" indent="-285750">
-              <a:buFont typeface="Arial" panose="020B0604020202020204" pitchFamily="34" charset="0"/>
-              <a:buChar char="•"/>
-            </a:pPr>
-            <a:r>
-              <a:rPr lang="es-ES" sz="2000" b="1" dirty="0">
-                <a:solidFill>
-                  <a:schemeClr val="tx1"/>
-                </a:solidFill>
-                <a:ea typeface="Calibri"/>
-                <a:cs typeface="Calibri"/>
-                <a:sym typeface="Calibri"/>
-              </a:rPr>
-              <a:t>OBJETIVO GENERAL</a:t>
-            </a:r>
-          </a:p>
-          <a:p>
-            <a:pPr marL="285750" lvl="0" indent="-285750">
-              <a:buFont typeface="Arial" panose="020B0604020202020204" pitchFamily="34" charset="0"/>
-              <a:buChar char="•"/>
-            </a:pPr>
-            <a:r>
-              <a:rPr lang="es-ES" sz="2000" b="1" dirty="0">
-                <a:solidFill>
-                  <a:schemeClr val="tx1"/>
-                </a:solidFill>
-                <a:ea typeface="Calibri"/>
-                <a:cs typeface="Calibri"/>
-                <a:sym typeface="Calibri"/>
-              </a:rPr>
-              <a:t>OBJETIVOS ESPECIFICOS</a:t>
-            </a:r>
-            <a:endParaRPr lang="es-ES" sz="2000" b="1" dirty="0">
-              <a:solidFill>
-                <a:schemeClr val="tx1"/>
-              </a:solidFill>
-              <a:latin typeface="+mn-lt"/>
-              <a:ea typeface="Calibri"/>
-              <a:cs typeface="Calibri"/>
-              <a:sym typeface="Calibri"/>
-            </a:endParaRPr>
-          </a:p>
-          <a:p>
-            <a:pPr marL="285750" lvl="0" indent="-285750">
-              <a:buFont typeface="Arial" panose="020B0604020202020204" pitchFamily="34" charset="0"/>
-              <a:buChar char="•"/>
-            </a:pPr>
-            <a:r>
-              <a:rPr lang="es-ES" sz="2000" b="1" dirty="0">
-                <a:solidFill>
-                  <a:schemeClr val="tx1"/>
-                </a:solidFill>
-                <a:latin typeface="+mn-lt"/>
-                <a:ea typeface="Calibri"/>
-                <a:cs typeface="Calibri"/>
-                <a:sym typeface="Calibri"/>
-              </a:rPr>
-              <a:t>PLANTEAMIENTO DEL PROBLEMA</a:t>
-            </a:r>
-          </a:p>
-          <a:p>
-            <a:pPr marL="285750" indent="-285750">
-              <a:buFont typeface="Arial" panose="020B0604020202020204" pitchFamily="34" charset="0"/>
-              <a:buChar char="•"/>
-            </a:pPr>
-            <a:r>
-              <a:rPr lang="es-ES" sz="2000" b="1" dirty="0">
-                <a:solidFill>
-                  <a:schemeClr val="tx1"/>
-                </a:solidFill>
-                <a:latin typeface="+mn-lt"/>
-                <a:ea typeface="Calibri"/>
-                <a:cs typeface="Calibri"/>
-                <a:sym typeface="Calibri"/>
-              </a:rPr>
-              <a:t>JUSTIFICACIÓN</a:t>
-            </a:r>
-          </a:p>
-          <a:p>
-            <a:pPr marL="285750" lvl="0" indent="-285750">
-              <a:buFont typeface="Arial" panose="020B0604020202020204" pitchFamily="34" charset="0"/>
-              <a:buChar char="•"/>
-            </a:pPr>
-            <a:r>
-              <a:rPr lang="es-ES" sz="2000" b="1" dirty="0">
-                <a:solidFill>
-                  <a:schemeClr val="tx1"/>
-                </a:solidFill>
-                <a:latin typeface="+mn-lt"/>
-                <a:ea typeface="Calibri"/>
-                <a:cs typeface="Calibri"/>
-                <a:sym typeface="Calibri"/>
-              </a:rPr>
-              <a:t>ALCANCES</a:t>
-            </a:r>
-          </a:p>
-          <a:p>
-            <a:pPr marL="285750" lvl="0" indent="-285750">
-              <a:buFont typeface="Arial" panose="020B0604020202020204" pitchFamily="34" charset="0"/>
-              <a:buChar char="•"/>
-            </a:pPr>
-            <a:r>
-              <a:rPr lang="es-ES" sz="2000" b="1" dirty="0">
-                <a:solidFill>
-                  <a:schemeClr val="tx1"/>
-                </a:solidFill>
-                <a:latin typeface="+mn-lt"/>
-              </a:rPr>
-              <a:t>IMPACTO</a:t>
-            </a:r>
-            <a:endParaRPr lang="es-ES" sz="2000" b="1" dirty="0">
-              <a:solidFill>
-                <a:schemeClr val="tx1"/>
-              </a:solidFill>
-              <a:latin typeface="+mn-lt"/>
-              <a:ea typeface="Calibri"/>
-              <a:cs typeface="Calibri"/>
-              <a:sym typeface="Calibri"/>
-            </a:endParaRPr>
-          </a:p>
-          <a:p>
-            <a:pPr marL="285750" indent="-285750">
-              <a:buFont typeface="Arial" panose="020B0604020202020204" pitchFamily="34" charset="0"/>
-              <a:buChar char="•"/>
-            </a:pPr>
-            <a:r>
-              <a:rPr lang="es-ES" sz="2000" b="1" dirty="0">
-                <a:solidFill>
-                  <a:schemeClr val="tx1"/>
-                </a:solidFill>
-                <a:latin typeface="+mn-lt"/>
-                <a:ea typeface="Calibri"/>
-                <a:cs typeface="Calibri"/>
-                <a:sym typeface="Calibri"/>
-              </a:rPr>
-              <a:t>TRABAJO FUTURO</a:t>
-            </a:r>
-            <a:endParaRPr lang="es-ES" sz="2000" b="1" dirty="0">
-              <a:solidFill>
-                <a:schemeClr val="tx1"/>
-              </a:solidFill>
-              <a:latin typeface="+mn-lt"/>
-            </a:endParaRPr>
-          </a:p>
-          <a:p>
-            <a:pPr marL="285750" lvl="0" indent="-285750">
-              <a:buFont typeface="Arial" panose="020B0604020202020204" pitchFamily="34" charset="0"/>
-              <a:buChar char="•"/>
-            </a:pPr>
-            <a:r>
-              <a:rPr lang="es-ES" sz="2000" b="1" dirty="0">
-                <a:solidFill>
-                  <a:schemeClr val="tx1"/>
-                </a:solidFill>
-                <a:latin typeface="+mn-lt"/>
-              </a:rPr>
-              <a:t>AVANCES DEL PROYECTO </a:t>
-            </a:r>
-          </a:p>
-          <a:p>
-            <a:pPr marL="285750" lvl="0" indent="-285750">
-              <a:buFont typeface="Arial" panose="020B0604020202020204" pitchFamily="34" charset="0"/>
-              <a:buChar char="•"/>
-            </a:pPr>
-            <a:endParaRPr lang="es-ES" sz="2000" dirty="0">
-              <a:latin typeface="+mn-lt"/>
-            </a:endParaRPr>
-          </a:p>
-          <a:p>
-            <a:endParaRPr lang="en-US" sz="2000" dirty="0">
-              <a:latin typeface="+mn-lt"/>
-            </a:endParaRPr>
-          </a:p>
-        </p:txBody>
-      </p:sp>
-    </p:spTree>
-    <p:extLst>
-      <p:ext uri="{BB962C8B-B14F-4D97-AF65-F5344CB8AC3E}">
-        <p14:creationId xmlns:p14="http://schemas.microsoft.com/office/powerpoint/2010/main" val="3755736399"/>
-      </p:ext>
-    </p:extLst>
-  </p:cSld>
-  <p:clrMapOvr>
-    <a:masterClrMapping/>
-  </p:clrMapOvr>
-</p:sld>
-</file>
-
-<file path=ppt/slides/slide3.xml><?xml version="1.0" encoding="utf-8"?>
-<p:sld xmlns:a="http://schemas.openxmlformats.org/drawingml/2006/main" xmlns:r="http://schemas.openxmlformats.org/officeDocument/2006/relationships" xmlns:p="http://schemas.openxmlformats.org/presentationml/2006/main">
-  <p:cSld>
-    <p:spTree>
-      <p:nvGrpSpPr>
-        <p:cNvPr id="1" name="Shape 48"/>
-        <p:cNvGrpSpPr/>
-        <p:nvPr/>
-      </p:nvGrpSpPr>
-      <p:grpSpPr>
-        <a:xfrm>
-          <a:off x="0" y="0"/>
-          <a:ext cx="0" cy="0"/>
-          <a:chOff x="0" y="0"/>
-          <a:chExt cx="0" cy="0"/>
-        </a:xfrm>
-      </p:grpSpPr>
-      <p:sp>
-        <p:nvSpPr>
-          <p:cNvPr id="49" name="Google Shape;49;p16"/>
-          <p:cNvSpPr txBox="1"/>
-          <p:nvPr/>
-        </p:nvSpPr>
-        <p:spPr>
-          <a:xfrm>
-            <a:off x="233464" y="2258621"/>
-            <a:ext cx="3157388" cy="830997"/>
-          </a:xfrm>
-          <a:prstGeom prst="rect">
-            <a:avLst/>
-          </a:prstGeom>
-          <a:noFill/>
-          <a:ln>
-            <a:noFill/>
-          </a:ln>
-        </p:spPr>
-        <p:txBody>
-          <a:bodyPr spcFirstLastPara="1" wrap="square" lIns="91425" tIns="45700" rIns="91425" bIns="45700" anchor="t" anchorCtr="0">
-            <a:noAutofit/>
-          </a:bodyPr>
-          <a:lstStyle/>
-          <a:p>
-            <a:pPr marL="0" marR="0" lvl="0" indent="0" algn="ctr" rtl="0">
-              <a:spcBef>
-                <a:spcPts val="0"/>
-              </a:spcBef>
-              <a:spcAft>
-                <a:spcPts val="0"/>
-              </a:spcAft>
-              <a:buNone/>
-            </a:pPr>
-            <a:r>
-              <a:rPr lang="es-ES" sz="2400" b="1" i="0" u="none" strike="noStrike" cap="none" dirty="0">
-                <a:solidFill>
-                  <a:schemeClr val="lt1"/>
-                </a:solidFill>
-                <a:latin typeface="Calibri"/>
-                <a:ea typeface="Calibri"/>
-                <a:cs typeface="Calibri"/>
-                <a:sym typeface="Calibri"/>
-              </a:rPr>
-              <a:t>TITULO DEL PROYECTO</a:t>
-            </a:r>
-            <a:endParaRPr sz="2400" b="1" i="0" u="none" strike="noStrike" cap="none" dirty="0">
-              <a:solidFill>
-                <a:schemeClr val="lt1"/>
-              </a:solidFill>
-              <a:latin typeface="Calibri"/>
-              <a:ea typeface="Calibri"/>
-              <a:cs typeface="Calibri"/>
-              <a:sym typeface="Calibri"/>
-            </a:endParaRPr>
-          </a:p>
-        </p:txBody>
-      </p:sp>
-      <p:sp>
-        <p:nvSpPr>
-          <p:cNvPr id="7" name="CuadroTexto 6"/>
-          <p:cNvSpPr txBox="1"/>
-          <p:nvPr/>
-        </p:nvSpPr>
-        <p:spPr>
-          <a:xfrm>
-            <a:off x="3929975" y="2012401"/>
-            <a:ext cx="4978470" cy="1323439"/>
-          </a:xfrm>
-          <a:prstGeom prst="rect">
-            <a:avLst/>
-          </a:prstGeom>
-          <a:noFill/>
-        </p:spPr>
-        <p:txBody>
-          <a:bodyPr wrap="square" rtlCol="0">
-            <a:spAutoFit/>
-          </a:bodyPr>
-          <a:lstStyle/>
-          <a:p>
-            <a:pPr marL="285750" lvl="0" indent="-285750">
-              <a:buFont typeface="Arial" panose="020B0604020202020204" pitchFamily="34" charset="0"/>
-              <a:buChar char="•"/>
-            </a:pPr>
-            <a:endParaRPr lang="es-ES" sz="2000" b="1" dirty="0">
-              <a:solidFill>
-                <a:schemeClr val="tx1"/>
-              </a:solidFill>
-              <a:latin typeface="+mn-lt"/>
-              <a:ea typeface="Calibri"/>
-              <a:cs typeface="Calibri"/>
-              <a:sym typeface="Calibri"/>
-            </a:endParaRPr>
-          </a:p>
-          <a:p>
-            <a:pPr marL="285750" lvl="0" indent="-285750">
-              <a:buFont typeface="Arial" panose="020B0604020202020204" pitchFamily="34" charset="0"/>
-              <a:buChar char="•"/>
-            </a:pPr>
-            <a:r>
-              <a:rPr lang="es-ES" sz="2000" b="1" dirty="0">
-                <a:solidFill>
-                  <a:schemeClr val="tx1"/>
-                </a:solidFill>
-                <a:latin typeface="+mn-lt"/>
-                <a:ea typeface="Calibri"/>
-                <a:cs typeface="Calibri"/>
-                <a:sym typeface="Calibri"/>
-              </a:rPr>
-              <a:t>SERVI OS (ORDENES DE SERVICIO)</a:t>
-            </a:r>
-            <a:endParaRPr lang="es-ES" sz="2000" b="1" dirty="0">
-              <a:solidFill>
-                <a:schemeClr val="tx1"/>
-              </a:solidFill>
-              <a:latin typeface="+mn-lt"/>
-            </a:endParaRPr>
-          </a:p>
-          <a:p>
-            <a:pPr marL="285750" lvl="0" indent="-285750">
-              <a:buFont typeface="Arial" panose="020B0604020202020204" pitchFamily="34" charset="0"/>
-              <a:buChar char="•"/>
-            </a:pPr>
-            <a:endParaRPr lang="es-ES" sz="2000" dirty="0">
-              <a:latin typeface="+mn-lt"/>
-            </a:endParaRPr>
-          </a:p>
-          <a:p>
-            <a:endParaRPr lang="en-US" sz="2000" dirty="0">
-              <a:latin typeface="+mn-lt"/>
-            </a:endParaRPr>
-          </a:p>
-        </p:txBody>
-      </p:sp>
-    </p:spTree>
-    <p:extLst>
-      <p:ext uri="{BB962C8B-B14F-4D97-AF65-F5344CB8AC3E}">
-        <p14:creationId xmlns:p14="http://schemas.microsoft.com/office/powerpoint/2010/main" val="4085481961"/>
-      </p:ext>
-    </p:extLst>
-  </p:cSld>
-  <p:clrMapOvr>
-    <a:masterClrMapping/>
-  </p:clrMapOvr>
-  <mc:AlternateContent xmlns:mc="http://schemas.openxmlformats.org/markup-compatibility/2006" xmlns:p14="http://schemas.microsoft.com/office/powerpoint/2010/main">
-    <mc:Choice Requires="p14">
-      <p:transition spd="slow" p14:dur="1250">
-        <p14:flip dir="r"/>
-      </p:transition>
-    </mc:Choice>
-    <mc:Fallback xmlns="">
-      <p:transition spd="slow">
-        <p:fade/>
-      </p:transition>
-    </mc:Fallback>
-  </mc:AlternateContent>
-</p:sld>
-</file>
-
-<file path=ppt/slides/slide4.xml><?xml version="1.0" encoding="utf-8"?>
-<p:sld xmlns:a="http://schemas.openxmlformats.org/drawingml/2006/main" xmlns:r="http://schemas.openxmlformats.org/officeDocument/2006/relationships" xmlns:p="http://schemas.openxmlformats.org/presentationml/2006/main">
-  <p:cSld>
-    <p:spTree>
-      <p:nvGrpSpPr>
-        <p:cNvPr id="1" name="Shape 117"/>
-        <p:cNvGrpSpPr/>
-        <p:nvPr/>
-      </p:nvGrpSpPr>
-      <p:grpSpPr>
-        <a:xfrm>
-          <a:off x="0" y="0"/>
-          <a:ext cx="0" cy="0"/>
-          <a:chOff x="0" y="0"/>
-          <a:chExt cx="0" cy="0"/>
-        </a:xfrm>
-      </p:grpSpPr>
-      <p:sp>
-        <p:nvSpPr>
-          <p:cNvPr id="118" name="Google Shape;118;p21"/>
-          <p:cNvSpPr txBox="1"/>
-          <p:nvPr/>
-        </p:nvSpPr>
-        <p:spPr>
-          <a:xfrm>
-            <a:off x="228600" y="1993900"/>
-            <a:ext cx="3000000" cy="3000000"/>
-          </a:xfrm>
-          <a:prstGeom prst="rect">
-            <a:avLst/>
-          </a:prstGeom>
-          <a:noFill/>
-          <a:ln>
-            <a:noFill/>
-          </a:ln>
-        </p:spPr>
-        <p:txBody>
-          <a:bodyPr spcFirstLastPara="1" wrap="square" lIns="91425" tIns="91425" rIns="91425" bIns="91425" anchor="t" anchorCtr="0">
-            <a:noAutofit/>
-          </a:bodyPr>
-          <a:lstStyle/>
-          <a:p>
-            <a:pPr marL="457200" lvl="0" indent="0" algn="ctr" rtl="0">
-              <a:spcBef>
-                <a:spcPts val="0"/>
-              </a:spcBef>
-              <a:spcAft>
-                <a:spcPts val="0"/>
-              </a:spcAft>
-              <a:buNone/>
-            </a:pPr>
-            <a:r>
-              <a:rPr lang="es-ES" sz="2800" b="1" dirty="0">
-                <a:solidFill>
-                  <a:schemeClr val="lt1"/>
-                </a:solidFill>
-                <a:latin typeface="Calibri"/>
-                <a:ea typeface="Calibri"/>
-                <a:cs typeface="Calibri"/>
-                <a:sym typeface="Calibri"/>
-              </a:rPr>
-              <a:t>OBJETIVO GENERAL</a:t>
-            </a:r>
-            <a:endParaRPr dirty="0"/>
-          </a:p>
-        </p:txBody>
-      </p:sp>
-      <p:sp>
-        <p:nvSpPr>
-          <p:cNvPr id="119" name="Google Shape;119;p21"/>
-          <p:cNvSpPr txBox="1"/>
-          <p:nvPr/>
-        </p:nvSpPr>
-        <p:spPr>
-          <a:xfrm>
-            <a:off x="4127500" y="1130699"/>
-            <a:ext cx="4610100" cy="3117619"/>
-          </a:xfrm>
-          <a:prstGeom prst="rect">
-            <a:avLst/>
-          </a:prstGeom>
-          <a:noFill/>
-          <a:ln>
-            <a:noFill/>
-          </a:ln>
-        </p:spPr>
-        <p:txBody>
-          <a:bodyPr spcFirstLastPara="1" wrap="square" lIns="91425" tIns="91425" rIns="91425" bIns="91425" anchor="t" anchorCtr="0">
-            <a:noAutofit/>
-          </a:bodyPr>
-          <a:lstStyle/>
-          <a:p>
-            <a:pPr marL="0" lvl="0" indent="0" algn="just" rtl="0">
-              <a:spcBef>
-                <a:spcPts val="0"/>
-              </a:spcBef>
-              <a:spcAft>
-                <a:spcPts val="0"/>
-              </a:spcAft>
-              <a:buNone/>
-            </a:pPr>
-            <a:r>
-              <a:rPr lang="es-ES" sz="2800" dirty="0">
-                <a:solidFill>
-                  <a:schemeClr val="tx1"/>
-                </a:solidFill>
-                <a:latin typeface="+mn-lt"/>
-                <a:ea typeface="Calibri"/>
-                <a:cs typeface="Calibri"/>
-                <a:sym typeface="Calibri"/>
-              </a:rPr>
-              <a:t>Desarrollar un sistema que permita administrar los Clientes, Técnicos, Equipos de aires acondicionado y las ordenes de servicio del mantenimiento preventivo.</a:t>
-            </a:r>
-            <a:endParaRPr dirty="0">
-              <a:solidFill>
-                <a:schemeClr val="tx1"/>
-              </a:solidFill>
-              <a:latin typeface="+mn-lt"/>
-            </a:endParaRPr>
-          </a:p>
-        </p:txBody>
-      </p:sp>
-    </p:spTree>
-  </p:cSld>
-  <p:clrMapOvr>
-    <a:masterClrMapping/>
-  </p:clrMapOvr>
-  <mc:AlternateContent xmlns:mc="http://schemas.openxmlformats.org/markup-compatibility/2006" xmlns:p14="http://schemas.microsoft.com/office/powerpoint/2010/main">
-    <mc:Choice Requires="p14">
-      <p:transition spd="slow" p14:dur="1200">
-        <p14:prism/>
-      </p:transition>
-    </mc:Choice>
-    <mc:Fallback xmlns="">
-      <p:transition spd="slow">
-        <p:fade/>
-      </p:transition>
-    </mc:Fallback>
-  </mc:AlternateContent>
-</p:sld>
-</file>
-
-<file path=ppt/slides/slide5.xml><?xml version="1.0" encoding="utf-8"?>
-<p:sld xmlns:a="http://schemas.openxmlformats.org/drawingml/2006/main" xmlns:r="http://schemas.openxmlformats.org/officeDocument/2006/relationships" xmlns:p="http://schemas.openxmlformats.org/presentationml/2006/main">
-  <p:cSld>
-    <p:spTree>
-      <p:nvGrpSpPr>
-        <p:cNvPr id="1" name="Shape 124"/>
-        <p:cNvGrpSpPr/>
-        <p:nvPr/>
-      </p:nvGrpSpPr>
-      <p:grpSpPr>
-        <a:xfrm>
-          <a:off x="0" y="0"/>
-          <a:ext cx="0" cy="0"/>
-          <a:chOff x="0" y="0"/>
-          <a:chExt cx="0" cy="0"/>
-        </a:xfrm>
-      </p:grpSpPr>
-      <p:sp>
-        <p:nvSpPr>
-          <p:cNvPr id="125" name="Google Shape;125;p22"/>
-          <p:cNvSpPr txBox="1"/>
-          <p:nvPr/>
-        </p:nvSpPr>
-        <p:spPr>
-          <a:xfrm>
-            <a:off x="228600" y="2082800"/>
-            <a:ext cx="3000000" cy="1336200"/>
-          </a:xfrm>
-          <a:prstGeom prst="rect">
-            <a:avLst/>
-          </a:prstGeom>
-          <a:noFill/>
-          <a:ln>
-            <a:noFill/>
-          </a:ln>
-        </p:spPr>
-        <p:txBody>
-          <a:bodyPr spcFirstLastPara="1" wrap="square" lIns="91425" tIns="91425" rIns="91425" bIns="91425" anchor="t" anchorCtr="0">
-            <a:noAutofit/>
-          </a:bodyPr>
-          <a:lstStyle/>
-          <a:p>
-            <a:pPr marL="457200" lvl="0" indent="0" algn="ctr" rtl="0">
-              <a:spcBef>
-                <a:spcPts val="0"/>
-              </a:spcBef>
-              <a:spcAft>
-                <a:spcPts val="0"/>
-              </a:spcAft>
-              <a:buNone/>
-            </a:pPr>
-            <a:r>
-              <a:rPr lang="es-ES" sz="2800" b="1" dirty="0">
-                <a:solidFill>
-                  <a:schemeClr val="lt1"/>
-                </a:solidFill>
-                <a:latin typeface="Calibri"/>
-                <a:ea typeface="Calibri"/>
-                <a:cs typeface="Calibri"/>
-                <a:sym typeface="Calibri"/>
-              </a:rPr>
-              <a:t>OBJETIVOS ESPECIFICOS</a:t>
-            </a:r>
-            <a:endParaRPr dirty="0"/>
-          </a:p>
-        </p:txBody>
-      </p:sp>
-      <p:sp>
-        <p:nvSpPr>
-          <p:cNvPr id="126" name="Google Shape;126;p22"/>
-          <p:cNvSpPr txBox="1"/>
-          <p:nvPr/>
-        </p:nvSpPr>
-        <p:spPr>
-          <a:xfrm>
-            <a:off x="3877870" y="410713"/>
-            <a:ext cx="4714568" cy="4346112"/>
-          </a:xfrm>
-          <a:prstGeom prst="rect">
-            <a:avLst/>
-          </a:prstGeom>
-          <a:noFill/>
-          <a:ln>
-            <a:noFill/>
-          </a:ln>
-        </p:spPr>
-        <p:txBody>
-          <a:bodyPr spcFirstLastPara="1" wrap="square" lIns="91425" tIns="91425" rIns="91425" bIns="91425" anchor="t" anchorCtr="0">
-            <a:noAutofit/>
-          </a:bodyPr>
-          <a:lstStyle/>
-          <a:p>
-            <a:pPr marL="514350" lvl="0" indent="-488950" algn="just" rtl="0">
-              <a:spcBef>
-                <a:spcPts val="0"/>
-              </a:spcBef>
-              <a:spcAft>
-                <a:spcPts val="0"/>
-              </a:spcAft>
-              <a:buClr>
-                <a:schemeClr val="dk1"/>
-              </a:buClr>
-              <a:buSzPts val="2400"/>
-              <a:buFont typeface="Calibri"/>
-              <a:buAutoNum type="arabicPeriod"/>
-            </a:pPr>
-            <a:r>
-              <a:rPr lang="es-ES" sz="2400" dirty="0">
-                <a:solidFill>
-                  <a:schemeClr val="tx1"/>
-                </a:solidFill>
-                <a:latin typeface="+mn-lt"/>
-                <a:ea typeface="Calibri"/>
-                <a:cs typeface="Calibri"/>
-                <a:sym typeface="Calibri"/>
-              </a:rPr>
-              <a:t>Adoptar una metodología de desarrollo de software híbrida enfocada en </a:t>
-            </a:r>
-            <a:r>
-              <a:rPr lang="es-ES" sz="2400" dirty="0" err="1">
-                <a:solidFill>
-                  <a:schemeClr val="tx1"/>
-                </a:solidFill>
-                <a:latin typeface="+mn-lt"/>
-                <a:ea typeface="Calibri"/>
-                <a:cs typeface="Calibri"/>
-                <a:sym typeface="Calibri"/>
-              </a:rPr>
-              <a:t>Scrum</a:t>
-            </a:r>
-            <a:r>
-              <a:rPr lang="es-ES" sz="2400" dirty="0">
-                <a:solidFill>
-                  <a:schemeClr val="tx1"/>
-                </a:solidFill>
-                <a:latin typeface="+mn-lt"/>
-                <a:ea typeface="Calibri"/>
-                <a:cs typeface="Calibri"/>
-                <a:sym typeface="Calibri"/>
-              </a:rPr>
-              <a:t> y </a:t>
-            </a:r>
-            <a:r>
-              <a:rPr lang="es-ES" sz="2400" dirty="0" err="1">
-                <a:solidFill>
-                  <a:schemeClr val="tx1"/>
-                </a:solidFill>
-                <a:latin typeface="+mn-lt"/>
-                <a:ea typeface="Calibri"/>
-                <a:cs typeface="Calibri"/>
-                <a:sym typeface="Calibri"/>
-              </a:rPr>
-              <a:t>xp</a:t>
-            </a:r>
-            <a:r>
-              <a:rPr lang="es-ES" sz="2400" dirty="0">
-                <a:solidFill>
-                  <a:schemeClr val="tx1"/>
-                </a:solidFill>
-                <a:latin typeface="+mn-lt"/>
-                <a:ea typeface="Calibri"/>
-                <a:cs typeface="Calibri"/>
-                <a:sym typeface="Calibri"/>
-              </a:rPr>
-              <a:t>.</a:t>
-            </a:r>
-            <a:endParaRPr sz="2400" dirty="0">
-              <a:solidFill>
-                <a:schemeClr val="tx1"/>
-              </a:solidFill>
-              <a:latin typeface="+mn-lt"/>
-            </a:endParaRPr>
-          </a:p>
-          <a:p>
-            <a:pPr marL="514350" lvl="0" indent="-488950" algn="just" rtl="0">
-              <a:spcBef>
-                <a:spcPts val="0"/>
-              </a:spcBef>
-              <a:spcAft>
-                <a:spcPts val="0"/>
-              </a:spcAft>
-              <a:buClr>
-                <a:schemeClr val="dk1"/>
-              </a:buClr>
-              <a:buSzPts val="2400"/>
-              <a:buFont typeface="Calibri"/>
-              <a:buAutoNum type="arabicPeriod"/>
-            </a:pPr>
-            <a:r>
-              <a:rPr lang="es-ES" sz="2400" dirty="0">
-                <a:solidFill>
-                  <a:schemeClr val="tx1"/>
-                </a:solidFill>
-                <a:latin typeface="+mn-lt"/>
-                <a:ea typeface="Calibri"/>
-                <a:cs typeface="Calibri"/>
-                <a:sym typeface="Calibri"/>
-              </a:rPr>
-              <a:t>Desarrollar el CRUD de Clientes, Técnicos, Equipos, Marcas, Refrigerantes. </a:t>
-            </a:r>
-            <a:endParaRPr sz="2400" dirty="0">
-              <a:solidFill>
-                <a:schemeClr val="tx1"/>
-              </a:solidFill>
-              <a:latin typeface="+mn-lt"/>
-            </a:endParaRPr>
-          </a:p>
-          <a:p>
-            <a:pPr marL="514350" lvl="0" indent="-488950" algn="just" rtl="0">
-              <a:spcBef>
-                <a:spcPts val="0"/>
-              </a:spcBef>
-              <a:spcAft>
-                <a:spcPts val="0"/>
-              </a:spcAft>
-              <a:buClr>
-                <a:schemeClr val="dk1"/>
-              </a:buClr>
-              <a:buSzPts val="2400"/>
-              <a:buFont typeface="Calibri"/>
-              <a:buAutoNum type="arabicPeriod"/>
-            </a:pPr>
-            <a:r>
-              <a:rPr lang="es-ES" sz="2400" dirty="0">
-                <a:solidFill>
-                  <a:schemeClr val="tx1"/>
-                </a:solidFill>
-                <a:latin typeface="+mn-lt"/>
-                <a:ea typeface="Calibri"/>
-                <a:cs typeface="Calibri"/>
-                <a:sym typeface="Calibri"/>
-              </a:rPr>
-              <a:t>Crear y consultar Ordenes de Servicio.</a:t>
-            </a:r>
-            <a:endParaRPr sz="2400" dirty="0">
-              <a:solidFill>
-                <a:schemeClr val="tx1"/>
-              </a:solidFill>
-              <a:latin typeface="+mn-lt"/>
-              <a:ea typeface="Calibri"/>
-              <a:cs typeface="Calibri"/>
-              <a:sym typeface="Calibri"/>
-            </a:endParaRPr>
-          </a:p>
-        </p:txBody>
-      </p:sp>
-    </p:spTree>
-  </p:cSld>
-  <p:clrMapOvr>
-    <a:masterClrMapping/>
-  </p:clrMapOvr>
-  <mc:AlternateContent xmlns:mc="http://schemas.openxmlformats.org/markup-compatibility/2006" xmlns:p14="http://schemas.microsoft.com/office/powerpoint/2010/main">
-    <mc:Choice Requires="p14">
-      <p:transition spd="slow" p14:dur="1200">
-        <p14:prism/>
-      </p:transition>
-    </mc:Choice>
-    <mc:Fallback xmlns="">
-      <p:transition spd="slow">
-        <p:fade/>
-      </p:transition>
-    </mc:Fallback>
-  </mc:AlternateContent>
-</p:sld>
-</file>
-
-<file path=ppt/slides/slide6.xml><?xml version="1.0" encoding="utf-8"?>
-<p:sld xmlns:a="http://schemas.openxmlformats.org/drawingml/2006/main" xmlns:r="http://schemas.openxmlformats.org/officeDocument/2006/relationships" xmlns:p="http://schemas.openxmlformats.org/presentationml/2006/main">
-  <p:cSld>
-    <p:spTree>
-      <p:nvGrpSpPr>
-        <p:cNvPr id="1" name="Shape 48"/>
-        <p:cNvGrpSpPr/>
-        <p:nvPr/>
-      </p:nvGrpSpPr>
-      <p:grpSpPr>
-        <a:xfrm>
-          <a:off x="0" y="0"/>
-          <a:ext cx="0" cy="0"/>
-          <a:chOff x="0" y="0"/>
-          <a:chExt cx="0" cy="0"/>
-        </a:xfrm>
-      </p:grpSpPr>
-      <p:pic>
-        <p:nvPicPr>
-          <p:cNvPr id="51" name="Google Shape;51;p16"/>
-          <p:cNvPicPr preferRelativeResize="0"/>
-          <p:nvPr/>
-        </p:nvPicPr>
-        <p:blipFill rotWithShape="1">
-          <a:blip r:embed="rId3">
-            <a:alphaModFix/>
-          </a:blip>
-          <a:srcRect l="59468" t="28351" r="4720" b="19312"/>
-          <a:stretch/>
-        </p:blipFill>
-        <p:spPr>
-          <a:xfrm>
-            <a:off x="4022184" y="480550"/>
-            <a:ext cx="4740256" cy="3894697"/>
-          </a:xfrm>
-          <a:prstGeom prst="rect">
-            <a:avLst/>
-          </a:prstGeom>
-          <a:noFill/>
-          <a:ln>
-            <a:noFill/>
-          </a:ln>
-        </p:spPr>
-      </p:pic>
-      <p:pic>
-        <p:nvPicPr>
-          <p:cNvPr id="3" name="Imagen 2"/>
-          <p:cNvPicPr>
-            <a:picLocks noChangeAspect="1"/>
-          </p:cNvPicPr>
-          <p:nvPr/>
-        </p:nvPicPr>
-        <p:blipFill>
-          <a:blip r:embed="rId4">
-            <a:extLst>
-              <a:ext uri="{28A0092B-C50C-407E-A947-70E740481C1C}">
-                <a14:useLocalDpi xmlns:a14="http://schemas.microsoft.com/office/drawing/2010/main" val="0"/>
-              </a:ext>
-            </a:extLst>
-          </a:blip>
-          <a:stretch>
-            <a:fillRect/>
-          </a:stretch>
-        </p:blipFill>
-        <p:spPr>
-          <a:xfrm>
-            <a:off x="3949743" y="644084"/>
-            <a:ext cx="4885138" cy="3567628"/>
-          </a:xfrm>
-          <a:prstGeom prst="rect">
-            <a:avLst/>
-          </a:prstGeom>
-        </p:spPr>
-      </p:pic>
-      <p:pic>
-        <p:nvPicPr>
-          <p:cNvPr id="52" name="Google Shape;52;p16"/>
-          <p:cNvPicPr preferRelativeResize="0"/>
-          <p:nvPr/>
-        </p:nvPicPr>
-        <p:blipFill rotWithShape="1">
-          <a:blip r:embed="rId5">
-            <a:alphaModFix/>
-          </a:blip>
-          <a:srcRect/>
-          <a:stretch/>
-        </p:blipFill>
-        <p:spPr>
-          <a:xfrm>
-            <a:off x="3833858" y="480550"/>
-            <a:ext cx="5116907" cy="4090220"/>
-          </a:xfrm>
-          <a:prstGeom prst="rect">
-            <a:avLst/>
-          </a:prstGeom>
-          <a:noFill/>
-          <a:ln>
-            <a:noFill/>
-          </a:ln>
-          <a:effectLst>
-            <a:outerShdw blurRad="292100" dist="139700" dir="2700000" algn="tl" rotWithShape="0">
-              <a:srgbClr val="333333">
-                <a:alpha val="64705"/>
-              </a:srgbClr>
-            </a:outerShdw>
-          </a:effectLst>
-        </p:spPr>
-      </p:pic>
-      <p:sp>
-        <p:nvSpPr>
-          <p:cNvPr id="49" name="Google Shape;49;p16"/>
-          <p:cNvSpPr txBox="1"/>
-          <p:nvPr/>
-        </p:nvSpPr>
-        <p:spPr>
-          <a:xfrm>
-            <a:off x="533478" y="2012401"/>
-            <a:ext cx="2789280" cy="830997"/>
-          </a:xfrm>
-          <a:prstGeom prst="rect">
-            <a:avLst/>
-          </a:prstGeom>
-          <a:noFill/>
-          <a:ln>
-            <a:noFill/>
-          </a:ln>
-        </p:spPr>
-        <p:txBody>
-          <a:bodyPr spcFirstLastPara="1" wrap="square" lIns="91425" tIns="45700" rIns="91425" bIns="45700" anchor="t" anchorCtr="0">
-            <a:noAutofit/>
-          </a:bodyPr>
-          <a:lstStyle/>
-          <a:p>
-            <a:pPr marL="0" marR="0" lvl="0" indent="0" algn="ctr" rtl="0">
-              <a:spcBef>
-                <a:spcPts val="0"/>
-              </a:spcBef>
-              <a:spcAft>
-                <a:spcPts val="0"/>
-              </a:spcAft>
-              <a:buNone/>
-            </a:pPr>
-            <a:r>
-              <a:rPr lang="es-ES" sz="2400" b="1" i="0" u="none" strike="noStrike" cap="none" dirty="0">
-                <a:solidFill>
-                  <a:schemeClr val="lt1"/>
-                </a:solidFill>
-                <a:latin typeface="Calibri"/>
-                <a:ea typeface="Calibri"/>
-                <a:cs typeface="Calibri"/>
-                <a:sym typeface="Calibri"/>
-              </a:rPr>
-              <a:t>PLANTEAMIENTO DEL PROBLEMA</a:t>
-            </a:r>
-            <a:endParaRPr sz="2400" b="1" i="0" u="none" strike="noStrike" cap="none" dirty="0">
-              <a:solidFill>
-                <a:schemeClr val="lt1"/>
-              </a:solidFill>
-              <a:latin typeface="Calibri"/>
-              <a:ea typeface="Calibri"/>
-              <a:cs typeface="Calibri"/>
-              <a:sym typeface="Calibri"/>
-            </a:endParaRPr>
-          </a:p>
-        </p:txBody>
-      </p:sp>
-      <p:pic>
-        <p:nvPicPr>
-          <p:cNvPr id="53" name="Google Shape;53;p16"/>
-          <p:cNvPicPr preferRelativeResize="0"/>
-          <p:nvPr/>
-        </p:nvPicPr>
-        <p:blipFill rotWithShape="1">
-          <a:blip r:embed="rId6">
-            <a:alphaModFix/>
-          </a:blip>
-          <a:srcRect b="10723"/>
-          <a:stretch/>
-        </p:blipFill>
-        <p:spPr>
-          <a:xfrm>
-            <a:off x="3833313" y="523385"/>
-            <a:ext cx="5116907" cy="4090220"/>
-          </a:xfrm>
-          <a:prstGeom prst="rect">
-            <a:avLst/>
-          </a:prstGeom>
-          <a:noFill/>
-          <a:ln>
-            <a:noFill/>
-          </a:ln>
-          <a:effectLst>
-            <a:outerShdw blurRad="190500" algn="tl" rotWithShape="0">
-              <a:srgbClr val="000000">
-                <a:alpha val="69803"/>
-              </a:srgbClr>
-            </a:outerShdw>
-          </a:effectLst>
-        </p:spPr>
-      </p:pic>
-    </p:spTree>
-  </p:cSld>
-  <p:clrMapOvr>
-    <a:masterClrMapping/>
-  </p:clrMapOvr>
-  <mc:AlternateContent xmlns:mc="http://schemas.openxmlformats.org/markup-compatibility/2006" xmlns:p14="http://schemas.microsoft.com/office/powerpoint/2010/main">
-    <mc:Choice Requires="p14">
-      <p:transition spd="slow" p14:dur="1250">
-        <p14:flip dir="r"/>
-      </p:transition>
-    </mc:Choice>
-    <mc:Fallback xmlns="">
-      <p:transition spd="slow">
-        <p:fade/>
-      </p:transition>
-    </mc:Fallback>
-  </mc:AlternateContent>
-  <p:timing>
-    <p:tnLst>
-      <p:par>
-        <p:cTn id="1" dur="indefinite" restart="never" nodeType="tmRoot">
-          <p:childTnLst>
-            <p:seq concurrent="1" nextAc="seek">
-              <p:cTn id="2" dur="indefinite" nodeType="mainSeq">
-                <p:childTnLst>
-                  <p:par>
-                    <p:cTn id="3" fill="hold">
-                      <p:stCondLst>
-                        <p:cond delay="indefinite"/>
-                      </p:stCondLst>
-                      <p:childTnLst>
-                        <p:par>
-                          <p:cTn id="4" fill="hold">
-                            <p:stCondLst>
-                              <p:cond delay="0"/>
-                            </p:stCondLst>
-                            <p:childTnLst>
-                              <p:par>
-                                <p:cTn id="5" presetID="47" presetClass="entr" presetSubtype="0" fill="hold" nodeType="clickEffect">
-                                  <p:stCondLst>
-                                    <p:cond delay="0"/>
-                                  </p:stCondLst>
-                                  <p:childTnLst>
-                                    <p:set>
-                                      <p:cBhvr>
-                                        <p:cTn id="6" dur="1" fill="hold">
-                                          <p:stCondLst>
-                                            <p:cond delay="0"/>
-                                          </p:stCondLst>
-                                        </p:cTn>
-                                        <p:tgtEl>
-                                          <p:spTgt spid="51"/>
-                                        </p:tgtEl>
-                                        <p:attrNameLst>
-                                          <p:attrName>style.visibility</p:attrName>
-                                        </p:attrNameLst>
-                                      </p:cBhvr>
-                                      <p:to>
-                                        <p:strVal val="visible"/>
-                                      </p:to>
-                                    </p:set>
-                                    <p:animEffect transition="in" filter="fade">
-                                      <p:cBhvr>
-                                        <p:cTn id="7" dur="1000"/>
-                                        <p:tgtEl>
-                                          <p:spTgt spid="51"/>
-                                        </p:tgtEl>
-                                      </p:cBhvr>
-                                    </p:animEffect>
-                                    <p:anim calcmode="lin" valueType="num">
-                                      <p:cBhvr>
-                                        <p:cTn id="8" dur="1000" fill="hold"/>
-                                        <p:tgtEl>
-                                          <p:spTgt spid="51"/>
-                                        </p:tgtEl>
-                                        <p:attrNameLst>
-                                          <p:attrName>ppt_x</p:attrName>
-                                        </p:attrNameLst>
-                                      </p:cBhvr>
-                                      <p:tavLst>
-                                        <p:tav tm="0">
-                                          <p:val>
-                                            <p:strVal val="#ppt_x"/>
-                                          </p:val>
-                                        </p:tav>
-                                        <p:tav tm="100000">
-                                          <p:val>
-                                            <p:strVal val="#ppt_x"/>
-                                          </p:val>
-                                        </p:tav>
-                                      </p:tavLst>
-                                    </p:anim>
-                                    <p:anim calcmode="lin" valueType="num">
-                                      <p:cBhvr>
-                                        <p:cTn id="9" dur="1000" fill="hold"/>
-                                        <p:tgtEl>
-                                          <p:spTgt spid="51"/>
-                                        </p:tgtEl>
-                                        <p:attrNameLst>
-                                          <p:attrName>ppt_y</p:attrName>
-                                        </p:attrNameLst>
-                                      </p:cBhvr>
-                                      <p:tavLst>
-                                        <p:tav tm="0">
-                                          <p:val>
-                                            <p:strVal val="#ppt_y-.1"/>
-                                          </p:val>
-                                        </p:tav>
-                                        <p:tav tm="100000">
-                                          <p:val>
-                                            <p:strVal val="#ppt_y"/>
-                                          </p:val>
-                                        </p:tav>
-                                      </p:tavLst>
-                                    </p:anim>
-                                  </p:childTnLst>
-                                </p:cTn>
-                              </p:par>
-                            </p:childTnLst>
-                          </p:cTn>
-                        </p:par>
-                      </p:childTnLst>
-                    </p:cTn>
-                  </p:par>
-                  <p:par>
-                    <p:cTn id="10" fill="hold">
-                      <p:stCondLst>
-                        <p:cond delay="indefinite"/>
-                      </p:stCondLst>
-                      <p:childTnLst>
-                        <p:par>
-                          <p:cTn id="11" fill="hold">
-                            <p:stCondLst>
-                              <p:cond delay="0"/>
-                            </p:stCondLst>
-                            <p:childTnLst>
-                              <p:par>
-                                <p:cTn id="12" presetID="42" presetClass="entr" presetSubtype="0" fill="hold" nodeType="clickEffect">
-                                  <p:stCondLst>
-                                    <p:cond delay="0"/>
-                                  </p:stCondLst>
-                                  <p:childTnLst>
-                                    <p:set>
-                                      <p:cBhvr>
-                                        <p:cTn id="13" dur="1" fill="hold">
-                                          <p:stCondLst>
-                                            <p:cond delay="0"/>
-                                          </p:stCondLst>
-                                        </p:cTn>
-                                        <p:tgtEl>
-                                          <p:spTgt spid="3"/>
-                                        </p:tgtEl>
-                                        <p:attrNameLst>
-                                          <p:attrName>style.visibility</p:attrName>
-                                        </p:attrNameLst>
-                                      </p:cBhvr>
-                                      <p:to>
-                                        <p:strVal val="visible"/>
-                                      </p:to>
-                                    </p:set>
-                                    <p:animEffect transition="in" filter="fade">
-                                      <p:cBhvr>
-                                        <p:cTn id="14" dur="1000"/>
-                                        <p:tgtEl>
-                                          <p:spTgt spid="3"/>
-                                        </p:tgtEl>
-                                      </p:cBhvr>
-                                    </p:animEffect>
-                                    <p:anim calcmode="lin" valueType="num">
-                                      <p:cBhvr>
-                                        <p:cTn id="15" dur="1000" fill="hold"/>
-                                        <p:tgtEl>
-                                          <p:spTgt spid="3"/>
-                                        </p:tgtEl>
-                                        <p:attrNameLst>
-                                          <p:attrName>ppt_x</p:attrName>
-                                        </p:attrNameLst>
-                                      </p:cBhvr>
-                                      <p:tavLst>
-                                        <p:tav tm="0">
-                                          <p:val>
-                                            <p:strVal val="#ppt_x"/>
-                                          </p:val>
-                                        </p:tav>
-                                        <p:tav tm="100000">
-                                          <p:val>
-                                            <p:strVal val="#ppt_x"/>
-                                          </p:val>
-                                        </p:tav>
-                                      </p:tavLst>
-                                    </p:anim>
-                                    <p:anim calcmode="lin" valueType="num">
-                                      <p:cBhvr>
-                                        <p:cTn id="16" dur="1000" fill="hold"/>
-                                        <p:tgtEl>
-                                          <p:spTgt spid="3"/>
-                                        </p:tgtEl>
-                                        <p:attrNameLst>
-                                          <p:attrName>ppt_y</p:attrName>
-                                        </p:attrNameLst>
-                                      </p:cBhvr>
-                                      <p:tavLst>
-                                        <p:tav tm="0">
-                                          <p:val>
-                                            <p:strVal val="#ppt_y+.1"/>
-                                          </p:val>
-                                        </p:tav>
-                                        <p:tav tm="100000">
-                                          <p:val>
-                                            <p:strVal val="#ppt_y"/>
-                                          </p:val>
-                                        </p:tav>
-                                      </p:tavLst>
-                                    </p:anim>
-                                  </p:childTnLst>
-                                </p:cTn>
-                              </p:par>
-                            </p:childTnLst>
-                          </p:cTn>
-                        </p:par>
-                      </p:childTnLst>
-                    </p:cTn>
-                  </p:par>
-                  <p:par>
-                    <p:cTn id="17" fill="hold">
-                      <p:stCondLst>
-                        <p:cond delay="indefinite"/>
-                      </p:stCondLst>
-                      <p:childTnLst>
-                        <p:par>
-                          <p:cTn id="18" fill="hold">
-                            <p:stCondLst>
-                              <p:cond delay="0"/>
-                            </p:stCondLst>
-                            <p:childTnLst>
-                              <p:par>
-                                <p:cTn id="19" presetID="2" presetClass="entr" presetSubtype="4" fill="hold" nodeType="clickEffect">
-                                  <p:stCondLst>
-                                    <p:cond delay="0"/>
-                                  </p:stCondLst>
-                                  <p:childTnLst>
-                                    <p:set>
-                                      <p:cBhvr>
-                                        <p:cTn id="20" dur="1" fill="hold">
-                                          <p:stCondLst>
-                                            <p:cond delay="0"/>
-                                          </p:stCondLst>
-                                        </p:cTn>
-                                        <p:tgtEl>
-                                          <p:spTgt spid="52"/>
-                                        </p:tgtEl>
-                                        <p:attrNameLst>
-                                          <p:attrName>style.visibility</p:attrName>
-                                        </p:attrNameLst>
-                                      </p:cBhvr>
-                                      <p:to>
-                                        <p:strVal val="visible"/>
-                                      </p:to>
-                                    </p:set>
-                                    <p:anim calcmode="lin" valueType="num">
-                                      <p:cBhvr additive="base">
-                                        <p:cTn id="21" dur="500" fill="hold"/>
-                                        <p:tgtEl>
-                                          <p:spTgt spid="52"/>
-                                        </p:tgtEl>
-                                        <p:attrNameLst>
-                                          <p:attrName>ppt_x</p:attrName>
-                                        </p:attrNameLst>
-                                      </p:cBhvr>
-                                      <p:tavLst>
-                                        <p:tav tm="0">
-                                          <p:val>
-                                            <p:strVal val="#ppt_x"/>
-                                          </p:val>
-                                        </p:tav>
-                                        <p:tav tm="100000">
-                                          <p:val>
-                                            <p:strVal val="#ppt_x"/>
-                                          </p:val>
-                                        </p:tav>
-                                      </p:tavLst>
-                                    </p:anim>
-                                    <p:anim calcmode="lin" valueType="num">
-                                      <p:cBhvr additive="base">
-                                        <p:cTn id="22" dur="500" fill="hold"/>
-                                        <p:tgtEl>
-                                          <p:spTgt spid="52"/>
-                                        </p:tgtEl>
-                                        <p:attrNameLst>
-                                          <p:attrName>ppt_y</p:attrName>
-                                        </p:attrNameLst>
-                                      </p:cBhvr>
-                                      <p:tavLst>
-                                        <p:tav tm="0">
-                                          <p:val>
-                                            <p:strVal val="1+#ppt_h/2"/>
-                                          </p:val>
-                                        </p:tav>
-                                        <p:tav tm="100000">
-                                          <p:val>
-                                            <p:strVal val="#ppt_y"/>
-                                          </p:val>
-                                        </p:tav>
-                                      </p:tavLst>
-                                    </p:anim>
-                                  </p:childTnLst>
-                                </p:cTn>
-                              </p:par>
-                            </p:childTnLst>
-                          </p:cTn>
-                        </p:par>
-                      </p:childTnLst>
-                    </p:cTn>
-                  </p:par>
-                  <p:par>
-                    <p:cTn id="23" fill="hold">
-                      <p:stCondLst>
-                        <p:cond delay="indefinite"/>
-                      </p:stCondLst>
-                      <p:childTnLst>
-                        <p:par>
-                          <p:cTn id="24" fill="hold">
-                            <p:stCondLst>
-                              <p:cond delay="0"/>
-                            </p:stCondLst>
-                            <p:childTnLst>
-                              <p:par>
-                                <p:cTn id="25" presetID="2" presetClass="entr" presetSubtype="4" fill="hold" nodeType="clickEffect">
-                                  <p:stCondLst>
-                                    <p:cond delay="0"/>
-                                  </p:stCondLst>
-                                  <p:childTnLst>
-                                    <p:set>
-                                      <p:cBhvr>
-                                        <p:cTn id="26" dur="1" fill="hold">
-                                          <p:stCondLst>
-                                            <p:cond delay="0"/>
-                                          </p:stCondLst>
-                                        </p:cTn>
-                                        <p:tgtEl>
-                                          <p:spTgt spid="53"/>
-                                        </p:tgtEl>
-                                        <p:attrNameLst>
-                                          <p:attrName>style.visibility</p:attrName>
-                                        </p:attrNameLst>
-                                      </p:cBhvr>
-                                      <p:to>
-                                        <p:strVal val="visible"/>
-                                      </p:to>
-                                    </p:set>
-                                    <p:anim calcmode="lin" valueType="num">
-                                      <p:cBhvr additive="base">
-                                        <p:cTn id="27" dur="500" fill="hold"/>
-                                        <p:tgtEl>
-                                          <p:spTgt spid="53"/>
-                                        </p:tgtEl>
-                                        <p:attrNameLst>
-                                          <p:attrName>ppt_x</p:attrName>
-                                        </p:attrNameLst>
-                                      </p:cBhvr>
-                                      <p:tavLst>
-                                        <p:tav tm="0">
-                                          <p:val>
-                                            <p:strVal val="#ppt_x"/>
-                                          </p:val>
-                                        </p:tav>
-                                        <p:tav tm="100000">
-                                          <p:val>
-                                            <p:strVal val="#ppt_x"/>
-                                          </p:val>
-                                        </p:tav>
-                                      </p:tavLst>
-                                    </p:anim>
-                                    <p:anim calcmode="lin" valueType="num">
-                                      <p:cBhvr additive="base">
-                                        <p:cTn id="28" dur="500" fill="hold"/>
-                                        <p:tgtEl>
-                                          <p:spTgt spid="53"/>
-                                        </p:tgtEl>
-                                        <p:attrNameLst>
-                                          <p:attrName>ppt_y</p:attrName>
-                                        </p:attrNameLst>
-                                      </p:cBhvr>
-                                      <p:tavLst>
-                                        <p:tav tm="0">
-                                          <p:val>
-                                            <p:strVal val="1+#ppt_h/2"/>
-                                          </p:val>
-                                        </p:tav>
-                                        <p:tav tm="100000">
-                                          <p:val>
-                                            <p:strVal val="#ppt_y"/>
-                                          </p:val>
-                                        </p:tav>
-                                      </p:tavLst>
-                                    </p:anim>
-                                  </p:childTnLst>
-                                </p:cTn>
-                              </p:par>
-                            </p:childTnLst>
-                          </p:cTn>
-                        </p:par>
-                      </p:childTnLst>
-                    </p:cTn>
-                  </p:par>
-                </p:childTnLst>
-              </p:cTn>
-              <p:prevCondLst>
-                <p:cond evt="onPrev" delay="0">
-                  <p:tgtEl>
-                    <p:sldTgt/>
-                  </p:tgtEl>
-                </p:cond>
-              </p:prevCondLst>
-              <p:nextCondLst>
-                <p:cond evt="onNext" delay="0">
-                  <p:tgtEl>
-                    <p:sldTgt/>
-                  </p:tgtEl>
-                </p:cond>
-              </p:nextCondLst>
-            </p:seq>
-          </p:childTnLst>
-        </p:cTn>
-      </p:par>
-    </p:tnLst>
-  </p:timing>
-</p:sld>
-</file>
-
-<file path=ppt/slides/slide7.xml><?xml version="1.0" encoding="utf-8"?>
-<p:sld xmlns:a="http://schemas.openxmlformats.org/drawingml/2006/main" xmlns:r="http://schemas.openxmlformats.org/officeDocument/2006/relationships" xmlns:p="http://schemas.openxmlformats.org/presentationml/2006/main">
-  <p:cSld>
-    <p:spTree>
-      <p:nvGrpSpPr>
-        <p:cNvPr id="1" name="Shape 57"/>
-        <p:cNvGrpSpPr/>
-        <p:nvPr/>
-      </p:nvGrpSpPr>
-      <p:grpSpPr>
-        <a:xfrm>
-          <a:off x="0" y="0"/>
-          <a:ext cx="0" cy="0"/>
-          <a:chOff x="0" y="0"/>
-          <a:chExt cx="0" cy="0"/>
-        </a:xfrm>
-      </p:grpSpPr>
-      <p:sp>
-        <p:nvSpPr>
-          <p:cNvPr id="58" name="Google Shape;58;p17"/>
-          <p:cNvSpPr/>
-          <p:nvPr/>
-        </p:nvSpPr>
-        <p:spPr>
-          <a:xfrm>
-            <a:off x="4320200" y="2518193"/>
-            <a:ext cx="1182784" cy="273011"/>
-          </a:xfrm>
-          <a:prstGeom prst="rect">
-            <a:avLst/>
-          </a:prstGeom>
-          <a:solidFill>
-            <a:schemeClr val="lt1">
-              <a:alpha val="89803"/>
-            </a:schemeClr>
-          </a:solidFill>
-          <a:ln w="25400" cap="flat" cmpd="sng">
-            <a:solidFill>
-              <a:schemeClr val="accent1"/>
-            </a:solidFill>
-            <a:prstDash val="solid"/>
-            <a:round/>
-            <a:headEnd type="none" w="sm" len="sm"/>
-            <a:tailEnd type="none" w="sm" len="sm"/>
-          </a:ln>
-        </p:spPr>
-        <p:txBody>
-          <a:bodyPr spcFirstLastPara="1" wrap="square" lIns="91425" tIns="91425" rIns="91425" bIns="91425" anchor="ctr" anchorCtr="0">
-            <a:noAutofit/>
-          </a:bodyPr>
-          <a:lstStyle/>
-          <a:p>
-            <a:pPr marL="0" lvl="0" indent="0" algn="l" rtl="0">
-              <a:spcBef>
-                <a:spcPts val="0"/>
-              </a:spcBef>
-              <a:spcAft>
-                <a:spcPts val="0"/>
-              </a:spcAft>
-              <a:buNone/>
-            </a:pPr>
-            <a:endParaRPr/>
-          </a:p>
-        </p:txBody>
-      </p:sp>
-      <p:sp>
-        <p:nvSpPr>
-          <p:cNvPr id="59" name="Google Shape;59;p17"/>
-          <p:cNvSpPr txBox="1"/>
-          <p:nvPr/>
-        </p:nvSpPr>
-        <p:spPr>
-          <a:xfrm>
-            <a:off x="533478" y="2012401"/>
-            <a:ext cx="2789280" cy="830997"/>
-          </a:xfrm>
-          <a:prstGeom prst="rect">
-            <a:avLst/>
-          </a:prstGeom>
-          <a:noFill/>
-          <a:ln>
-            <a:noFill/>
-          </a:ln>
-        </p:spPr>
-        <p:txBody>
-          <a:bodyPr spcFirstLastPara="1" wrap="square" lIns="91425" tIns="45700" rIns="91425" bIns="45700" anchor="t" anchorCtr="0">
-            <a:noAutofit/>
-          </a:bodyPr>
-          <a:lstStyle/>
-          <a:p>
-            <a:pPr marL="0" marR="0" lvl="0" indent="0" algn="ctr" rtl="0">
-              <a:spcBef>
-                <a:spcPts val="0"/>
-              </a:spcBef>
-              <a:spcAft>
-                <a:spcPts val="0"/>
-              </a:spcAft>
-              <a:buNone/>
-            </a:pPr>
-            <a:r>
-              <a:rPr lang="es-ES" sz="2400" b="1" i="0" u="none" strike="noStrike" cap="none" dirty="0">
-                <a:solidFill>
-                  <a:schemeClr val="lt1"/>
-                </a:solidFill>
-                <a:latin typeface="Calibri"/>
-                <a:ea typeface="Calibri"/>
-                <a:cs typeface="Calibri"/>
-                <a:sym typeface="Calibri"/>
-              </a:rPr>
-              <a:t>PLANTEAMIENTO DEL PROBLEMA</a:t>
-            </a:r>
-            <a:endParaRPr sz="2400" b="1" i="0" u="none" strike="noStrike" cap="none" dirty="0">
-              <a:solidFill>
-                <a:schemeClr val="lt1"/>
-              </a:solidFill>
-              <a:latin typeface="Calibri"/>
-              <a:ea typeface="Calibri"/>
-              <a:cs typeface="Calibri"/>
-              <a:sym typeface="Calibri"/>
-            </a:endParaRPr>
-          </a:p>
-        </p:txBody>
-      </p:sp>
-      <p:sp>
-        <p:nvSpPr>
-          <p:cNvPr id="61" name="Google Shape;61;p17"/>
-          <p:cNvSpPr/>
-          <p:nvPr/>
-        </p:nvSpPr>
-        <p:spPr>
-          <a:xfrm>
-            <a:off x="6359857" y="1506905"/>
-            <a:ext cx="1943434" cy="1581804"/>
-          </a:xfrm>
-          <a:custGeom>
-            <a:avLst/>
-            <a:gdLst/>
-            <a:ahLst/>
-            <a:cxnLst/>
-            <a:rect l="l" t="t" r="r" b="b"/>
-            <a:pathLst>
-              <a:path w="120000" h="120000" extrusionOk="0">
-                <a:moveTo>
-                  <a:pt x="0" y="0"/>
-                </a:moveTo>
-                <a:lnTo>
-                  <a:pt x="0" y="107010"/>
-                </a:lnTo>
-                <a:lnTo>
-                  <a:pt x="120000" y="107010"/>
-                </a:lnTo>
-                <a:lnTo>
-                  <a:pt x="120000" y="120000"/>
-                </a:lnTo>
-              </a:path>
-            </a:pathLst>
-          </a:custGeom>
-          <a:noFill/>
-          <a:ln w="25400" cap="flat" cmpd="sng">
-            <a:solidFill>
-              <a:srgbClr val="3B6495"/>
-            </a:solidFill>
-            <a:prstDash val="solid"/>
-            <a:round/>
-            <a:headEnd type="none" w="sm" len="sm"/>
-            <a:tailEnd type="none" w="sm" len="sm"/>
-          </a:ln>
-        </p:spPr>
-        <p:txBody>
-          <a:bodyPr/>
-          <a:lstStyle/>
-          <a:p>
-            <a:endParaRPr lang="es-CO"/>
-          </a:p>
-        </p:txBody>
-      </p:sp>
-      <p:sp>
-        <p:nvSpPr>
-          <p:cNvPr id="62" name="Google Shape;62;p17"/>
-          <p:cNvSpPr/>
-          <p:nvPr/>
-        </p:nvSpPr>
-        <p:spPr>
-          <a:xfrm>
-            <a:off x="4500278" y="1506905"/>
-            <a:ext cx="1859579" cy="1581804"/>
-          </a:xfrm>
-          <a:custGeom>
-            <a:avLst/>
-            <a:gdLst/>
-            <a:ahLst/>
-            <a:cxnLst/>
-            <a:rect l="l" t="t" r="r" b="b"/>
-            <a:pathLst>
-              <a:path w="120000" h="120000" extrusionOk="0">
-                <a:moveTo>
-                  <a:pt x="120000" y="0"/>
-                </a:moveTo>
-                <a:lnTo>
-                  <a:pt x="120000" y="107010"/>
-                </a:lnTo>
-                <a:lnTo>
-                  <a:pt x="0" y="107010"/>
-                </a:lnTo>
-                <a:lnTo>
-                  <a:pt x="0" y="120000"/>
-                </a:lnTo>
-              </a:path>
-            </a:pathLst>
-          </a:custGeom>
-          <a:noFill/>
-          <a:ln w="25400" cap="flat" cmpd="sng">
-            <a:solidFill>
-              <a:srgbClr val="3B6495"/>
-            </a:solidFill>
-            <a:prstDash val="solid"/>
-            <a:round/>
-            <a:headEnd type="none" w="sm" len="sm"/>
-            <a:tailEnd type="none" w="sm" len="sm"/>
-          </a:ln>
-        </p:spPr>
-        <p:txBody>
-          <a:bodyPr/>
-          <a:lstStyle/>
-          <a:p>
-            <a:endParaRPr lang="es-CO"/>
-          </a:p>
-        </p:txBody>
-      </p:sp>
-      <p:grpSp>
-        <p:nvGrpSpPr>
-          <p:cNvPr id="63" name="Google Shape;63;p17"/>
-          <p:cNvGrpSpPr/>
-          <p:nvPr/>
-        </p:nvGrpSpPr>
-        <p:grpSpPr>
-          <a:xfrm>
-            <a:off x="5651196" y="773079"/>
-            <a:ext cx="1417322" cy="733826"/>
-            <a:chOff x="1997792" y="208712"/>
-            <a:chExt cx="1417322" cy="733826"/>
-          </a:xfrm>
-        </p:grpSpPr>
-        <p:sp>
-          <p:nvSpPr>
-            <p:cNvPr id="64" name="Google Shape;64;p17"/>
-            <p:cNvSpPr/>
-            <p:nvPr/>
-          </p:nvSpPr>
-          <p:spPr>
-            <a:xfrm>
-              <a:off x="1997792" y="208712"/>
-              <a:ext cx="1417322" cy="733826"/>
-            </a:xfrm>
-            <a:prstGeom prst="rect">
-              <a:avLst/>
-            </a:prstGeom>
-            <a:solidFill>
-              <a:schemeClr val="accent1"/>
-            </a:solidFill>
-            <a:ln w="25400" cap="flat" cmpd="sng">
-              <a:solidFill>
-                <a:schemeClr val="lt1"/>
-              </a:solidFill>
-              <a:prstDash val="solid"/>
-              <a:round/>
-              <a:headEnd type="none" w="sm" len="sm"/>
-              <a:tailEnd type="none" w="sm" len="sm"/>
-            </a:ln>
-          </p:spPr>
-          <p:txBody>
-            <a:bodyPr spcFirstLastPara="1" wrap="square" lIns="91425" tIns="91425" rIns="91425" bIns="91425" anchor="ctr" anchorCtr="0">
-              <a:noAutofit/>
-            </a:bodyPr>
-            <a:lstStyle/>
-            <a:p>
-              <a:pPr marL="0" lvl="0" indent="0" algn="l" rtl="0">
-                <a:spcBef>
-                  <a:spcPts val="0"/>
-                </a:spcBef>
-                <a:spcAft>
-                  <a:spcPts val="0"/>
-                </a:spcAft>
-                <a:buNone/>
-              </a:pPr>
-              <a:endParaRPr/>
-            </a:p>
-          </p:txBody>
-        </p:sp>
-        <p:sp>
-          <p:nvSpPr>
-            <p:cNvPr id="65" name="Google Shape;65;p17"/>
-            <p:cNvSpPr txBox="1"/>
-            <p:nvPr/>
-          </p:nvSpPr>
-          <p:spPr>
-            <a:xfrm>
-              <a:off x="1997792" y="208712"/>
-              <a:ext cx="1417322" cy="733826"/>
-            </a:xfrm>
-            <a:prstGeom prst="rect">
-              <a:avLst/>
-            </a:prstGeom>
-            <a:noFill/>
-            <a:ln>
-              <a:noFill/>
-            </a:ln>
-          </p:spPr>
-          <p:txBody>
-            <a:bodyPr spcFirstLastPara="1" wrap="square" lIns="10775" tIns="10775" rIns="10775" bIns="103550" anchor="ctr" anchorCtr="0">
-              <a:noAutofit/>
-            </a:bodyPr>
-            <a:lstStyle/>
-            <a:p>
-              <a:pPr marL="0" marR="0" lvl="0" indent="0" algn="ctr" rtl="0">
-                <a:lnSpc>
-                  <a:spcPct val="90000"/>
-                </a:lnSpc>
-                <a:spcBef>
-                  <a:spcPts val="0"/>
-                </a:spcBef>
-                <a:spcAft>
-                  <a:spcPts val="0"/>
-                </a:spcAft>
-                <a:buNone/>
-              </a:pPr>
-              <a:r>
-                <a:rPr lang="es-ES" sz="1700" b="0" i="0" u="none" strike="noStrike" cap="none" dirty="0">
-                  <a:solidFill>
-                    <a:schemeClr val="lt1"/>
-                  </a:solidFill>
-                  <a:latin typeface="Calibri"/>
-                  <a:ea typeface="Calibri"/>
-                  <a:cs typeface="Calibri"/>
-                  <a:sym typeface="Calibri"/>
-                </a:rPr>
-                <a:t>Directiva </a:t>
-              </a:r>
-              <a:endParaRPr dirty="0"/>
-            </a:p>
-          </p:txBody>
-        </p:sp>
-      </p:grpSp>
-      <p:grpSp>
-        <p:nvGrpSpPr>
-          <p:cNvPr id="66" name="Google Shape;66;p17"/>
-          <p:cNvGrpSpPr/>
-          <p:nvPr/>
-        </p:nvGrpSpPr>
-        <p:grpSpPr>
-          <a:xfrm>
-            <a:off x="5848570" y="3910491"/>
-            <a:ext cx="1275590" cy="244608"/>
-            <a:chOff x="2246458" y="3303809"/>
-            <a:chExt cx="1275590" cy="244608"/>
-          </a:xfrm>
-        </p:grpSpPr>
-        <p:sp>
-          <p:nvSpPr>
-            <p:cNvPr id="67" name="Google Shape;67;p17"/>
-            <p:cNvSpPr/>
-            <p:nvPr/>
-          </p:nvSpPr>
-          <p:spPr>
-            <a:xfrm>
-              <a:off x="2246458" y="3303809"/>
-              <a:ext cx="1275590" cy="244608"/>
-            </a:xfrm>
-            <a:prstGeom prst="rect">
-              <a:avLst/>
-            </a:prstGeom>
-            <a:solidFill>
-              <a:schemeClr val="lt1">
-                <a:alpha val="89803"/>
-              </a:schemeClr>
-            </a:solidFill>
-            <a:ln w="25400" cap="flat" cmpd="sng">
-              <a:solidFill>
-                <a:schemeClr val="accent1"/>
-              </a:solidFill>
-              <a:prstDash val="solid"/>
-              <a:round/>
-              <a:headEnd type="none" w="sm" len="sm"/>
-              <a:tailEnd type="none" w="sm" len="sm"/>
-            </a:ln>
-          </p:spPr>
-          <p:txBody>
-            <a:bodyPr spcFirstLastPara="1" wrap="square" lIns="91425" tIns="91425" rIns="91425" bIns="91425" anchor="ctr" anchorCtr="0">
-              <a:noAutofit/>
-            </a:bodyPr>
-            <a:lstStyle/>
-            <a:p>
-              <a:pPr marL="0" lvl="0" indent="0" algn="l" rtl="0">
-                <a:spcBef>
-                  <a:spcPts val="0"/>
-                </a:spcBef>
-                <a:spcAft>
-                  <a:spcPts val="0"/>
-                </a:spcAft>
-                <a:buNone/>
-              </a:pPr>
-              <a:endParaRPr/>
-            </a:p>
-          </p:txBody>
-        </p:sp>
-        <p:sp>
-          <p:nvSpPr>
-            <p:cNvPr id="68" name="Google Shape;68;p17"/>
-            <p:cNvSpPr txBox="1"/>
-            <p:nvPr/>
-          </p:nvSpPr>
-          <p:spPr>
-            <a:xfrm>
-              <a:off x="2246458" y="3303809"/>
-              <a:ext cx="1275590" cy="244608"/>
-            </a:xfrm>
-            <a:prstGeom prst="rect">
-              <a:avLst/>
-            </a:prstGeom>
-            <a:noFill/>
-            <a:ln>
-              <a:noFill/>
-            </a:ln>
-          </p:spPr>
-          <p:txBody>
-            <a:bodyPr spcFirstLastPara="1" wrap="square" lIns="40625" tIns="10150" rIns="40625" bIns="10150" anchor="ctr" anchorCtr="0">
-              <a:noAutofit/>
-            </a:bodyPr>
-            <a:lstStyle/>
-            <a:p>
-              <a:pPr marL="0" marR="0" lvl="0" indent="0" algn="r" rtl="0">
-                <a:lnSpc>
-                  <a:spcPct val="90000"/>
-                </a:lnSpc>
-                <a:spcBef>
-                  <a:spcPts val="0"/>
-                </a:spcBef>
-                <a:spcAft>
-                  <a:spcPts val="0"/>
-                </a:spcAft>
-                <a:buNone/>
-              </a:pPr>
-              <a:r>
-                <a:rPr lang="es-ES" b="0" i="0" u="none" strike="noStrike" cap="none" dirty="0">
-                  <a:solidFill>
-                    <a:schemeClr val="dk1"/>
-                  </a:solidFill>
-                  <a:latin typeface="Calibri"/>
-                  <a:ea typeface="Calibri"/>
-                  <a:cs typeface="Calibri"/>
-                  <a:sym typeface="Calibri"/>
-                </a:rPr>
-                <a:t>46 Vinculados </a:t>
-              </a:r>
-              <a:endParaRPr dirty="0"/>
-            </a:p>
-          </p:txBody>
-        </p:sp>
-      </p:grpSp>
-      <p:grpSp>
-        <p:nvGrpSpPr>
-          <p:cNvPr id="69" name="Google Shape;69;p17"/>
-          <p:cNvGrpSpPr/>
-          <p:nvPr/>
-        </p:nvGrpSpPr>
-        <p:grpSpPr>
-          <a:xfrm>
-            <a:off x="3707761" y="3097671"/>
-            <a:ext cx="1585034" cy="690259"/>
-            <a:chOff x="54357" y="2524342"/>
-            <a:chExt cx="1585034" cy="690259"/>
-          </a:xfrm>
-        </p:grpSpPr>
-        <p:sp>
-          <p:nvSpPr>
-            <p:cNvPr id="70" name="Google Shape;70;p17"/>
-            <p:cNvSpPr/>
-            <p:nvPr/>
-          </p:nvSpPr>
-          <p:spPr>
-            <a:xfrm>
-              <a:off x="54357" y="2524342"/>
-              <a:ext cx="1585034" cy="690259"/>
-            </a:xfrm>
-            <a:prstGeom prst="rect">
-              <a:avLst/>
-            </a:prstGeom>
-            <a:solidFill>
-              <a:schemeClr val="accent1"/>
-            </a:solidFill>
-            <a:ln w="25400" cap="flat" cmpd="sng">
-              <a:solidFill>
-                <a:schemeClr val="lt1"/>
-              </a:solidFill>
-              <a:prstDash val="solid"/>
-              <a:round/>
-              <a:headEnd type="none" w="sm" len="sm"/>
-              <a:tailEnd type="none" w="sm" len="sm"/>
-            </a:ln>
-          </p:spPr>
-          <p:txBody>
-            <a:bodyPr spcFirstLastPara="1" wrap="square" lIns="91425" tIns="91425" rIns="91425" bIns="91425" anchor="ctr" anchorCtr="0">
-              <a:noAutofit/>
-            </a:bodyPr>
-            <a:lstStyle/>
-            <a:p>
-              <a:pPr marL="0" lvl="0" indent="0" algn="l" rtl="0">
-                <a:spcBef>
-                  <a:spcPts val="0"/>
-                </a:spcBef>
-                <a:spcAft>
-                  <a:spcPts val="0"/>
-                </a:spcAft>
-                <a:buNone/>
-              </a:pPr>
-              <a:endParaRPr/>
-            </a:p>
-          </p:txBody>
-        </p:sp>
-        <p:sp>
-          <p:nvSpPr>
-            <p:cNvPr id="71" name="Google Shape;71;p17"/>
-            <p:cNvSpPr txBox="1"/>
-            <p:nvPr/>
-          </p:nvSpPr>
-          <p:spPr>
-            <a:xfrm>
-              <a:off x="54357" y="2524342"/>
-              <a:ext cx="1585034" cy="690259"/>
-            </a:xfrm>
-            <a:prstGeom prst="rect">
-              <a:avLst/>
-            </a:prstGeom>
-            <a:noFill/>
-            <a:ln>
-              <a:noFill/>
-            </a:ln>
-          </p:spPr>
-          <p:txBody>
-            <a:bodyPr spcFirstLastPara="1" wrap="square" lIns="10775" tIns="10775" rIns="10775" bIns="103550" anchor="ctr" anchorCtr="0">
-              <a:noAutofit/>
-            </a:bodyPr>
-            <a:lstStyle/>
-            <a:p>
-              <a:pPr marL="0" marR="0" lvl="0" indent="0" algn="ctr" rtl="0">
-                <a:lnSpc>
-                  <a:spcPct val="90000"/>
-                </a:lnSpc>
-                <a:spcBef>
-                  <a:spcPts val="0"/>
-                </a:spcBef>
-                <a:spcAft>
-                  <a:spcPts val="0"/>
-                </a:spcAft>
-                <a:buNone/>
-              </a:pPr>
-              <a:r>
-                <a:rPr lang="es-ES" sz="1700" b="0" i="0" u="none" strike="noStrike" cap="none" dirty="0">
-                  <a:solidFill>
-                    <a:schemeClr val="lt1"/>
-                  </a:solidFill>
-                  <a:latin typeface="Calibri"/>
-                  <a:ea typeface="Calibri"/>
-                  <a:cs typeface="Calibri"/>
-                  <a:sym typeface="Calibri"/>
-                </a:rPr>
-                <a:t>Acopio 1</a:t>
-              </a:r>
-              <a:endParaRPr dirty="0"/>
-            </a:p>
-            <a:p>
-              <a:pPr marL="0" marR="0" lvl="0" indent="0" algn="ctr" rtl="0">
-                <a:lnSpc>
-                  <a:spcPct val="90000"/>
-                </a:lnSpc>
-                <a:spcBef>
-                  <a:spcPts val="595"/>
-                </a:spcBef>
-                <a:spcAft>
-                  <a:spcPts val="0"/>
-                </a:spcAft>
-                <a:buNone/>
-              </a:pPr>
-              <a:r>
-                <a:rPr lang="es-ES" sz="1700" b="0" i="0" u="none" strike="noStrike" cap="none" dirty="0">
-                  <a:solidFill>
-                    <a:schemeClr val="lt1"/>
-                  </a:solidFill>
-                  <a:latin typeface="Calibri"/>
-                  <a:ea typeface="Calibri"/>
-                  <a:cs typeface="Calibri"/>
-                  <a:sym typeface="Calibri"/>
-                </a:rPr>
-                <a:t>EL Charco </a:t>
-              </a:r>
-              <a:endParaRPr sz="1700" b="0" i="0" u="none" strike="noStrike" cap="none" dirty="0">
-                <a:solidFill>
-                  <a:schemeClr val="lt1"/>
-                </a:solidFill>
-                <a:latin typeface="Calibri"/>
-                <a:ea typeface="Calibri"/>
-                <a:cs typeface="Calibri"/>
-                <a:sym typeface="Calibri"/>
-              </a:endParaRPr>
-            </a:p>
-          </p:txBody>
-        </p:sp>
-      </p:grpSp>
-      <p:grpSp>
-        <p:nvGrpSpPr>
-          <p:cNvPr id="72" name="Google Shape;72;p17"/>
-          <p:cNvGrpSpPr/>
-          <p:nvPr/>
-        </p:nvGrpSpPr>
-        <p:grpSpPr>
-          <a:xfrm>
-            <a:off x="3840550" y="3835347"/>
-            <a:ext cx="1341941" cy="257809"/>
-            <a:chOff x="93741" y="3303809"/>
-            <a:chExt cx="1341941" cy="257809"/>
-          </a:xfrm>
-        </p:grpSpPr>
-        <p:sp>
-          <p:nvSpPr>
-            <p:cNvPr id="73" name="Google Shape;73;p17"/>
-            <p:cNvSpPr/>
-            <p:nvPr/>
-          </p:nvSpPr>
-          <p:spPr>
-            <a:xfrm>
-              <a:off x="160092" y="3303809"/>
-              <a:ext cx="1275590" cy="244608"/>
-            </a:xfrm>
-            <a:prstGeom prst="rect">
-              <a:avLst/>
-            </a:prstGeom>
-            <a:solidFill>
-              <a:schemeClr val="lt1">
-                <a:alpha val="89803"/>
-              </a:schemeClr>
-            </a:solidFill>
-            <a:ln w="25400" cap="flat" cmpd="sng">
-              <a:solidFill>
-                <a:schemeClr val="accent1"/>
-              </a:solidFill>
-              <a:prstDash val="solid"/>
-              <a:round/>
-              <a:headEnd type="none" w="sm" len="sm"/>
-              <a:tailEnd type="none" w="sm" len="sm"/>
-            </a:ln>
-          </p:spPr>
-          <p:txBody>
-            <a:bodyPr spcFirstLastPara="1" wrap="square" lIns="91425" tIns="91425" rIns="91425" bIns="91425" anchor="ctr" anchorCtr="0">
-              <a:noAutofit/>
-            </a:bodyPr>
-            <a:lstStyle/>
-            <a:p>
-              <a:pPr marL="0" lvl="0" indent="0" algn="l" rtl="0">
-                <a:spcBef>
-                  <a:spcPts val="0"/>
-                </a:spcBef>
-                <a:spcAft>
-                  <a:spcPts val="0"/>
-                </a:spcAft>
-                <a:buNone/>
-              </a:pPr>
-              <a:endParaRPr/>
-            </a:p>
-          </p:txBody>
-        </p:sp>
-        <p:sp>
-          <p:nvSpPr>
-            <p:cNvPr id="74" name="Google Shape;74;p17"/>
-            <p:cNvSpPr txBox="1"/>
-            <p:nvPr/>
-          </p:nvSpPr>
-          <p:spPr>
-            <a:xfrm>
-              <a:off x="93741" y="3317010"/>
-              <a:ext cx="1275590" cy="244608"/>
-            </a:xfrm>
-            <a:prstGeom prst="rect">
-              <a:avLst/>
-            </a:prstGeom>
-            <a:noFill/>
-            <a:ln>
-              <a:noFill/>
-            </a:ln>
-          </p:spPr>
-          <p:txBody>
-            <a:bodyPr spcFirstLastPara="1" wrap="square" lIns="40625" tIns="10150" rIns="40625" bIns="10150" anchor="ctr" anchorCtr="0">
-              <a:noAutofit/>
-            </a:bodyPr>
-            <a:lstStyle/>
-            <a:p>
-              <a:pPr marL="0" marR="0" lvl="0" indent="0" algn="r" rtl="0">
-                <a:lnSpc>
-                  <a:spcPct val="90000"/>
-                </a:lnSpc>
-                <a:spcBef>
-                  <a:spcPts val="0"/>
-                </a:spcBef>
-                <a:spcAft>
-                  <a:spcPts val="0"/>
-                </a:spcAft>
-                <a:buNone/>
-              </a:pPr>
-              <a:r>
-                <a:rPr lang="es-ES" b="0" i="0" u="none" strike="noStrike" cap="none" dirty="0">
-                  <a:solidFill>
-                    <a:schemeClr val="dk1"/>
-                  </a:solidFill>
-                  <a:latin typeface="Calibri"/>
-                  <a:ea typeface="Calibri"/>
-                  <a:cs typeface="Calibri"/>
-                  <a:sym typeface="Calibri"/>
-                </a:rPr>
-                <a:t>24  </a:t>
-              </a:r>
-              <a:r>
-                <a:rPr lang="es-ES" dirty="0">
-                  <a:solidFill>
-                    <a:schemeClr val="dk1"/>
-                  </a:solidFill>
-                  <a:latin typeface="Calibri"/>
-                  <a:ea typeface="Calibri"/>
-                  <a:cs typeface="Calibri"/>
-                  <a:sym typeface="Calibri"/>
-                </a:rPr>
-                <a:t>Vinculados</a:t>
-              </a:r>
-              <a:endParaRPr dirty="0"/>
-            </a:p>
-          </p:txBody>
-        </p:sp>
-      </p:grpSp>
-      <p:grpSp>
-        <p:nvGrpSpPr>
-          <p:cNvPr id="75" name="Google Shape;75;p17"/>
-          <p:cNvGrpSpPr/>
-          <p:nvPr/>
-        </p:nvGrpSpPr>
-        <p:grpSpPr>
-          <a:xfrm>
-            <a:off x="5693124" y="3088709"/>
-            <a:ext cx="1417322" cy="733826"/>
-            <a:chOff x="2039720" y="2524342"/>
-            <a:chExt cx="1417322" cy="733826"/>
-          </a:xfrm>
-        </p:grpSpPr>
-        <p:sp>
-          <p:nvSpPr>
-            <p:cNvPr id="76" name="Google Shape;76;p17"/>
-            <p:cNvSpPr/>
-            <p:nvPr/>
-          </p:nvSpPr>
-          <p:spPr>
-            <a:xfrm>
-              <a:off x="2039720" y="2524342"/>
-              <a:ext cx="1417322" cy="733826"/>
-            </a:xfrm>
-            <a:prstGeom prst="rect">
-              <a:avLst/>
-            </a:prstGeom>
-            <a:solidFill>
-              <a:schemeClr val="accent1"/>
-            </a:solidFill>
-            <a:ln w="25400" cap="flat" cmpd="sng">
-              <a:solidFill>
-                <a:schemeClr val="lt1"/>
-              </a:solidFill>
-              <a:prstDash val="solid"/>
-              <a:round/>
-              <a:headEnd type="none" w="sm" len="sm"/>
-              <a:tailEnd type="none" w="sm" len="sm"/>
-            </a:ln>
-          </p:spPr>
-          <p:txBody>
-            <a:bodyPr spcFirstLastPara="1" wrap="square" lIns="91425" tIns="91425" rIns="91425" bIns="91425" anchor="ctr" anchorCtr="0">
-              <a:noAutofit/>
-            </a:bodyPr>
-            <a:lstStyle/>
-            <a:p>
-              <a:pPr marL="0" lvl="0" indent="0" algn="l" rtl="0">
-                <a:spcBef>
-                  <a:spcPts val="0"/>
-                </a:spcBef>
-                <a:spcAft>
-                  <a:spcPts val="0"/>
-                </a:spcAft>
-                <a:buNone/>
-              </a:pPr>
-              <a:endParaRPr/>
-            </a:p>
-          </p:txBody>
-        </p:sp>
-        <p:sp>
-          <p:nvSpPr>
-            <p:cNvPr id="77" name="Google Shape;77;p17"/>
-            <p:cNvSpPr txBox="1"/>
-            <p:nvPr/>
-          </p:nvSpPr>
-          <p:spPr>
-            <a:xfrm>
-              <a:off x="2039720" y="2524342"/>
-              <a:ext cx="1417322" cy="733826"/>
-            </a:xfrm>
-            <a:prstGeom prst="rect">
-              <a:avLst/>
-            </a:prstGeom>
-            <a:noFill/>
-            <a:ln>
-              <a:noFill/>
-            </a:ln>
-          </p:spPr>
-          <p:txBody>
-            <a:bodyPr spcFirstLastPara="1" wrap="square" lIns="10775" tIns="10775" rIns="10775" bIns="103550" anchor="ctr" anchorCtr="0">
-              <a:noAutofit/>
-            </a:bodyPr>
-            <a:lstStyle/>
-            <a:p>
-              <a:pPr marL="0" marR="0" lvl="0" indent="0" algn="ctr" rtl="0">
-                <a:lnSpc>
-                  <a:spcPct val="90000"/>
-                </a:lnSpc>
-                <a:spcBef>
-                  <a:spcPts val="0"/>
-                </a:spcBef>
-                <a:spcAft>
-                  <a:spcPts val="0"/>
-                </a:spcAft>
-                <a:buNone/>
-              </a:pPr>
-              <a:r>
-                <a:rPr lang="es-ES" sz="1700" b="0" i="0" u="none" strike="noStrike" cap="none" dirty="0">
-                  <a:solidFill>
-                    <a:schemeClr val="lt1"/>
-                  </a:solidFill>
-                  <a:latin typeface="Calibri"/>
-                  <a:ea typeface="Calibri"/>
-                  <a:cs typeface="Calibri"/>
-                  <a:sym typeface="Calibri"/>
-                </a:rPr>
-                <a:t>Acopio 2</a:t>
-              </a:r>
-              <a:endParaRPr dirty="0"/>
-            </a:p>
-            <a:p>
-              <a:pPr marL="0" marR="0" lvl="0" indent="0" algn="ctr" rtl="0">
-                <a:lnSpc>
-                  <a:spcPct val="90000"/>
-                </a:lnSpc>
-                <a:spcBef>
-                  <a:spcPts val="595"/>
-                </a:spcBef>
-                <a:spcAft>
-                  <a:spcPts val="0"/>
-                </a:spcAft>
-                <a:buNone/>
-              </a:pPr>
-              <a:r>
-                <a:rPr lang="es-ES" sz="1700" b="0" i="0" u="none" strike="noStrike" cap="none" dirty="0">
-                  <a:solidFill>
-                    <a:schemeClr val="lt1"/>
-                  </a:solidFill>
-                  <a:latin typeface="Calibri"/>
-                  <a:ea typeface="Calibri"/>
-                  <a:cs typeface="Calibri"/>
-                  <a:sym typeface="Calibri"/>
-                </a:rPr>
-                <a:t>San Juan </a:t>
-              </a:r>
-              <a:endParaRPr dirty="0"/>
-            </a:p>
-          </p:txBody>
-        </p:sp>
-      </p:grpSp>
-      <p:grpSp>
-        <p:nvGrpSpPr>
-          <p:cNvPr id="78" name="Google Shape;78;p17"/>
-          <p:cNvGrpSpPr/>
-          <p:nvPr/>
-        </p:nvGrpSpPr>
-        <p:grpSpPr>
-          <a:xfrm>
-            <a:off x="6479834" y="1378087"/>
-            <a:ext cx="1275590" cy="244608"/>
-            <a:chOff x="2826430" y="813720"/>
-            <a:chExt cx="1275590" cy="244608"/>
-          </a:xfrm>
-        </p:grpSpPr>
-        <p:sp>
-          <p:nvSpPr>
-            <p:cNvPr id="79" name="Google Shape;79;p17"/>
-            <p:cNvSpPr/>
-            <p:nvPr/>
-          </p:nvSpPr>
-          <p:spPr>
-            <a:xfrm>
-              <a:off x="2826430" y="813720"/>
-              <a:ext cx="1275590" cy="244608"/>
-            </a:xfrm>
-            <a:prstGeom prst="rect">
-              <a:avLst/>
-            </a:prstGeom>
-            <a:solidFill>
-              <a:schemeClr val="lt1">
-                <a:alpha val="89803"/>
-              </a:schemeClr>
-            </a:solidFill>
-            <a:ln w="25400" cap="flat" cmpd="sng">
-              <a:solidFill>
-                <a:schemeClr val="accent1"/>
-              </a:solidFill>
-              <a:prstDash val="solid"/>
-              <a:round/>
-              <a:headEnd type="none" w="sm" len="sm"/>
-              <a:tailEnd type="none" w="sm" len="sm"/>
-            </a:ln>
-          </p:spPr>
-          <p:txBody>
-            <a:bodyPr spcFirstLastPara="1" wrap="square" lIns="91425" tIns="91425" rIns="91425" bIns="91425" anchor="ctr" anchorCtr="0">
-              <a:noAutofit/>
-            </a:bodyPr>
-            <a:lstStyle/>
-            <a:p>
-              <a:pPr marL="0" lvl="0" indent="0" algn="l" rtl="0">
-                <a:spcBef>
-                  <a:spcPts val="0"/>
-                </a:spcBef>
-                <a:spcAft>
-                  <a:spcPts val="0"/>
-                </a:spcAft>
-                <a:buNone/>
-              </a:pPr>
-              <a:endParaRPr/>
-            </a:p>
-          </p:txBody>
-        </p:sp>
-        <p:sp>
-          <p:nvSpPr>
-            <p:cNvPr id="80" name="Google Shape;80;p17"/>
-            <p:cNvSpPr txBox="1"/>
-            <p:nvPr/>
-          </p:nvSpPr>
-          <p:spPr>
-            <a:xfrm>
-              <a:off x="2826430" y="813720"/>
-              <a:ext cx="1275590" cy="244608"/>
-            </a:xfrm>
-            <a:prstGeom prst="rect">
-              <a:avLst/>
-            </a:prstGeom>
-            <a:noFill/>
-            <a:ln>
-              <a:noFill/>
-            </a:ln>
-          </p:spPr>
-          <p:txBody>
-            <a:bodyPr spcFirstLastPara="1" wrap="square" lIns="40625" tIns="10150" rIns="40625" bIns="10150" anchor="ctr" anchorCtr="0">
-              <a:noAutofit/>
-            </a:bodyPr>
-            <a:lstStyle/>
-            <a:p>
-              <a:pPr marL="0" marR="0" lvl="0" indent="0" algn="r" rtl="0">
-                <a:lnSpc>
-                  <a:spcPct val="90000"/>
-                </a:lnSpc>
-                <a:spcBef>
-                  <a:spcPts val="0"/>
-                </a:spcBef>
-                <a:spcAft>
-                  <a:spcPts val="0"/>
-                </a:spcAft>
-                <a:buNone/>
-              </a:pPr>
-              <a:r>
-                <a:rPr lang="es-ES" sz="1600" b="0" i="0" u="none" strike="noStrike" cap="none">
-                  <a:solidFill>
-                    <a:schemeClr val="dk1"/>
-                  </a:solidFill>
-                  <a:latin typeface="Calibri"/>
-                  <a:ea typeface="Calibri"/>
-                  <a:cs typeface="Calibri"/>
-                  <a:sym typeface="Calibri"/>
-                </a:rPr>
-                <a:t>8 personas </a:t>
-              </a:r>
-              <a:endParaRPr/>
-            </a:p>
-          </p:txBody>
-        </p:sp>
-      </p:grpSp>
-      <p:grpSp>
-        <p:nvGrpSpPr>
-          <p:cNvPr id="81" name="Google Shape;81;p17"/>
-          <p:cNvGrpSpPr/>
-          <p:nvPr/>
-        </p:nvGrpSpPr>
-        <p:grpSpPr>
-          <a:xfrm>
-            <a:off x="4747402" y="1718986"/>
-            <a:ext cx="1417322" cy="733826"/>
-            <a:chOff x="1047038" y="1366527"/>
-            <a:chExt cx="1417322" cy="733826"/>
-          </a:xfrm>
-        </p:grpSpPr>
-        <p:sp>
-          <p:nvSpPr>
-            <p:cNvPr id="82" name="Google Shape;82;p17"/>
-            <p:cNvSpPr/>
-            <p:nvPr/>
-          </p:nvSpPr>
-          <p:spPr>
-            <a:xfrm>
-              <a:off x="1047038" y="1366527"/>
-              <a:ext cx="1417322" cy="733826"/>
-            </a:xfrm>
-            <a:prstGeom prst="rect">
-              <a:avLst/>
-            </a:prstGeom>
-            <a:solidFill>
-              <a:schemeClr val="accent1"/>
-            </a:solidFill>
-            <a:ln w="25400" cap="flat" cmpd="sng">
-              <a:solidFill>
-                <a:schemeClr val="lt1"/>
-              </a:solidFill>
-              <a:prstDash val="solid"/>
-              <a:round/>
-              <a:headEnd type="none" w="sm" len="sm"/>
-              <a:tailEnd type="none" w="sm" len="sm"/>
-            </a:ln>
-          </p:spPr>
-          <p:txBody>
-            <a:bodyPr spcFirstLastPara="1" wrap="square" lIns="91425" tIns="91425" rIns="91425" bIns="91425" anchor="ctr" anchorCtr="0">
-              <a:noAutofit/>
-            </a:bodyPr>
-            <a:lstStyle/>
-            <a:p>
-              <a:pPr marL="0" lvl="0" indent="0" algn="l" rtl="0">
-                <a:spcBef>
-                  <a:spcPts val="0"/>
-                </a:spcBef>
-                <a:spcAft>
-                  <a:spcPts val="0"/>
-                </a:spcAft>
-                <a:buNone/>
-              </a:pPr>
-              <a:endParaRPr/>
-            </a:p>
-          </p:txBody>
-        </p:sp>
-        <p:sp>
-          <p:nvSpPr>
-            <p:cNvPr id="83" name="Google Shape;83;p17"/>
-            <p:cNvSpPr txBox="1"/>
-            <p:nvPr/>
-          </p:nvSpPr>
-          <p:spPr>
-            <a:xfrm>
-              <a:off x="1047038" y="1366527"/>
-              <a:ext cx="1417322" cy="733826"/>
-            </a:xfrm>
-            <a:prstGeom prst="rect">
-              <a:avLst/>
-            </a:prstGeom>
-            <a:noFill/>
-            <a:ln>
-              <a:noFill/>
-            </a:ln>
-          </p:spPr>
-          <p:txBody>
-            <a:bodyPr spcFirstLastPara="1" wrap="square" lIns="10775" tIns="10775" rIns="10775" bIns="103550" anchor="ctr" anchorCtr="0">
-              <a:noAutofit/>
-            </a:bodyPr>
-            <a:lstStyle/>
-            <a:p>
-              <a:pPr marL="0" marR="0" lvl="0" indent="0" algn="ctr" rtl="0">
-                <a:lnSpc>
-                  <a:spcPct val="90000"/>
-                </a:lnSpc>
-                <a:spcBef>
-                  <a:spcPts val="0"/>
-                </a:spcBef>
-                <a:spcAft>
-                  <a:spcPts val="0"/>
-                </a:spcAft>
-                <a:buNone/>
-              </a:pPr>
-              <a:r>
-                <a:rPr lang="es-ES" sz="1700" b="0" i="0" u="none" strike="noStrike" cap="none" dirty="0">
-                  <a:solidFill>
-                    <a:schemeClr val="lt1"/>
-                  </a:solidFill>
-                  <a:latin typeface="Calibri"/>
-                  <a:ea typeface="Calibri"/>
-                  <a:cs typeface="Calibri"/>
-                  <a:sym typeface="Calibri"/>
-                </a:rPr>
-                <a:t>Vinculados </a:t>
-              </a:r>
-              <a:endParaRPr sz="1700" b="0" i="0" u="none" strike="noStrike" cap="none" dirty="0">
-                <a:solidFill>
-                  <a:schemeClr val="lt1"/>
-                </a:solidFill>
-                <a:latin typeface="Calibri"/>
-                <a:ea typeface="Calibri"/>
-                <a:cs typeface="Calibri"/>
-                <a:sym typeface="Calibri"/>
-              </a:endParaRPr>
-            </a:p>
-          </p:txBody>
-        </p:sp>
-      </p:grpSp>
-      <p:grpSp>
-        <p:nvGrpSpPr>
-          <p:cNvPr id="84" name="Google Shape;84;p17"/>
-          <p:cNvGrpSpPr/>
-          <p:nvPr/>
-        </p:nvGrpSpPr>
-        <p:grpSpPr>
-          <a:xfrm>
-            <a:off x="7665496" y="3868176"/>
-            <a:ext cx="1318319" cy="255985"/>
-            <a:chOff x="4012092" y="3548417"/>
-            <a:chExt cx="1318319" cy="255985"/>
-          </a:xfrm>
-        </p:grpSpPr>
-        <p:sp>
-          <p:nvSpPr>
-            <p:cNvPr id="85" name="Google Shape;85;p17"/>
-            <p:cNvSpPr/>
-            <p:nvPr/>
-          </p:nvSpPr>
-          <p:spPr>
-            <a:xfrm>
-              <a:off x="4054821" y="3559794"/>
-              <a:ext cx="1275590" cy="244608"/>
-            </a:xfrm>
-            <a:prstGeom prst="rect">
-              <a:avLst/>
-            </a:prstGeom>
-            <a:solidFill>
-              <a:schemeClr val="lt1">
-                <a:alpha val="89803"/>
-              </a:schemeClr>
-            </a:solidFill>
-            <a:ln w="25400" cap="flat" cmpd="sng">
-              <a:solidFill>
-                <a:schemeClr val="accent1"/>
-              </a:solidFill>
-              <a:prstDash val="solid"/>
-              <a:round/>
-              <a:headEnd type="none" w="sm" len="sm"/>
-              <a:tailEnd type="none" w="sm" len="sm"/>
-            </a:ln>
-          </p:spPr>
-          <p:txBody>
-            <a:bodyPr spcFirstLastPara="1" wrap="square" lIns="91425" tIns="91425" rIns="91425" bIns="91425" anchor="ctr" anchorCtr="0">
-              <a:noAutofit/>
-            </a:bodyPr>
-            <a:lstStyle/>
-            <a:p>
-              <a:pPr marL="0" lvl="0" indent="0" algn="l" rtl="0">
-                <a:spcBef>
-                  <a:spcPts val="0"/>
-                </a:spcBef>
-                <a:spcAft>
-                  <a:spcPts val="0"/>
-                </a:spcAft>
-                <a:buNone/>
-              </a:pPr>
-              <a:endParaRPr/>
-            </a:p>
-          </p:txBody>
-        </p:sp>
-        <p:sp>
-          <p:nvSpPr>
-            <p:cNvPr id="86" name="Google Shape;86;p17"/>
-            <p:cNvSpPr txBox="1"/>
-            <p:nvPr/>
-          </p:nvSpPr>
-          <p:spPr>
-            <a:xfrm>
-              <a:off x="4012092" y="3548417"/>
-              <a:ext cx="1275590" cy="244608"/>
-            </a:xfrm>
-            <a:prstGeom prst="rect">
-              <a:avLst/>
-            </a:prstGeom>
-            <a:noFill/>
-            <a:ln>
-              <a:noFill/>
-            </a:ln>
-          </p:spPr>
-          <p:txBody>
-            <a:bodyPr spcFirstLastPara="1" wrap="square" lIns="40625" tIns="10150" rIns="40625" bIns="10150" anchor="ctr" anchorCtr="0">
-              <a:noAutofit/>
-            </a:bodyPr>
-            <a:lstStyle/>
-            <a:p>
-              <a:pPr marL="0" marR="0" lvl="0" indent="0" algn="r" rtl="0">
-                <a:lnSpc>
-                  <a:spcPct val="90000"/>
-                </a:lnSpc>
-                <a:spcBef>
-                  <a:spcPts val="0"/>
-                </a:spcBef>
-                <a:spcAft>
-                  <a:spcPts val="0"/>
-                </a:spcAft>
-                <a:buNone/>
-              </a:pPr>
-              <a:r>
-                <a:rPr lang="es-ES" b="0" i="0" u="none" strike="noStrike" cap="none" dirty="0">
-                  <a:solidFill>
-                    <a:schemeClr val="dk1"/>
-                  </a:solidFill>
-                  <a:latin typeface="Calibri"/>
-                  <a:ea typeface="Calibri"/>
-                  <a:cs typeface="Calibri"/>
-                  <a:sym typeface="Calibri"/>
-                </a:rPr>
-                <a:t>24 </a:t>
-              </a:r>
-              <a:r>
-                <a:rPr lang="es-ES" dirty="0">
-                  <a:solidFill>
-                    <a:schemeClr val="dk1"/>
-                  </a:solidFill>
-                  <a:latin typeface="Calibri"/>
-                  <a:ea typeface="Calibri"/>
-                  <a:cs typeface="Calibri"/>
-                  <a:sym typeface="Calibri"/>
-                </a:rPr>
-                <a:t>vinculados</a:t>
-              </a:r>
-              <a:r>
-                <a:rPr lang="es-ES" b="0" i="0" u="none" strike="noStrike" cap="none" dirty="0">
-                  <a:solidFill>
-                    <a:schemeClr val="dk1"/>
-                  </a:solidFill>
-                  <a:latin typeface="Calibri"/>
-                  <a:ea typeface="Calibri"/>
-                  <a:cs typeface="Calibri"/>
-                  <a:sym typeface="Calibri"/>
-                </a:rPr>
-                <a:t> </a:t>
-              </a:r>
-              <a:endParaRPr dirty="0"/>
-            </a:p>
-          </p:txBody>
-        </p:sp>
-      </p:grpSp>
-      <p:sp>
-        <p:nvSpPr>
-          <p:cNvPr id="87" name="Google Shape;87;p17"/>
-          <p:cNvSpPr txBox="1"/>
-          <p:nvPr/>
-        </p:nvSpPr>
-        <p:spPr>
-          <a:xfrm>
-            <a:off x="6315390" y="2594099"/>
-            <a:ext cx="1279241" cy="229198"/>
-          </a:xfrm>
-          <a:prstGeom prst="rect">
-            <a:avLst/>
-          </a:prstGeom>
-          <a:gradFill>
-            <a:gsLst>
-              <a:gs pos="0">
-                <a:srgbClr val="9FC3FF"/>
-              </a:gs>
-              <a:gs pos="35000">
-                <a:srgbClr val="BDD5FF"/>
-              </a:gs>
-              <a:gs pos="100000">
-                <a:srgbClr val="E4EEFF"/>
-              </a:gs>
-            </a:gsLst>
-            <a:lin ang="16200000" scaled="0"/>
-          </a:gradFill>
-          <a:ln w="9525" cap="flat" cmpd="sng">
-            <a:solidFill>
-              <a:srgbClr val="4A7DBA"/>
-            </a:solidFill>
-            <a:prstDash val="solid"/>
-            <a:round/>
-            <a:headEnd type="none" w="sm" len="sm"/>
-            <a:tailEnd type="none" w="sm" len="sm"/>
-          </a:ln>
-          <a:effectLst>
-            <a:outerShdw blurRad="40000" dist="20000" dir="5400000" rotWithShape="0">
-              <a:srgbClr val="000000">
-                <a:alpha val="37647"/>
-              </a:srgbClr>
-            </a:outerShdw>
-          </a:effectLst>
-        </p:spPr>
-        <p:txBody>
-          <a:bodyPr spcFirstLastPara="1" wrap="square" lIns="40625" tIns="10150" rIns="40625" bIns="10150" anchor="ctr" anchorCtr="0">
-            <a:noAutofit/>
-          </a:bodyPr>
-          <a:lstStyle/>
-          <a:p>
-            <a:pPr marL="0" marR="0" lvl="0" indent="0" algn="r" rtl="0">
-              <a:lnSpc>
-                <a:spcPct val="90000"/>
-              </a:lnSpc>
-              <a:spcBef>
-                <a:spcPts val="0"/>
-              </a:spcBef>
-              <a:spcAft>
-                <a:spcPts val="0"/>
-              </a:spcAft>
-              <a:buNone/>
-            </a:pPr>
-            <a:r>
-              <a:rPr lang="es-ES" sz="1600" b="0" i="0" u="none" strike="noStrike" cap="none">
-                <a:solidFill>
-                  <a:schemeClr val="dk1"/>
-                </a:solidFill>
-                <a:latin typeface="Calibri"/>
-                <a:ea typeface="Calibri"/>
-                <a:cs typeface="Calibri"/>
-                <a:sym typeface="Calibri"/>
-              </a:rPr>
-              <a:t>1 operador </a:t>
-            </a:r>
-            <a:endParaRPr/>
-          </a:p>
-        </p:txBody>
-      </p:sp>
-      <p:sp>
-        <p:nvSpPr>
-          <p:cNvPr id="88" name="Google Shape;88;p17"/>
-          <p:cNvSpPr txBox="1"/>
-          <p:nvPr/>
-        </p:nvSpPr>
-        <p:spPr>
-          <a:xfrm>
-            <a:off x="4119346" y="2562150"/>
-            <a:ext cx="1363750" cy="205486"/>
-          </a:xfrm>
-          <a:prstGeom prst="rect">
-            <a:avLst/>
-          </a:prstGeom>
-          <a:noFill/>
-          <a:ln>
-            <a:noFill/>
-          </a:ln>
-        </p:spPr>
-        <p:txBody>
-          <a:bodyPr spcFirstLastPara="1" wrap="square" lIns="40625" tIns="10150" rIns="40625" bIns="10150" anchor="ctr" anchorCtr="0">
-            <a:noAutofit/>
-          </a:bodyPr>
-          <a:lstStyle/>
-          <a:p>
-            <a:pPr marL="0" marR="0" lvl="0" indent="0" algn="r" rtl="0">
-              <a:lnSpc>
-                <a:spcPct val="90000"/>
-              </a:lnSpc>
-              <a:spcBef>
-                <a:spcPts val="0"/>
-              </a:spcBef>
-              <a:spcAft>
-                <a:spcPts val="0"/>
-              </a:spcAft>
-              <a:buNone/>
-            </a:pPr>
-            <a:r>
-              <a:rPr lang="es-ES" sz="1600" b="0" i="0" u="none" strike="noStrike" cap="none" dirty="0">
-                <a:solidFill>
-                  <a:schemeClr val="dk1"/>
-                </a:solidFill>
-                <a:latin typeface="Calibri"/>
-                <a:ea typeface="Calibri"/>
-                <a:cs typeface="Calibri"/>
-                <a:sym typeface="Calibri"/>
-              </a:rPr>
-              <a:t>94 personas </a:t>
-            </a:r>
-            <a:endParaRPr dirty="0"/>
-          </a:p>
-        </p:txBody>
-      </p:sp>
-      <p:grpSp>
-        <p:nvGrpSpPr>
-          <p:cNvPr id="89" name="Google Shape;89;p17"/>
-          <p:cNvGrpSpPr/>
-          <p:nvPr/>
-        </p:nvGrpSpPr>
-        <p:grpSpPr>
-          <a:xfrm>
-            <a:off x="7594631" y="3088709"/>
-            <a:ext cx="1417322" cy="733826"/>
-            <a:chOff x="3941227" y="2524342"/>
-            <a:chExt cx="1417322" cy="733826"/>
-          </a:xfrm>
-        </p:grpSpPr>
-        <p:sp>
-          <p:nvSpPr>
-            <p:cNvPr id="90" name="Google Shape;90;p17"/>
-            <p:cNvSpPr/>
-            <p:nvPr/>
-          </p:nvSpPr>
-          <p:spPr>
-            <a:xfrm>
-              <a:off x="3941227" y="2524342"/>
-              <a:ext cx="1417322" cy="733826"/>
-            </a:xfrm>
-            <a:prstGeom prst="rect">
-              <a:avLst/>
-            </a:prstGeom>
-            <a:solidFill>
-              <a:schemeClr val="accent1"/>
-            </a:solidFill>
-            <a:ln w="25400" cap="flat" cmpd="sng">
-              <a:solidFill>
-                <a:schemeClr val="lt1"/>
-              </a:solidFill>
-              <a:prstDash val="solid"/>
-              <a:round/>
-              <a:headEnd type="none" w="sm" len="sm"/>
-              <a:tailEnd type="none" w="sm" len="sm"/>
-            </a:ln>
-          </p:spPr>
-          <p:txBody>
-            <a:bodyPr spcFirstLastPara="1" wrap="square" lIns="91425" tIns="91425" rIns="91425" bIns="91425" anchor="ctr" anchorCtr="0">
-              <a:noAutofit/>
-            </a:bodyPr>
-            <a:lstStyle/>
-            <a:p>
-              <a:pPr marL="0" lvl="0" indent="0" algn="l" rtl="0">
-                <a:spcBef>
-                  <a:spcPts val="0"/>
-                </a:spcBef>
-                <a:spcAft>
-                  <a:spcPts val="0"/>
-                </a:spcAft>
-                <a:buNone/>
-              </a:pPr>
-              <a:endParaRPr/>
-            </a:p>
-          </p:txBody>
-        </p:sp>
-        <p:sp>
-          <p:nvSpPr>
-            <p:cNvPr id="91" name="Google Shape;91;p17"/>
-            <p:cNvSpPr txBox="1"/>
-            <p:nvPr/>
-          </p:nvSpPr>
-          <p:spPr>
-            <a:xfrm>
-              <a:off x="3941227" y="2524342"/>
-              <a:ext cx="1417322" cy="733826"/>
-            </a:xfrm>
-            <a:prstGeom prst="rect">
-              <a:avLst/>
-            </a:prstGeom>
-            <a:noFill/>
-            <a:ln>
-              <a:noFill/>
-            </a:ln>
-          </p:spPr>
-          <p:txBody>
-            <a:bodyPr spcFirstLastPara="1" wrap="square" lIns="10775" tIns="10775" rIns="10775" bIns="103550" anchor="ctr" anchorCtr="0">
-              <a:noAutofit/>
-            </a:bodyPr>
-            <a:lstStyle/>
-            <a:p>
-              <a:pPr marL="0" marR="0" lvl="0" indent="0" algn="ctr" rtl="0">
-                <a:lnSpc>
-                  <a:spcPct val="90000"/>
-                </a:lnSpc>
-                <a:spcBef>
-                  <a:spcPts val="0"/>
-                </a:spcBef>
-                <a:spcAft>
-                  <a:spcPts val="0"/>
-                </a:spcAft>
-                <a:buNone/>
-              </a:pPr>
-              <a:r>
-                <a:rPr lang="es-ES" sz="1700" b="0" i="0" u="none" strike="noStrike" cap="none" dirty="0">
-                  <a:solidFill>
-                    <a:schemeClr val="lt1"/>
-                  </a:solidFill>
-                  <a:latin typeface="Calibri"/>
-                  <a:ea typeface="Calibri"/>
-                  <a:cs typeface="Calibri"/>
-                  <a:sym typeface="Calibri"/>
-                </a:rPr>
-                <a:t>Acopio 3</a:t>
-              </a:r>
-              <a:endParaRPr dirty="0"/>
-            </a:p>
-            <a:p>
-              <a:pPr marL="0" marR="0" lvl="0" indent="0" algn="ctr" rtl="0">
-                <a:lnSpc>
-                  <a:spcPct val="90000"/>
-                </a:lnSpc>
-                <a:spcBef>
-                  <a:spcPts val="595"/>
-                </a:spcBef>
-                <a:spcAft>
-                  <a:spcPts val="0"/>
-                </a:spcAft>
-                <a:buNone/>
-              </a:pPr>
-              <a:r>
-                <a:rPr lang="es-ES" sz="1700" b="0" i="0" u="none" strike="noStrike" cap="none" dirty="0">
-                  <a:solidFill>
-                    <a:schemeClr val="lt1"/>
-                  </a:solidFill>
-                  <a:latin typeface="Calibri"/>
-                  <a:ea typeface="Calibri"/>
-                  <a:cs typeface="Calibri"/>
-                  <a:sym typeface="Calibri"/>
-                </a:rPr>
-                <a:t>San Ignacio</a:t>
-              </a:r>
-              <a:endParaRPr sz="1700" b="0" i="0" u="none" strike="noStrike" cap="none" dirty="0">
-                <a:solidFill>
-                  <a:schemeClr val="lt1"/>
-                </a:solidFill>
-                <a:latin typeface="Calibri"/>
-                <a:ea typeface="Calibri"/>
-                <a:cs typeface="Calibri"/>
-                <a:sym typeface="Calibri"/>
-              </a:endParaRPr>
-            </a:p>
-          </p:txBody>
-        </p:sp>
-      </p:grpSp>
-    </p:spTree>
-  </p:cSld>
-  <p:clrMapOvr>
-    <a:masterClrMapping/>
-  </p:clrMapOvr>
-  <mc:AlternateContent xmlns:mc="http://schemas.openxmlformats.org/markup-compatibility/2006" xmlns:p14="http://schemas.microsoft.com/office/powerpoint/2010/main">
-    <mc:Choice Requires="p14">
-      <p:transition spd="slow" p14:dur="1200">
-        <p14:prism/>
-      </p:transition>
-    </mc:Choice>
-    <mc:Fallback xmlns="">
-      <p:transition spd="slow">
-        <p:fade/>
-      </p:transition>
-    </mc:Fallback>
-  </mc:AlternateContent>
-</p:sld>
-</file>
-
-<file path=ppt/slides/slide8.xml><?xml version="1.0" encoding="utf-8"?>
-<p:sld xmlns:a="http://schemas.openxmlformats.org/drawingml/2006/main" xmlns:r="http://schemas.openxmlformats.org/officeDocument/2006/relationships" xmlns:p="http://schemas.openxmlformats.org/presentationml/2006/main">
-  <p:cSld>
-    <p:spTree>
-      <p:nvGrpSpPr>
-        <p:cNvPr id="1" name="Shape 95"/>
-        <p:cNvGrpSpPr/>
-        <p:nvPr/>
-      </p:nvGrpSpPr>
-      <p:grpSpPr>
-        <a:xfrm>
-          <a:off x="0" y="0"/>
-          <a:ext cx="0" cy="0"/>
-          <a:chOff x="0" y="0"/>
-          <a:chExt cx="0" cy="0"/>
-        </a:xfrm>
-      </p:grpSpPr>
-      <p:sp>
-        <p:nvSpPr>
-          <p:cNvPr id="96" name="Google Shape;96;p18"/>
-          <p:cNvSpPr/>
-          <p:nvPr/>
-        </p:nvSpPr>
-        <p:spPr>
-          <a:xfrm>
-            <a:off x="473133" y="2017752"/>
-            <a:ext cx="2863733" cy="954107"/>
-          </a:xfrm>
-          <a:prstGeom prst="rect">
-            <a:avLst/>
-          </a:prstGeom>
-          <a:noFill/>
-          <a:ln>
-            <a:noFill/>
-          </a:ln>
-        </p:spPr>
-        <p:txBody>
-          <a:bodyPr spcFirstLastPara="1" wrap="square" lIns="91425" tIns="45700" rIns="91425" bIns="45700" anchor="t" anchorCtr="0">
-            <a:noAutofit/>
-          </a:bodyPr>
-          <a:lstStyle/>
-          <a:p>
-            <a:pPr marL="0" marR="0" lvl="0" indent="0" algn="ctr" rtl="0">
-              <a:spcBef>
-                <a:spcPts val="0"/>
-              </a:spcBef>
-              <a:spcAft>
-                <a:spcPts val="0"/>
-              </a:spcAft>
-              <a:buNone/>
-            </a:pPr>
-            <a:r>
-              <a:rPr lang="es-ES" sz="2400" b="1" i="0" u="none" strike="noStrike" cap="none" dirty="0">
-                <a:solidFill>
-                  <a:schemeClr val="lt1"/>
-                </a:solidFill>
-                <a:latin typeface="Calibri"/>
-                <a:ea typeface="Calibri"/>
-                <a:cs typeface="Calibri"/>
-                <a:sym typeface="Calibri"/>
-              </a:rPr>
-              <a:t>PLANTEAMIENTO </a:t>
-            </a:r>
-            <a:endParaRPr sz="2400" b="1" i="0" u="none" strike="noStrike" cap="none" dirty="0">
-              <a:solidFill>
-                <a:schemeClr val="lt1"/>
-              </a:solidFill>
-              <a:latin typeface="Calibri"/>
-              <a:ea typeface="Calibri"/>
-              <a:cs typeface="Calibri"/>
-              <a:sym typeface="Calibri"/>
-            </a:endParaRPr>
-          </a:p>
-          <a:p>
-            <a:pPr marL="0" marR="0" lvl="0" indent="0" algn="ctr" rtl="0">
-              <a:spcBef>
-                <a:spcPts val="0"/>
-              </a:spcBef>
-              <a:spcAft>
-                <a:spcPts val="0"/>
-              </a:spcAft>
-              <a:buNone/>
-            </a:pPr>
-            <a:r>
-              <a:rPr lang="es-ES" sz="2400" b="1" i="0" u="none" strike="noStrike" cap="none" dirty="0">
-                <a:solidFill>
-                  <a:schemeClr val="lt1"/>
-                </a:solidFill>
-                <a:latin typeface="Calibri"/>
-                <a:ea typeface="Calibri"/>
-                <a:cs typeface="Calibri"/>
-                <a:sym typeface="Calibri"/>
-              </a:rPr>
-              <a:t>DEL PROBLEMA</a:t>
-            </a:r>
-            <a:endParaRPr sz="2400" b="1" i="0" u="none" strike="noStrike" cap="none" dirty="0">
-              <a:solidFill>
-                <a:schemeClr val="lt1"/>
-              </a:solidFill>
-              <a:latin typeface="Calibri"/>
-              <a:ea typeface="Calibri"/>
-              <a:cs typeface="Calibri"/>
-              <a:sym typeface="Calibri"/>
-            </a:endParaRPr>
-          </a:p>
-        </p:txBody>
-      </p:sp>
-      <p:pic>
-        <p:nvPicPr>
-          <p:cNvPr id="97" name="Google Shape;97;p18" descr="Resultado de imagen para trabajo con mucho documentos"/>
-          <p:cNvPicPr preferRelativeResize="0"/>
-          <p:nvPr/>
-        </p:nvPicPr>
-        <p:blipFill rotWithShape="1">
-          <a:blip r:embed="rId3">
-            <a:alphaModFix/>
-          </a:blip>
-          <a:srcRect/>
-          <a:stretch/>
-        </p:blipFill>
-        <p:spPr>
-          <a:xfrm>
-            <a:off x="4933947" y="208394"/>
-            <a:ext cx="3203575" cy="2134011"/>
-          </a:xfrm>
-          <a:prstGeom prst="rect">
-            <a:avLst/>
-          </a:prstGeom>
-          <a:noFill/>
-          <a:ln>
-            <a:noFill/>
-          </a:ln>
-        </p:spPr>
-      </p:pic>
-      <p:pic>
-        <p:nvPicPr>
-          <p:cNvPr id="98" name="Google Shape;98;p18" descr="Resultado de imagen para entregando lecheal acopio"/>
-          <p:cNvPicPr preferRelativeResize="0"/>
-          <p:nvPr/>
-        </p:nvPicPr>
-        <p:blipFill rotWithShape="1">
-          <a:blip r:embed="rId4">
-            <a:alphaModFix/>
-          </a:blip>
-          <a:srcRect/>
-          <a:stretch/>
-        </p:blipFill>
-        <p:spPr>
-          <a:xfrm>
-            <a:off x="4933948" y="2647950"/>
-            <a:ext cx="3203575" cy="2252056"/>
-          </a:xfrm>
-          <a:prstGeom prst="rect">
-            <a:avLst/>
-          </a:prstGeom>
-          <a:noFill/>
-          <a:ln>
-            <a:noFill/>
-          </a:ln>
-        </p:spPr>
-      </p:pic>
-    </p:spTree>
-  </p:cSld>
-  <p:clrMapOvr>
-    <a:masterClrMapping/>
-  </p:clrMapOvr>
-  <mc:AlternateContent xmlns:mc="http://schemas.openxmlformats.org/markup-compatibility/2006" xmlns:p14="http://schemas.microsoft.com/office/powerpoint/2010/main">
-    <mc:Choice Requires="p14">
-      <p:transition spd="slow" p14:dur="1200">
-        <p14:prism/>
-      </p:transition>
-    </mc:Choice>
-    <mc:Fallback xmlns="">
-      <p:transition spd="slow">
-        <p:fade/>
-      </p:transition>
-    </mc:Fallback>
-  </mc:AlternateContent>
-</p:sld>
-</file>
-
-<file path=ppt/slides/slide9.xml><?xml version="1.0" encoding="utf-8"?>
-<p:sld xmlns:a="http://schemas.openxmlformats.org/drawingml/2006/main" xmlns:r="http://schemas.openxmlformats.org/officeDocument/2006/relationships" xmlns:p="http://schemas.openxmlformats.org/presentationml/2006/main">
-  <p:cSld>
-    <p:spTree>
-      <p:nvGrpSpPr>
-        <p:cNvPr id="1" name="Shape 103"/>
-        <p:cNvGrpSpPr/>
-        <p:nvPr/>
-      </p:nvGrpSpPr>
-      <p:grpSpPr>
-        <a:xfrm>
-          <a:off x="0" y="0"/>
-          <a:ext cx="0" cy="0"/>
-          <a:chOff x="0" y="0"/>
-          <a:chExt cx="0" cy="0"/>
-        </a:xfrm>
-      </p:grpSpPr>
-      <p:sp>
-        <p:nvSpPr>
-          <p:cNvPr id="104" name="Google Shape;104;p19"/>
-          <p:cNvSpPr txBox="1"/>
-          <p:nvPr/>
-        </p:nvSpPr>
-        <p:spPr>
-          <a:xfrm>
-            <a:off x="228599" y="2209800"/>
-            <a:ext cx="3231573" cy="678873"/>
-          </a:xfrm>
-          <a:prstGeom prst="rect">
-            <a:avLst/>
-          </a:prstGeom>
-          <a:noFill/>
-          <a:ln>
-            <a:noFill/>
-          </a:ln>
-        </p:spPr>
-        <p:txBody>
-          <a:bodyPr spcFirstLastPara="1" wrap="square" lIns="91425" tIns="91425" rIns="91425" bIns="91425" anchor="t" anchorCtr="0">
-            <a:noAutofit/>
-          </a:bodyPr>
-          <a:lstStyle/>
-          <a:p>
-            <a:pPr marL="457200" lvl="0" indent="0" algn="l" rtl="0">
-              <a:spcBef>
-                <a:spcPts val="0"/>
-              </a:spcBef>
-              <a:spcAft>
-                <a:spcPts val="0"/>
-              </a:spcAft>
-              <a:buNone/>
-            </a:pPr>
-            <a:r>
-              <a:rPr lang="es-ES" sz="3000" b="1" dirty="0">
-                <a:solidFill>
-                  <a:schemeClr val="lt2"/>
-                </a:solidFill>
-                <a:latin typeface="Calibri"/>
-                <a:ea typeface="Calibri"/>
-                <a:cs typeface="Calibri"/>
-                <a:sym typeface="Calibri"/>
-              </a:rPr>
-              <a:t>JUSTIFICACIÓN</a:t>
-            </a:r>
-            <a:endParaRPr sz="3000" b="1" dirty="0">
-              <a:solidFill>
-                <a:schemeClr val="lt2"/>
-              </a:solidFill>
-            </a:endParaRPr>
-          </a:p>
-        </p:txBody>
-      </p:sp>
-      <p:pic>
-        <p:nvPicPr>
-          <p:cNvPr id="105" name="Google Shape;105;p19"/>
-          <p:cNvPicPr preferRelativeResize="0"/>
-          <p:nvPr/>
-        </p:nvPicPr>
-        <p:blipFill rotWithShape="1">
-          <a:blip r:embed="rId3">
-            <a:alphaModFix/>
-          </a:blip>
-          <a:srcRect b="13186"/>
-          <a:stretch/>
-        </p:blipFill>
-        <p:spPr>
-          <a:xfrm>
-            <a:off x="4247825" y="220225"/>
-            <a:ext cx="4268449" cy="1989575"/>
-          </a:xfrm>
-          <a:prstGeom prst="rect">
-            <a:avLst/>
-          </a:prstGeom>
-          <a:noFill/>
-          <a:ln>
-            <a:noFill/>
-          </a:ln>
-        </p:spPr>
-      </p:pic>
-      <p:pic>
-        <p:nvPicPr>
-          <p:cNvPr id="106" name="Google Shape;106;p19"/>
-          <p:cNvPicPr preferRelativeResize="0"/>
-          <p:nvPr/>
-        </p:nvPicPr>
-        <p:blipFill>
-          <a:blip r:embed="rId4">
-            <a:alphaModFix/>
-          </a:blip>
-          <a:stretch>
-            <a:fillRect/>
-          </a:stretch>
-        </p:blipFill>
-        <p:spPr>
-          <a:xfrm>
-            <a:off x="4247825" y="2395350"/>
-            <a:ext cx="4268450" cy="2628900"/>
-          </a:xfrm>
-          <a:prstGeom prst="rect">
-            <a:avLst/>
-          </a:prstGeom>
-          <a:noFill/>
-          <a:ln>
-            <a:noFill/>
-          </a:ln>
-        </p:spPr>
-      </p:pic>
-    </p:spTree>
   </p:cSld>
   <p:clrMapOvr>
     <a:masterClrMapping/>
